--- a/Documentation/הסבת גבולות פסקי דין.pptx
+++ b/Documentation/הסבת גבולות פסקי דין.pptx
@@ -5,28 +5,23 @@
     <p:sldMasterId id="2147483672" r:id="rId1"/>
   </p:sldMasterIdLst>
   <p:notesMasterIdLst>
-    <p:notesMasterId r:id="rId13"/>
+    <p:notesMasterId r:id="rId8"/>
   </p:notesMasterIdLst>
   <p:handoutMasterIdLst>
-    <p:handoutMasterId r:id="rId14"/>
+    <p:handoutMasterId r:id="rId9"/>
   </p:handoutMasterIdLst>
   <p:sldIdLst>
     <p:sldId id="256" r:id="rId2"/>
     <p:sldId id="342" r:id="rId3"/>
     <p:sldId id="391" r:id="rId4"/>
-    <p:sldId id="380" r:id="rId5"/>
-    <p:sldId id="308" r:id="rId6"/>
-    <p:sldId id="436" r:id="rId7"/>
-    <p:sldId id="439" r:id="rId8"/>
-    <p:sldId id="440" r:id="rId9"/>
-    <p:sldId id="442" r:id="rId10"/>
-    <p:sldId id="441" r:id="rId11"/>
-    <p:sldId id="443" r:id="rId12"/>
+    <p:sldId id="308" r:id="rId5"/>
+    <p:sldId id="380" r:id="rId6"/>
+    <p:sldId id="444" r:id="rId7"/>
   </p:sldIdLst>
   <p:sldSz cx="12192000" cy="6858000"/>
   <p:notesSz cx="6769100" cy="9906000"/>
   <p:custDataLst>
-    <p:tags r:id="rId15"/>
+    <p:tags r:id="rId10"/>
   </p:custDataLst>
   <p:defaultTextStyle>
     <a:defPPr>
@@ -227,7 +222,7 @@
           <a:p>
             <a:fld id="{447C4C8E-ED1E-46FA-ADE8-FECCD82E74B0}" type="datetimeFigureOut">
               <a:rPr lang="he-IL" smtClean="0"/>
-              <a:t>ב'/שבט/תשפ"ב</a:t>
+              <a:t>י"א/שבט/תשפ"ג</a:t>
             </a:fld>
             <a:endParaRPr lang="he-IL"/>
           </a:p>
@@ -392,7 +387,7 @@
           <a:p>
             <a:fld id="{642546F1-AC35-4447-B1EB-19BE77B70D9F}" type="datetimeFigureOut">
               <a:rPr lang="he-IL" smtClean="0"/>
-              <a:t>ב'/שבט/תשפ"ב</a:t>
+              <a:t>י"א/שבט/תשפ"ג</a:t>
             </a:fld>
             <a:endParaRPr lang="he-IL"/>
           </a:p>
@@ -867,7 +862,7 @@
           <a:p>
             <a:fld id="{40DF87CD-148B-4E7A-85EE-645F5406764B}" type="datetimeFigureOut">
               <a:rPr lang="he-IL" smtClean="0"/>
-              <a:t>ב'/שבט/תשפ"ב</a:t>
+              <a:t>י"א/שבט/תשפ"ג</a:t>
             </a:fld>
             <a:endParaRPr lang="he-IL"/>
           </a:p>
@@ -1038,7 +1033,7 @@
           <a:p>
             <a:fld id="{40DF87CD-148B-4E7A-85EE-645F5406764B}" type="datetimeFigureOut">
               <a:rPr lang="he-IL" smtClean="0"/>
-              <a:t>ב'/שבט/תשפ"ב</a:t>
+              <a:t>י"א/שבט/תשפ"ג</a:t>
             </a:fld>
             <a:endParaRPr lang="he-IL"/>
           </a:p>
@@ -1219,7 +1214,7 @@
           <a:p>
             <a:fld id="{40DF87CD-148B-4E7A-85EE-645F5406764B}" type="datetimeFigureOut">
               <a:rPr lang="he-IL" smtClean="0"/>
-              <a:t>ב'/שבט/תשפ"ב</a:t>
+              <a:t>י"א/שבט/תשפ"ג</a:t>
             </a:fld>
             <a:endParaRPr lang="he-IL"/>
           </a:p>
@@ -1390,7 +1385,7 @@
           <a:p>
             <a:fld id="{40DF87CD-148B-4E7A-85EE-645F5406764B}" type="datetimeFigureOut">
               <a:rPr lang="he-IL" smtClean="0"/>
-              <a:t>ב'/שבט/תשפ"ב</a:t>
+              <a:t>י"א/שבט/תשפ"ג</a:t>
             </a:fld>
             <a:endParaRPr lang="he-IL"/>
           </a:p>
@@ -1637,7 +1632,7 @@
           <a:p>
             <a:fld id="{40DF87CD-148B-4E7A-85EE-645F5406764B}" type="datetimeFigureOut">
               <a:rPr lang="he-IL" smtClean="0"/>
-              <a:t>ב'/שבט/תשפ"ב</a:t>
+              <a:t>י"א/שבט/תשפ"ג</a:t>
             </a:fld>
             <a:endParaRPr lang="he-IL"/>
           </a:p>
@@ -1870,7 +1865,7 @@
           <a:p>
             <a:fld id="{40DF87CD-148B-4E7A-85EE-645F5406764B}" type="datetimeFigureOut">
               <a:rPr lang="he-IL" smtClean="0"/>
-              <a:t>ב'/שבט/תשפ"ב</a:t>
+              <a:t>י"א/שבט/תשפ"ג</a:t>
             </a:fld>
             <a:endParaRPr lang="he-IL"/>
           </a:p>
@@ -2238,7 +2233,7 @@
           <a:p>
             <a:fld id="{40DF87CD-148B-4E7A-85EE-645F5406764B}" type="datetimeFigureOut">
               <a:rPr lang="he-IL" smtClean="0"/>
-              <a:t>ב'/שבט/תשפ"ב</a:t>
+              <a:t>י"א/שבט/תשפ"ג</a:t>
             </a:fld>
             <a:endParaRPr lang="he-IL"/>
           </a:p>
@@ -2357,7 +2352,7 @@
           <a:p>
             <a:fld id="{40DF87CD-148B-4E7A-85EE-645F5406764B}" type="datetimeFigureOut">
               <a:rPr lang="he-IL" smtClean="0"/>
-              <a:t>ב'/שבט/תשפ"ב</a:t>
+              <a:t>י"א/שבט/תשפ"ג</a:t>
             </a:fld>
             <a:endParaRPr lang="he-IL"/>
           </a:p>
@@ -2453,7 +2448,7 @@
           <a:p>
             <a:fld id="{40DF87CD-148B-4E7A-85EE-645F5406764B}" type="datetimeFigureOut">
               <a:rPr lang="he-IL" smtClean="0"/>
-              <a:t>ב'/שבט/תשפ"ב</a:t>
+              <a:t>י"א/שבט/תשפ"ג</a:t>
             </a:fld>
             <a:endParaRPr lang="he-IL"/>
           </a:p>
@@ -2731,7 +2726,7 @@
           <a:p>
             <a:fld id="{40DF87CD-148B-4E7A-85EE-645F5406764B}" type="datetimeFigureOut">
               <a:rPr lang="he-IL" smtClean="0"/>
-              <a:t>ב'/שבט/תשפ"ב</a:t>
+              <a:t>י"א/שבט/תשפ"ג</a:t>
             </a:fld>
             <a:endParaRPr lang="he-IL"/>
           </a:p>
@@ -2989,7 +2984,7 @@
           <a:p>
             <a:fld id="{40DF87CD-148B-4E7A-85EE-645F5406764B}" type="datetimeFigureOut">
               <a:rPr lang="he-IL" smtClean="0"/>
-              <a:t>ב'/שבט/תשפ"ב</a:t>
+              <a:t>י"א/שבט/תשפ"ג</a:t>
             </a:fld>
             <a:endParaRPr lang="he-IL"/>
           </a:p>
@@ -3203,7 +3198,7 @@
           <a:p>
             <a:fld id="{40DF87CD-148B-4E7A-85EE-645F5406764B}" type="datetimeFigureOut">
               <a:rPr lang="he-IL" smtClean="0"/>
-              <a:t>ב'/שבט/תשפ"ב</a:t>
+              <a:t>י"א/שבט/תשפ"ג</a:t>
             </a:fld>
             <a:endParaRPr lang="he-IL"/>
           </a:p>
@@ -3667,18 +3662,13 @@
               </a:lnSpc>
             </a:pPr>
             <a:r>
-              <a:rPr lang="he-IL" sz="4000" b="1" dirty="0" smtClean="0">
+              <a:rPr lang="he-IL" sz="4000" b="1" dirty="0">
                 <a:solidFill>
                   <a:srgbClr val="002060"/>
                 </a:solidFill>
               </a:rPr>
               <a:t>פסקי דין - סכמה חדשה</a:t>
             </a:r>
-            <a:endParaRPr lang="he-IL" sz="4000" b="1" dirty="0">
-              <a:solidFill>
-                <a:srgbClr val="002060"/>
-              </a:solidFill>
-            </a:endParaRPr>
           </a:p>
         </p:txBody>
       </p:sp>
@@ -3716,1704 +3706,6 @@
     <p:extLst>
       <p:ext uri="{BB962C8B-B14F-4D97-AF65-F5344CB8AC3E}">
         <p14:creationId xmlns:p14="http://schemas.microsoft.com/office/powerpoint/2010/main" val="2821192197"/>
-      </p:ext>
-    </p:extLst>
-  </p:cSld>
-  <p:clrMapOvr>
-    <a:masterClrMapping/>
-  </p:clrMapOvr>
-  <p:transition/>
-  <p:timing>
-    <p:tnLst>
-      <p:par>
-        <p:cTn id="1" dur="indefinite" restart="never" nodeType="tmRoot"/>
-      </p:par>
-    </p:tnLst>
-  </p:timing>
-</p:sld>
-</file>
-
-<file path=ppt/slides/slide10.xml><?xml version="1.0" encoding="utf-8"?>
-<p:sld xmlns:a="http://schemas.openxmlformats.org/drawingml/2006/main" xmlns:r="http://schemas.openxmlformats.org/officeDocument/2006/relationships" xmlns:p="http://schemas.openxmlformats.org/presentationml/2006/main">
-  <p:cSld>
-    <p:spTree>
-      <p:nvGrpSpPr>
-        <p:cNvPr id="1" name=""/>
-        <p:cNvGrpSpPr/>
-        <p:nvPr/>
-      </p:nvGrpSpPr>
-      <p:grpSpPr>
-        <a:xfrm>
-          <a:off x="0" y="0"/>
-          <a:ext cx="0" cy="0"/>
-          <a:chOff x="0" y="0"/>
-          <a:chExt cx="0" cy="0"/>
-        </a:xfrm>
-      </p:grpSpPr>
-      <p:graphicFrame>
-        <p:nvGraphicFramePr>
-          <p:cNvPr id="6" name="Table 4">
-            <a:extLst>
-              <a:ext uri="{FF2B5EF4-FFF2-40B4-BE49-F238E27FC236}">
-                <a16:creationId xmlns:a16="http://schemas.microsoft.com/office/drawing/2014/main" id="{46B0A39B-A609-40DD-80FF-A80EB52CC7A9}"/>
-              </a:ext>
-            </a:extLst>
-          </p:cNvPr>
-          <p:cNvGraphicFramePr>
-            <a:graphicFrameLocks noGrp="1"/>
-          </p:cNvGraphicFramePr>
-          <p:nvPr>
-            <p:ph idx="1"/>
-            <p:extLst>
-              <p:ext uri="{D42A27DB-BD31-4B8C-83A1-F6EECF244321}">
-                <p14:modId xmlns:p14="http://schemas.microsoft.com/office/powerpoint/2010/main" val="356013410"/>
-              </p:ext>
-            </p:extLst>
-          </p:nvPr>
-        </p:nvGraphicFramePr>
-        <p:xfrm>
-          <a:off x="2923858" y="1944427"/>
-          <a:ext cx="8099742" cy="1027670"/>
-        </p:xfrm>
-        <a:graphic>
-          <a:graphicData uri="http://schemas.openxmlformats.org/drawingml/2006/table">
-            <a:tbl>
-              <a:tblPr firstRow="1" bandRow="1">
-                <a:tableStyleId>{5C22544A-7EE6-4342-B048-85BDC9FD1C3A}</a:tableStyleId>
-              </a:tblPr>
-              <a:tblGrid>
-                <a:gridCol w="1737042">
-                  <a:extLst>
-                    <a:ext uri="{9D8B030D-6E8A-4147-A177-3AD203B41FA5}">
-                      <a16:colId xmlns:a16="http://schemas.microsoft.com/office/drawing/2014/main" val="133439827"/>
-                    </a:ext>
-                  </a:extLst>
-                </a:gridCol>
-                <a:gridCol w="961692">
-                  <a:extLst>
-                    <a:ext uri="{9D8B030D-6E8A-4147-A177-3AD203B41FA5}">
-                      <a16:colId xmlns:a16="http://schemas.microsoft.com/office/drawing/2014/main" val="2392546507"/>
-                    </a:ext>
-                  </a:extLst>
-                </a:gridCol>
-                <a:gridCol w="829576">
-                  <a:extLst>
-                    <a:ext uri="{9D8B030D-6E8A-4147-A177-3AD203B41FA5}">
-                      <a16:colId xmlns:a16="http://schemas.microsoft.com/office/drawing/2014/main" val="3358598352"/>
-                    </a:ext>
-                  </a:extLst>
-                </a:gridCol>
-                <a:gridCol w="2313241">
-                  <a:extLst>
-                    <a:ext uri="{9D8B030D-6E8A-4147-A177-3AD203B41FA5}">
-                      <a16:colId xmlns:a16="http://schemas.microsoft.com/office/drawing/2014/main" val="970526647"/>
-                    </a:ext>
-                  </a:extLst>
-                </a:gridCol>
-                <a:gridCol w="1546991">
-                  <a:extLst>
-                    <a:ext uri="{9D8B030D-6E8A-4147-A177-3AD203B41FA5}">
-                      <a16:colId xmlns:a16="http://schemas.microsoft.com/office/drawing/2014/main" val="1535150859"/>
-                    </a:ext>
-                  </a:extLst>
-                </a:gridCol>
-                <a:gridCol w="711200">
-                  <a:extLst>
-                    <a:ext uri="{9D8B030D-6E8A-4147-A177-3AD203B41FA5}">
-                      <a16:colId xmlns:a16="http://schemas.microsoft.com/office/drawing/2014/main" val="1848490300"/>
-                    </a:ext>
-                  </a:extLst>
-                </a:gridCol>
-              </a:tblGrid>
-              <a:tr h="425243">
-                <a:tc>
-                  <a:txBody>
-                    <a:bodyPr/>
-                    <a:lstStyle/>
-                    <a:p>
-                      <a:pPr algn="r"/>
-                      <a:r>
-                        <a:rPr lang="he-IL" sz="2000" dirty="0" smtClean="0"/>
-                        <a:t>הערות</a:t>
-                      </a:r>
-                      <a:endParaRPr lang="en-US" sz="2000" dirty="0"/>
-                    </a:p>
-                  </a:txBody>
-                  <a:tcPr/>
-                </a:tc>
-                <a:tc>
-                  <a:txBody>
-                    <a:bodyPr/>
-                    <a:lstStyle/>
-                    <a:p>
-                      <a:pPr algn="r"/>
-                      <a:r>
-                        <a:rPr lang="he-IL" sz="2000" dirty="0" smtClean="0"/>
-                        <a:t>כמות</a:t>
-                      </a:r>
-                      <a:endParaRPr lang="en-US" sz="2000" dirty="0"/>
-                    </a:p>
-                  </a:txBody>
-                  <a:tcPr/>
-                </a:tc>
-                <a:tc>
-                  <a:txBody>
-                    <a:bodyPr/>
-                    <a:lstStyle/>
-                    <a:p>
-                      <a:pPr algn="r"/>
-                      <a:r>
-                        <a:rPr lang="he-IL" sz="2000" dirty="0" smtClean="0"/>
-                        <a:t>סכמה</a:t>
-                      </a:r>
-                      <a:endParaRPr lang="en-US" sz="2000" dirty="0"/>
-                    </a:p>
-                  </a:txBody>
-                  <a:tcPr/>
-                </a:tc>
-                <a:tc>
-                  <a:txBody>
-                    <a:bodyPr/>
-                    <a:lstStyle/>
-                    <a:p>
-                      <a:pPr algn="r"/>
-                      <a:r>
-                        <a:rPr lang="he-IL" sz="2000" dirty="0"/>
-                        <a:t>תיאור</a:t>
-                      </a:r>
-                      <a:endParaRPr lang="en-US" sz="2000" dirty="0"/>
-                    </a:p>
-                  </a:txBody>
-                  <a:tcPr/>
-                </a:tc>
-                <a:tc>
-                  <a:txBody>
-                    <a:bodyPr/>
-                    <a:lstStyle/>
-                    <a:p>
-                      <a:pPr algn="r"/>
-                      <a:r>
-                        <a:rPr lang="he-IL" sz="2000" dirty="0" smtClean="0"/>
-                        <a:t>שם</a:t>
-                      </a:r>
-                      <a:endParaRPr lang="en-US" sz="2000" dirty="0"/>
-                    </a:p>
-                  </a:txBody>
-                  <a:tcPr/>
-                </a:tc>
-                <a:tc>
-                  <a:txBody>
-                    <a:bodyPr/>
-                    <a:lstStyle/>
-                    <a:p>
-                      <a:pPr algn="r"/>
-                      <a:r>
-                        <a:rPr lang="he-IL" sz="2000" dirty="0" smtClean="0"/>
-                        <a:t>סוג</a:t>
-                      </a:r>
-                      <a:endParaRPr lang="en-US" sz="2000" dirty="0"/>
-                    </a:p>
-                  </a:txBody>
-                  <a:tcPr/>
-                </a:tc>
-                <a:extLst>
-                  <a:ext uri="{0D108BD9-81ED-4DB2-BD59-A6C34878D82A}">
-                    <a16:rowId xmlns:a16="http://schemas.microsoft.com/office/drawing/2014/main" val="495850647"/>
-                  </a:ext>
-                </a:extLst>
-              </a:tr>
-              <a:tr h="602427">
-                <a:tc>
-                  <a:txBody>
-                    <a:bodyPr/>
-                    <a:lstStyle/>
-                    <a:p>
-                      <a:pPr marL="0" marR="0" lvl="0" indent="0" algn="r" defTabSz="914400" rtl="1" eaLnBrk="1" fontAlgn="auto" latinLnBrk="0" hangingPunct="1">
-                        <a:lnSpc>
-                          <a:spcPct val="100000"/>
-                        </a:lnSpc>
-                        <a:spcBef>
-                          <a:spcPct val="0"/>
-                        </a:spcBef>
-                        <a:spcAft>
-                          <a:spcPct val="0"/>
-                        </a:spcAft>
-                        <a:buClrTx/>
-                        <a:buSzTx/>
-                        <a:buFontTx/>
-                        <a:buNone/>
-                        <a:defRPr/>
-                      </a:pPr>
-                      <a:r>
-                        <a:rPr kumimoji="0" lang="he-IL" sz="1600" b="0" i="0" u="none" strike="noStrike" kern="1200" cap="none" spc="0" normalizeH="0" baseline="0" noProof="0" dirty="0" smtClean="0">
-                          <a:ln>
-                            <a:noFill/>
-                          </a:ln>
-                          <a:solidFill>
-                            <a:schemeClr val="tx1"/>
-                          </a:solidFill>
-                          <a:effectLst/>
-                          <a:uLnTx/>
-                          <a:uFillTx/>
-                          <a:latin typeface="Calibri"/>
-                          <a:ea typeface="+mn-ea"/>
-                          <a:cs typeface="+mn-cs"/>
-                        </a:rPr>
-                        <a:t>הכמות נשארה זהה</a:t>
-                      </a:r>
-                      <a:endParaRPr kumimoji="0" lang="en-US" sz="1600" b="0" i="0" u="none" strike="noStrike" kern="1200" cap="none" spc="0" normalizeH="0" baseline="0" noProof="0" dirty="0">
-                        <a:ln>
-                          <a:noFill/>
-                        </a:ln>
-                        <a:solidFill>
-                          <a:schemeClr val="tx1"/>
-                        </a:solidFill>
-                        <a:effectLst/>
-                        <a:uLnTx/>
-                        <a:uFillTx/>
-                        <a:latin typeface="Calibri"/>
-                        <a:ea typeface="+mn-ea"/>
-                        <a:cs typeface="+mn-cs"/>
-                      </a:endParaRPr>
-                    </a:p>
-                  </a:txBody>
-                  <a:tcPr anchor="ctr"/>
-                </a:tc>
-                <a:tc>
-                  <a:txBody>
-                    <a:bodyPr/>
-                    <a:lstStyle/>
-                    <a:p>
-                      <a:pPr marL="0" marR="0" lvl="0" indent="0" algn="r" defTabSz="914400" rtl="1" eaLnBrk="1" fontAlgn="auto" latinLnBrk="0" hangingPunct="1">
-                        <a:lnSpc>
-                          <a:spcPct val="100000"/>
-                        </a:lnSpc>
-                        <a:spcBef>
-                          <a:spcPct val="0"/>
-                        </a:spcBef>
-                        <a:spcAft>
-                          <a:spcPct val="0"/>
-                        </a:spcAft>
-                        <a:buClrTx/>
-                        <a:buSzTx/>
-                        <a:buFontTx/>
-                        <a:buNone/>
-                        <a:defRPr/>
-                      </a:pPr>
-                      <a:r>
-                        <a:rPr kumimoji="0" lang="en-US" sz="1600" b="0" i="0" u="none" strike="noStrike" kern="1200" cap="none" spc="0" normalizeH="0" baseline="0" noProof="0" dirty="0" smtClean="0">
-                          <a:ln>
-                            <a:noFill/>
-                          </a:ln>
-                          <a:solidFill>
-                            <a:schemeClr val="tx1"/>
-                          </a:solidFill>
-                          <a:effectLst/>
-                          <a:uLnTx/>
-                          <a:uFillTx/>
-                          <a:latin typeface="Calibri"/>
-                          <a:ea typeface="+mn-ea"/>
-                          <a:cs typeface="+mn-cs"/>
-                        </a:rPr>
-                        <a:t>871</a:t>
-                      </a:r>
-                      <a:endParaRPr kumimoji="0" lang="en-US" sz="1600" b="0" i="0" u="none" strike="noStrike" kern="1200" cap="none" spc="0" normalizeH="0" baseline="0" noProof="0" dirty="0">
-                        <a:ln>
-                          <a:noFill/>
-                        </a:ln>
-                        <a:solidFill>
-                          <a:schemeClr val="tx1"/>
-                        </a:solidFill>
-                        <a:effectLst/>
-                        <a:uLnTx/>
-                        <a:uFillTx/>
-                        <a:latin typeface="Calibri"/>
-                        <a:ea typeface="+mn-ea"/>
-                        <a:cs typeface="+mn-cs"/>
-                      </a:endParaRPr>
-                    </a:p>
-                  </a:txBody>
-                  <a:tcPr anchor="ctr"/>
-                </a:tc>
-                <a:tc>
-                  <a:txBody>
-                    <a:bodyPr/>
-                    <a:lstStyle/>
-                    <a:p>
-                      <a:pPr marL="0" marR="0" lvl="0" indent="0" algn="r" defTabSz="914400" rtl="1" eaLnBrk="1" fontAlgn="auto" latinLnBrk="0" hangingPunct="1">
-                        <a:lnSpc>
-                          <a:spcPct val="100000"/>
-                        </a:lnSpc>
-                        <a:spcBef>
-                          <a:spcPct val="0"/>
-                        </a:spcBef>
-                        <a:spcAft>
-                          <a:spcPct val="0"/>
-                        </a:spcAft>
-                        <a:buClrTx/>
-                        <a:buSzTx/>
-                        <a:buFontTx/>
-                        <a:buNone/>
-                        <a:defRPr/>
-                      </a:pPr>
-                      <a:r>
-                        <a:rPr kumimoji="0" lang="he-IL" sz="1600" b="0" i="0" u="none" strike="noStrike" kern="1200" cap="none" spc="0" normalizeH="0" baseline="0" noProof="0" dirty="0" smtClean="0">
-                          <a:ln>
-                            <a:noFill/>
-                          </a:ln>
-                          <a:solidFill>
-                            <a:schemeClr val="tx1"/>
-                          </a:solidFill>
-                          <a:effectLst/>
-                          <a:uLnTx/>
-                          <a:uFillTx/>
-                          <a:latin typeface="Calibri"/>
-                          <a:ea typeface="+mn-ea"/>
-                          <a:cs typeface="+mn-cs"/>
-                        </a:rPr>
-                        <a:t>חדשה</a:t>
-                      </a:r>
-                      <a:endParaRPr kumimoji="0" lang="en-US" sz="1600" b="0" i="0" u="none" strike="noStrike" kern="1200" cap="none" spc="0" normalizeH="0" baseline="0" noProof="0" dirty="0">
-                        <a:ln>
-                          <a:noFill/>
-                        </a:ln>
-                        <a:solidFill>
-                          <a:schemeClr val="tx1"/>
-                        </a:solidFill>
-                        <a:effectLst/>
-                        <a:uLnTx/>
-                        <a:uFillTx/>
-                        <a:latin typeface="Calibri"/>
-                        <a:ea typeface="+mn-ea"/>
-                        <a:cs typeface="+mn-cs"/>
-                      </a:endParaRPr>
-                    </a:p>
-                  </a:txBody>
-                  <a:tcPr anchor="ctr"/>
-                </a:tc>
-                <a:tc>
-                  <a:txBody>
-                    <a:bodyPr/>
-                    <a:lstStyle/>
-                    <a:p>
-                      <a:pPr algn="r" rtl="1"/>
-                      <a:r>
-                        <a:rPr lang="he-IL" sz="1600" dirty="0" smtClean="0">
-                          <a:solidFill>
-                            <a:schemeClr val="tx1"/>
-                          </a:solidFill>
-                        </a:rPr>
-                        <a:t>טבלת פסקי דין לפי אפיון חדש</a:t>
-                      </a:r>
-                      <a:endParaRPr lang="en-US" sz="1600" dirty="0">
-                        <a:solidFill>
-                          <a:schemeClr val="tx1"/>
-                        </a:solidFill>
-                      </a:endParaRPr>
-                    </a:p>
-                  </a:txBody>
-                  <a:tcPr anchor="ctr"/>
-                </a:tc>
-                <a:tc>
-                  <a:txBody>
-                    <a:bodyPr/>
-                    <a:lstStyle/>
-                    <a:p>
-                      <a:pPr algn="r" rtl="1"/>
-                      <a:r>
-                        <a:rPr lang="en-US" sz="1600" b="0" dirty="0" smtClean="0">
-                          <a:solidFill>
-                            <a:schemeClr val="tx1"/>
-                          </a:solidFill>
-                          <a:latin typeface="+mn-lt"/>
-                          <a:hlinkClick r:id="rId2" action="ppaction://hlinkfile"/>
-                        </a:rPr>
-                        <a:t>psak_din_new</a:t>
-                      </a:r>
-                      <a:endParaRPr lang="en-US" sz="1600" b="0" dirty="0">
-                        <a:solidFill>
-                          <a:schemeClr val="tx1"/>
-                        </a:solidFill>
-                        <a:latin typeface="+mn-lt"/>
-                      </a:endParaRPr>
-                    </a:p>
-                  </a:txBody>
-                  <a:tcPr anchor="ctr"/>
-                </a:tc>
-                <a:tc>
-                  <a:txBody>
-                    <a:bodyPr/>
-                    <a:lstStyle/>
-                    <a:p>
-                      <a:pPr algn="r"/>
-                      <a:r>
-                        <a:rPr lang="en-US" sz="1600" b="0" dirty="0" smtClean="0">
-                          <a:solidFill>
-                            <a:schemeClr val="tx1"/>
-                          </a:solidFill>
-                          <a:latin typeface="Segoe UI" panose="020B0502040204020203" pitchFamily="34" charset="0"/>
-                          <a:cs typeface="Segoe UI" panose="020B0502040204020203" pitchFamily="34" charset="0"/>
-                        </a:rPr>
-                        <a:t>Table</a:t>
-                      </a:r>
-                      <a:endParaRPr lang="en-US" sz="1600" dirty="0">
-                        <a:solidFill>
-                          <a:schemeClr val="tx1"/>
-                        </a:solidFill>
-                      </a:endParaRPr>
-                    </a:p>
-                  </a:txBody>
-                  <a:tcPr anchor="ctr"/>
-                </a:tc>
-                <a:extLst>
-                  <a:ext uri="{0D108BD9-81ED-4DB2-BD59-A6C34878D82A}">
-                    <a16:rowId xmlns:a16="http://schemas.microsoft.com/office/drawing/2014/main" val="3968481201"/>
-                  </a:ext>
-                </a:extLst>
-              </a:tr>
-            </a:tbl>
-          </a:graphicData>
-        </a:graphic>
-      </p:graphicFrame>
-      <p:sp>
-        <p:nvSpPr>
-          <p:cNvPr id="7" name="כותרת 1">
-            <a:extLst>
-              <a:ext uri="{FF2B5EF4-FFF2-40B4-BE49-F238E27FC236}">
-                <a16:creationId xmlns:a16="http://schemas.microsoft.com/office/drawing/2014/main" id="{ECC8760F-EA9E-47A2-A93F-1EAD44E763EE}"/>
-              </a:ext>
-            </a:extLst>
-          </p:cNvPr>
-          <p:cNvSpPr txBox="1"/>
-          <p:nvPr/>
-        </p:nvSpPr>
-        <p:spPr>
-          <a:xfrm>
-            <a:off x="8140700" y="1042457"/>
-            <a:ext cx="2686538" cy="622570"/>
-          </a:xfrm>
-          <a:prstGeom prst="rect">
-            <a:avLst/>
-          </a:prstGeom>
-          <a:noFill/>
-          <a:ln>
-            <a:noFill/>
-          </a:ln>
-          <a:effectLst/>
-        </p:spPr>
-        <p:txBody>
-          <a:bodyPr vert="horz" lIns="91440" tIns="45720" rIns="91440" bIns="45720" rtlCol="0" anchor="ctr">
-            <a:noAutofit/>
-          </a:bodyPr>
-          <a:lstStyle>
-            <a:defPPr>
-              <a:defRPr lang="en-US"/>
-            </a:defPPr>
-            <a:lvl1pPr algn="ctr" defTabSz="914400" rtl="1">
-              <a:lnSpc>
-                <a:spcPct val="90000"/>
-              </a:lnSpc>
-              <a:spcBef>
-                <a:spcPct val="0"/>
-              </a:spcBef>
-              <a:buNone/>
-              <a:defRPr sz="4400" b="1">
-                <a:solidFill>
-                  <a:schemeClr val="bg1"/>
-                </a:solidFill>
-                <a:latin typeface="+mj-lt"/>
-                <a:ea typeface="+mj-ea"/>
-              </a:defRPr>
-            </a:lvl1pPr>
-          </a:lstStyle>
-          <a:p>
-            <a:pPr algn="r"/>
-            <a:r>
-              <a:rPr lang="he-IL" sz="3600" dirty="0" smtClean="0">
-                <a:solidFill>
-                  <a:srgbClr val="002060"/>
-                </a:solidFill>
-                <a:latin typeface="Calibri" panose="020F0502020204030204" pitchFamily="34" charset="0"/>
-                <a:cs typeface="Calibri" panose="020F0502020204030204" pitchFamily="34" charset="0"/>
-              </a:rPr>
-              <a:t>בדיקת כמויות</a:t>
-            </a:r>
-            <a:endParaRPr lang="he-IL" sz="3600" dirty="0">
-              <a:solidFill>
-                <a:srgbClr val="002060"/>
-              </a:solidFill>
-              <a:latin typeface="Calibri" panose="020F0502020204030204" pitchFamily="34" charset="0"/>
-              <a:cs typeface="Calibri" panose="020F0502020204030204" pitchFamily="34" charset="0"/>
-            </a:endParaRPr>
-          </a:p>
-        </p:txBody>
-      </p:sp>
-    </p:spTree>
-    <p:extLst>
-      <p:ext uri="{BB962C8B-B14F-4D97-AF65-F5344CB8AC3E}">
-        <p14:creationId xmlns:p14="http://schemas.microsoft.com/office/powerpoint/2010/main" val="2079221106"/>
-      </p:ext>
-    </p:extLst>
-  </p:cSld>
-  <p:clrMapOvr>
-    <a:masterClrMapping/>
-  </p:clrMapOvr>
-  <p:transition/>
-  <p:timing>
-    <p:tnLst>
-      <p:par>
-        <p:cTn id="1" dur="indefinite" restart="never" nodeType="tmRoot"/>
-      </p:par>
-    </p:tnLst>
-  </p:timing>
-</p:sld>
-</file>
-
-<file path=ppt/slides/slide11.xml><?xml version="1.0" encoding="utf-8"?>
-<p:sld xmlns:a="http://schemas.openxmlformats.org/drawingml/2006/main" xmlns:r="http://schemas.openxmlformats.org/officeDocument/2006/relationships" xmlns:p="http://schemas.openxmlformats.org/presentationml/2006/main">
-  <p:cSld>
-    <p:spTree>
-      <p:nvGrpSpPr>
-        <p:cNvPr id="1" name=""/>
-        <p:cNvGrpSpPr/>
-        <p:nvPr/>
-      </p:nvGrpSpPr>
-      <p:grpSpPr>
-        <a:xfrm>
-          <a:off x="0" y="0"/>
-          <a:ext cx="0" cy="0"/>
-          <a:chOff x="0" y="0"/>
-          <a:chExt cx="0" cy="0"/>
-        </a:xfrm>
-      </p:grpSpPr>
-      <p:sp>
-        <p:nvSpPr>
-          <p:cNvPr id="4" name="כותרת 1">
-            <a:extLst>
-              <a:ext uri="{FF2B5EF4-FFF2-40B4-BE49-F238E27FC236}">
-                <a16:creationId xmlns:a16="http://schemas.microsoft.com/office/drawing/2014/main" id="{ECC8760F-EA9E-47A2-A93F-1EAD44E763EE}"/>
-              </a:ext>
-            </a:extLst>
-          </p:cNvPr>
-          <p:cNvSpPr txBox="1"/>
-          <p:nvPr/>
-        </p:nvSpPr>
-        <p:spPr>
-          <a:xfrm>
-            <a:off x="7946781" y="574152"/>
-            <a:ext cx="3715238" cy="622570"/>
-          </a:xfrm>
-          <a:prstGeom prst="rect">
-            <a:avLst/>
-          </a:prstGeom>
-          <a:noFill/>
-          <a:ln>
-            <a:noFill/>
-          </a:ln>
-          <a:effectLst/>
-        </p:spPr>
-        <p:txBody>
-          <a:bodyPr vert="horz" lIns="91440" tIns="45720" rIns="91440" bIns="45720" rtlCol="0" anchor="ctr">
-            <a:noAutofit/>
-          </a:bodyPr>
-          <a:lstStyle>
-            <a:defPPr>
-              <a:defRPr lang="en-US"/>
-            </a:defPPr>
-            <a:lvl1pPr algn="ctr" defTabSz="914400" rtl="1">
-              <a:lnSpc>
-                <a:spcPct val="90000"/>
-              </a:lnSpc>
-              <a:spcBef>
-                <a:spcPct val="0"/>
-              </a:spcBef>
-              <a:buNone/>
-              <a:defRPr sz="4400" b="1">
-                <a:solidFill>
-                  <a:schemeClr val="bg1"/>
-                </a:solidFill>
-                <a:latin typeface="+mj-lt"/>
-                <a:ea typeface="+mj-ea"/>
-              </a:defRPr>
-            </a:lvl1pPr>
-          </a:lstStyle>
-          <a:p>
-            <a:r>
-              <a:rPr lang="he-IL" sz="3600" dirty="0" smtClean="0">
-                <a:solidFill>
-                  <a:srgbClr val="002060"/>
-                </a:solidFill>
-                <a:latin typeface="Calibri" panose="020F0502020204030204" pitchFamily="34" charset="0"/>
-                <a:cs typeface="Calibri" panose="020F0502020204030204" pitchFamily="34" charset="0"/>
-              </a:rPr>
-              <a:t>בדיקת ערכים </a:t>
-            </a:r>
-          </a:p>
-          <a:p>
-            <a:r>
-              <a:rPr lang="he-IL" sz="3600" dirty="0" smtClean="0">
-                <a:solidFill>
-                  <a:srgbClr val="002060"/>
-                </a:solidFill>
-                <a:latin typeface="Calibri" panose="020F0502020204030204" pitchFamily="34" charset="0"/>
-                <a:cs typeface="Calibri" panose="020F0502020204030204" pitchFamily="34" charset="0"/>
-              </a:rPr>
-              <a:t>חסרים</a:t>
-            </a:r>
-            <a:endParaRPr lang="he-IL" sz="3600" dirty="0">
-              <a:solidFill>
-                <a:srgbClr val="002060"/>
-              </a:solidFill>
-              <a:latin typeface="Calibri" panose="020F0502020204030204" pitchFamily="34" charset="0"/>
-              <a:cs typeface="Calibri" panose="020F0502020204030204" pitchFamily="34" charset="0"/>
-            </a:endParaRPr>
-          </a:p>
-        </p:txBody>
-      </p:sp>
-      <p:graphicFrame>
-        <p:nvGraphicFramePr>
-          <p:cNvPr id="5" name="Table 4"/>
-          <p:cNvGraphicFramePr>
-            <a:graphicFrameLocks noGrp="1"/>
-          </p:cNvGraphicFramePr>
-          <p:nvPr>
-            <p:extLst>
-              <p:ext uri="{D42A27DB-BD31-4B8C-83A1-F6EECF244321}">
-                <p14:modId xmlns:p14="http://schemas.microsoft.com/office/powerpoint/2010/main" val="3680510723"/>
-              </p:ext>
-            </p:extLst>
-          </p:nvPr>
-        </p:nvGraphicFramePr>
-        <p:xfrm>
-          <a:off x="3479342" y="307452"/>
-          <a:ext cx="4305377" cy="6105032"/>
-        </p:xfrm>
-        <a:graphic>
-          <a:graphicData uri="http://schemas.openxmlformats.org/drawingml/2006/table">
-            <a:tbl>
-              <a:tblPr rtl="1" firstRow="1" bandRow="1">
-                <a:tableStyleId>{5C22544A-7EE6-4342-B048-85BDC9FD1C3A}</a:tableStyleId>
-              </a:tblPr>
-              <a:tblGrid>
-                <a:gridCol w="1718267">
-                  <a:extLst>
-                    <a:ext uri="{9D8B030D-6E8A-4147-A177-3AD203B41FA5}">
-                      <a16:colId xmlns:a16="http://schemas.microsoft.com/office/drawing/2014/main" val="1843268236"/>
-                    </a:ext>
-                  </a:extLst>
-                </a:gridCol>
-                <a:gridCol w="1049952">
-                  <a:extLst>
-                    <a:ext uri="{9D8B030D-6E8A-4147-A177-3AD203B41FA5}">
-                      <a16:colId xmlns:a16="http://schemas.microsoft.com/office/drawing/2014/main" val="75662866"/>
-                    </a:ext>
-                  </a:extLst>
-                </a:gridCol>
-                <a:gridCol w="1537158">
-                  <a:extLst>
-                    <a:ext uri="{9D8B030D-6E8A-4147-A177-3AD203B41FA5}">
-                      <a16:colId xmlns:a16="http://schemas.microsoft.com/office/drawing/2014/main" val="1724565766"/>
-                    </a:ext>
-                  </a:extLst>
-                </a:gridCol>
-              </a:tblGrid>
-              <a:tr h="564786">
-                <a:tc>
-                  <a:txBody>
-                    <a:bodyPr/>
-                    <a:lstStyle/>
-                    <a:p>
-                      <a:pPr algn="ctr" rtl="1"/>
-                      <a:r>
-                        <a:rPr lang="he-IL" sz="1600" dirty="0" smtClean="0"/>
-                        <a:t>שדה</a:t>
-                      </a:r>
-                      <a:endParaRPr lang="he-IL" sz="1600" dirty="0"/>
-                    </a:p>
-                  </a:txBody>
-                  <a:tcPr anchor="ctr"/>
-                </a:tc>
-                <a:tc>
-                  <a:txBody>
-                    <a:bodyPr/>
-                    <a:lstStyle/>
-                    <a:p>
-                      <a:pPr algn="ctr" rtl="1"/>
-                      <a:r>
-                        <a:rPr lang="he-IL" sz="1600" dirty="0" smtClean="0"/>
-                        <a:t>כמות חסרים</a:t>
-                      </a:r>
-                      <a:endParaRPr lang="he-IL" sz="1600" dirty="0"/>
-                    </a:p>
-                  </a:txBody>
-                  <a:tcPr anchor="ctr"/>
-                </a:tc>
-                <a:tc>
-                  <a:txBody>
-                    <a:bodyPr/>
-                    <a:lstStyle/>
-                    <a:p>
-                      <a:pPr algn="ctr" rtl="1"/>
-                      <a:r>
-                        <a:rPr lang="he-IL" sz="1600" dirty="0" smtClean="0"/>
-                        <a:t>הערה</a:t>
-                      </a:r>
-                      <a:endParaRPr lang="he-IL" sz="1600" dirty="0"/>
-                    </a:p>
-                  </a:txBody>
-                  <a:tcPr anchor="ctr"/>
-                </a:tc>
-                <a:extLst>
-                  <a:ext uri="{0D108BD9-81ED-4DB2-BD59-A6C34878D82A}">
-                    <a16:rowId xmlns:a16="http://schemas.microsoft.com/office/drawing/2014/main" val="3306976275"/>
-                  </a:ext>
-                </a:extLst>
-              </a:tr>
-              <a:tr h="394708">
-                <a:tc>
-                  <a:txBody>
-                    <a:bodyPr/>
-                    <a:lstStyle/>
-                    <a:p>
-                      <a:pPr algn="ctr" rtl="0" fontAlgn="b"/>
-                      <a:r>
-                        <a:rPr lang="en-US" sz="1200" b="0" i="0" u="none" strike="noStrike" dirty="0" err="1">
-                          <a:solidFill>
-                            <a:srgbClr val="000000"/>
-                          </a:solidFill>
-                          <a:effectLst/>
-                          <a:latin typeface="Arial" panose="020B0604020202020204" pitchFamily="34" charset="0"/>
-                        </a:rPr>
-                        <a:t>cpbUniqueId</a:t>
-                      </a:r>
-                      <a:endParaRPr lang="en-US" sz="1200" b="0" i="0" u="none" strike="noStrike" dirty="0">
-                        <a:solidFill>
-                          <a:srgbClr val="000000"/>
-                        </a:solidFill>
-                        <a:effectLst/>
-                        <a:latin typeface="Arial" panose="020B0604020202020204" pitchFamily="34" charset="0"/>
-                      </a:endParaRPr>
-                    </a:p>
-                  </a:txBody>
-                  <a:tcPr marL="9525" marR="9525" marT="9525" marB="0" anchor="ctr"/>
-                </a:tc>
-                <a:tc>
-                  <a:txBody>
-                    <a:bodyPr/>
-                    <a:lstStyle/>
-                    <a:p>
-                      <a:pPr algn="ctr" rtl="0" fontAlgn="b"/>
-                      <a:r>
-                        <a:rPr lang="he-IL" sz="1200" b="0" i="0" u="none" strike="noStrike" dirty="0">
-                          <a:solidFill>
-                            <a:srgbClr val="000000"/>
-                          </a:solidFill>
-                          <a:effectLst/>
-                          <a:latin typeface="Arial" panose="020B0604020202020204" pitchFamily="34" charset="0"/>
-                        </a:rPr>
-                        <a:t>871</a:t>
-                      </a:r>
-                    </a:p>
-                  </a:txBody>
-                  <a:tcPr marL="9525" marR="9525" marT="9525" marB="0" anchor="ctr"/>
-                </a:tc>
-                <a:tc>
-                  <a:txBody>
-                    <a:bodyPr/>
-                    <a:lstStyle/>
-                    <a:p>
-                      <a:pPr algn="ctr" rtl="1"/>
-                      <a:r>
-                        <a:rPr lang="he-IL" sz="1200" dirty="0" smtClean="0"/>
-                        <a:t>יאוכלס בהמשך</a:t>
-                      </a:r>
-                      <a:endParaRPr lang="he-IL" sz="1200" dirty="0"/>
-                    </a:p>
-                  </a:txBody>
-                  <a:tcPr anchor="ctr"/>
-                </a:tc>
-                <a:extLst>
-                  <a:ext uri="{0D108BD9-81ED-4DB2-BD59-A6C34878D82A}">
-                    <a16:rowId xmlns:a16="http://schemas.microsoft.com/office/drawing/2014/main" val="878717228"/>
-                  </a:ext>
-                </a:extLst>
-              </a:tr>
-              <a:tr h="394708">
-                <a:tc>
-                  <a:txBody>
-                    <a:bodyPr/>
-                    <a:lstStyle/>
-                    <a:p>
-                      <a:pPr algn="ctr" rtl="0" fontAlgn="b"/>
-                      <a:r>
-                        <a:rPr lang="en-US" sz="1200" b="0" i="0" u="none" strike="noStrike" dirty="0" err="1">
-                          <a:solidFill>
-                            <a:srgbClr val="000000"/>
-                          </a:solidFill>
-                          <a:effectLst/>
-                          <a:latin typeface="Arial" panose="020B0604020202020204" pitchFamily="34" charset="0"/>
-                        </a:rPr>
-                        <a:t>processType</a:t>
-                      </a:r>
-                      <a:endParaRPr lang="en-US" sz="1200" b="0" i="0" u="none" strike="noStrike" dirty="0">
-                        <a:solidFill>
-                          <a:srgbClr val="000000"/>
-                        </a:solidFill>
-                        <a:effectLst/>
-                        <a:latin typeface="Arial" panose="020B0604020202020204" pitchFamily="34" charset="0"/>
-                      </a:endParaRPr>
-                    </a:p>
-                  </a:txBody>
-                  <a:tcPr marL="9525" marR="9525" marT="9525" marB="0" anchor="ctr"/>
-                </a:tc>
-                <a:tc>
-                  <a:txBody>
-                    <a:bodyPr/>
-                    <a:lstStyle/>
-                    <a:p>
-                      <a:pPr algn="ctr" rtl="0" fontAlgn="b"/>
-                      <a:r>
-                        <a:rPr lang="he-IL" sz="1200" b="0" i="0" u="none" strike="noStrike">
-                          <a:solidFill>
-                            <a:srgbClr val="000000"/>
-                          </a:solidFill>
-                          <a:effectLst/>
-                          <a:latin typeface="Arial" panose="020B0604020202020204" pitchFamily="34" charset="0"/>
-                        </a:rPr>
-                        <a:t>0</a:t>
-                      </a:r>
-                    </a:p>
-                  </a:txBody>
-                  <a:tcPr marL="9525" marR="9525" marT="9525" marB="0" anchor="ctr"/>
-                </a:tc>
-                <a:tc>
-                  <a:txBody>
-                    <a:bodyPr/>
-                    <a:lstStyle/>
-                    <a:p>
-                      <a:pPr algn="ctr" rtl="1"/>
-                      <a:r>
-                        <a:rPr lang="en-US" sz="1200" dirty="0" smtClean="0"/>
-                        <a:t>V</a:t>
-                      </a:r>
-                      <a:endParaRPr lang="he-IL" sz="1200" dirty="0"/>
-                    </a:p>
-                  </a:txBody>
-                  <a:tcPr anchor="ctr"/>
-                </a:tc>
-                <a:extLst>
-                  <a:ext uri="{0D108BD9-81ED-4DB2-BD59-A6C34878D82A}">
-                    <a16:rowId xmlns:a16="http://schemas.microsoft.com/office/drawing/2014/main" val="3176290192"/>
-                  </a:ext>
-                </a:extLst>
-              </a:tr>
-              <a:tr h="394708">
-                <a:tc>
-                  <a:txBody>
-                    <a:bodyPr/>
-                    <a:lstStyle/>
-                    <a:p>
-                      <a:pPr algn="ctr" rtl="0" fontAlgn="b"/>
-                      <a:r>
-                        <a:rPr lang="en-US" sz="1200" b="0" i="0" u="none" strike="noStrike">
-                          <a:solidFill>
-                            <a:srgbClr val="000000"/>
-                          </a:solidFill>
-                          <a:effectLst/>
-                          <a:latin typeface="Arial" panose="020B0604020202020204" pitchFamily="34" charset="0"/>
-                        </a:rPr>
-                        <a:t>mapYear</a:t>
-                      </a:r>
-                    </a:p>
-                  </a:txBody>
-                  <a:tcPr marL="9525" marR="9525" marT="9525" marB="0" anchor="ctr"/>
-                </a:tc>
-                <a:tc>
-                  <a:txBody>
-                    <a:bodyPr/>
-                    <a:lstStyle/>
-                    <a:p>
-                      <a:pPr algn="ctr" rtl="0" fontAlgn="b"/>
-                      <a:r>
-                        <a:rPr lang="he-IL" sz="1200" b="0" i="0" u="none" strike="noStrike" dirty="0">
-                          <a:solidFill>
-                            <a:srgbClr val="000000"/>
-                          </a:solidFill>
-                          <a:effectLst/>
-                          <a:latin typeface="Arial" panose="020B0604020202020204" pitchFamily="34" charset="0"/>
-                        </a:rPr>
-                        <a:t>0</a:t>
-                      </a:r>
-                    </a:p>
-                  </a:txBody>
-                  <a:tcPr marL="9525" marR="9525" marT="9525" marB="0" anchor="ctr"/>
-                </a:tc>
-                <a:tc>
-                  <a:txBody>
-                    <a:bodyPr/>
-                    <a:lstStyle/>
-                    <a:p>
-                      <a:pPr algn="ctr" rtl="1"/>
-                      <a:r>
-                        <a:rPr lang="en-US" sz="1200" dirty="0" smtClean="0"/>
-                        <a:t>V</a:t>
-                      </a:r>
-                      <a:endParaRPr lang="he-IL" sz="1200" dirty="0"/>
-                    </a:p>
-                  </a:txBody>
-                  <a:tcPr anchor="ctr"/>
-                </a:tc>
-                <a:extLst>
-                  <a:ext uri="{0D108BD9-81ED-4DB2-BD59-A6C34878D82A}">
-                    <a16:rowId xmlns:a16="http://schemas.microsoft.com/office/drawing/2014/main" val="2837638665"/>
-                  </a:ext>
-                </a:extLst>
-              </a:tr>
-              <a:tr h="394708">
-                <a:tc>
-                  <a:txBody>
-                    <a:bodyPr/>
-                    <a:lstStyle/>
-                    <a:p>
-                      <a:pPr algn="ctr" rtl="0" fontAlgn="b"/>
-                      <a:r>
-                        <a:rPr lang="en-US" sz="1200" b="0" i="0" u="none" strike="noStrike">
-                          <a:solidFill>
-                            <a:srgbClr val="000000"/>
-                          </a:solidFill>
-                          <a:effectLst/>
-                          <a:latin typeface="Arial" panose="020B0604020202020204" pitchFamily="34" charset="0"/>
-                        </a:rPr>
-                        <a:t>processName</a:t>
-                      </a:r>
-                    </a:p>
-                  </a:txBody>
-                  <a:tcPr marL="9525" marR="9525" marT="9525" marB="0" anchor="ctr"/>
-                </a:tc>
-                <a:tc>
-                  <a:txBody>
-                    <a:bodyPr/>
-                    <a:lstStyle/>
-                    <a:p>
-                      <a:pPr algn="ctr" rtl="0" fontAlgn="b"/>
-                      <a:r>
-                        <a:rPr lang="he-IL" sz="1200" b="0" i="0" u="none" strike="noStrike" dirty="0">
-                          <a:solidFill>
-                            <a:srgbClr val="000000"/>
-                          </a:solidFill>
-                          <a:effectLst/>
-                          <a:latin typeface="Arial" panose="020B0604020202020204" pitchFamily="34" charset="0"/>
-                        </a:rPr>
-                        <a:t>0</a:t>
-                      </a:r>
-                    </a:p>
-                  </a:txBody>
-                  <a:tcPr marL="9525" marR="9525" marT="9525" marB="0" anchor="ctr"/>
-                </a:tc>
-                <a:tc>
-                  <a:txBody>
-                    <a:bodyPr/>
-                    <a:lstStyle/>
-                    <a:p>
-                      <a:pPr algn="ctr" rtl="1"/>
-                      <a:r>
-                        <a:rPr lang="en-US" sz="1200" dirty="0" smtClean="0"/>
-                        <a:t>V</a:t>
-                      </a:r>
-                      <a:endParaRPr lang="he-IL" sz="1200" dirty="0"/>
-                    </a:p>
-                  </a:txBody>
-                  <a:tcPr anchor="ctr"/>
-                </a:tc>
-                <a:extLst>
-                  <a:ext uri="{0D108BD9-81ED-4DB2-BD59-A6C34878D82A}">
-                    <a16:rowId xmlns:a16="http://schemas.microsoft.com/office/drawing/2014/main" val="280765479"/>
-                  </a:ext>
-                </a:extLst>
-              </a:tr>
-              <a:tr h="394708">
-                <a:tc>
-                  <a:txBody>
-                    <a:bodyPr/>
-                    <a:lstStyle/>
-                    <a:p>
-                      <a:pPr algn="ctr" rtl="0" fontAlgn="b"/>
-                      <a:r>
-                        <a:rPr lang="en-US" sz="1200" b="0" i="0" u="none" strike="noStrike">
-                          <a:solidFill>
-                            <a:srgbClr val="000000"/>
-                          </a:solidFill>
-                          <a:effectLst/>
-                          <a:latin typeface="Arial" panose="020B0604020202020204" pitchFamily="34" charset="0"/>
-                        </a:rPr>
-                        <a:t>geodeticNetwork</a:t>
-                      </a:r>
-                    </a:p>
-                  </a:txBody>
-                  <a:tcPr marL="9525" marR="9525" marT="9525" marB="0" anchor="ctr"/>
-                </a:tc>
-                <a:tc>
-                  <a:txBody>
-                    <a:bodyPr/>
-                    <a:lstStyle/>
-                    <a:p>
-                      <a:pPr algn="ctr" rtl="0" fontAlgn="b"/>
-                      <a:r>
-                        <a:rPr lang="he-IL" sz="1200" b="0" i="0" u="none" strike="noStrike" dirty="0">
-                          <a:solidFill>
-                            <a:srgbClr val="000000"/>
-                          </a:solidFill>
-                          <a:effectLst/>
-                          <a:latin typeface="Arial" panose="020B0604020202020204" pitchFamily="34" charset="0"/>
-                        </a:rPr>
-                        <a:t>871</a:t>
-                      </a:r>
-                    </a:p>
-                  </a:txBody>
-                  <a:tcPr marL="9525" marR="9525" marT="9525" marB="0" anchor="ctr"/>
-                </a:tc>
-                <a:tc>
-                  <a:txBody>
-                    <a:bodyPr/>
-                    <a:lstStyle/>
-                    <a:p>
-                      <a:pPr algn="ctr" rtl="1"/>
-                      <a:r>
-                        <a:rPr lang="he-IL" sz="1200" dirty="0" smtClean="0"/>
-                        <a:t>לא</a:t>
-                      </a:r>
-                      <a:r>
-                        <a:rPr lang="he-IL" sz="1200" baseline="0" dirty="0" smtClean="0"/>
-                        <a:t> ניתן לאכלס כרגע</a:t>
-                      </a:r>
-                      <a:endParaRPr lang="he-IL" sz="1200" dirty="0"/>
-                    </a:p>
-                  </a:txBody>
-                  <a:tcPr anchor="ctr"/>
-                </a:tc>
-                <a:extLst>
-                  <a:ext uri="{0D108BD9-81ED-4DB2-BD59-A6C34878D82A}">
-                    <a16:rowId xmlns:a16="http://schemas.microsoft.com/office/drawing/2014/main" val="2902504094"/>
-                  </a:ext>
-                </a:extLst>
-              </a:tr>
-              <a:tr h="394708">
-                <a:tc>
-                  <a:txBody>
-                    <a:bodyPr/>
-                    <a:lstStyle/>
-                    <a:p>
-                      <a:pPr algn="ctr" rtl="0" fontAlgn="b"/>
-                      <a:r>
-                        <a:rPr lang="en-US" sz="1200" b="0" i="0" u="none" strike="noStrike" dirty="0">
-                          <a:solidFill>
-                            <a:srgbClr val="000000"/>
-                          </a:solidFill>
-                          <a:effectLst/>
-                          <a:latin typeface="Arial" panose="020B0604020202020204" pitchFamily="34" charset="0"/>
-                        </a:rPr>
-                        <a:t>status</a:t>
-                      </a:r>
-                    </a:p>
-                  </a:txBody>
-                  <a:tcPr marL="9525" marR="9525" marT="9525" marB="0" anchor="ctr"/>
-                </a:tc>
-                <a:tc>
-                  <a:txBody>
-                    <a:bodyPr/>
-                    <a:lstStyle/>
-                    <a:p>
-                      <a:pPr algn="ctr" rtl="0" fontAlgn="b"/>
-                      <a:r>
-                        <a:rPr lang="he-IL" sz="1200" b="0" i="0" u="none" strike="noStrike" dirty="0">
-                          <a:solidFill>
-                            <a:srgbClr val="000000"/>
-                          </a:solidFill>
-                          <a:effectLst/>
-                          <a:latin typeface="Arial" panose="020B0604020202020204" pitchFamily="34" charset="0"/>
-                        </a:rPr>
-                        <a:t>0</a:t>
-                      </a:r>
-                    </a:p>
-                  </a:txBody>
-                  <a:tcPr marL="9525" marR="9525" marT="9525" marB="0" anchor="ctr"/>
-                </a:tc>
-                <a:tc>
-                  <a:txBody>
-                    <a:bodyPr/>
-                    <a:lstStyle/>
-                    <a:p>
-                      <a:pPr algn="ctr" rtl="1"/>
-                      <a:r>
-                        <a:rPr lang="en-US" sz="1200" dirty="0" smtClean="0"/>
-                        <a:t>V</a:t>
-                      </a:r>
-                      <a:endParaRPr lang="he-IL" sz="1200" dirty="0"/>
-                    </a:p>
-                  </a:txBody>
-                  <a:tcPr anchor="ctr"/>
-                </a:tc>
-                <a:extLst>
-                  <a:ext uri="{0D108BD9-81ED-4DB2-BD59-A6C34878D82A}">
-                    <a16:rowId xmlns:a16="http://schemas.microsoft.com/office/drawing/2014/main" val="78971657"/>
-                  </a:ext>
-                </a:extLst>
-              </a:tr>
-              <a:tr h="394708">
-                <a:tc>
-                  <a:txBody>
-                    <a:bodyPr/>
-                    <a:lstStyle/>
-                    <a:p>
-                      <a:pPr algn="ctr" rtl="0" fontAlgn="b"/>
-                      <a:r>
-                        <a:rPr lang="en-US" sz="1200" b="0" i="0" u="none" strike="noStrike">
-                          <a:solidFill>
-                            <a:srgbClr val="000000"/>
-                          </a:solidFill>
-                          <a:effectLst/>
-                          <a:latin typeface="Arial" panose="020B0604020202020204" pitchFamily="34" charset="0"/>
-                        </a:rPr>
-                        <a:t>planName</a:t>
-                      </a:r>
-                    </a:p>
-                  </a:txBody>
-                  <a:tcPr marL="9525" marR="9525" marT="9525" marB="0" anchor="ctr"/>
-                </a:tc>
-                <a:tc>
-                  <a:txBody>
-                    <a:bodyPr/>
-                    <a:lstStyle/>
-                    <a:p>
-                      <a:pPr algn="ctr" rtl="0" fontAlgn="b"/>
-                      <a:r>
-                        <a:rPr lang="he-IL" sz="1200" b="0" i="0" u="none" strike="noStrike" dirty="0">
-                          <a:solidFill>
-                            <a:srgbClr val="000000"/>
-                          </a:solidFill>
-                          <a:effectLst/>
-                          <a:latin typeface="Arial" panose="020B0604020202020204" pitchFamily="34" charset="0"/>
-                        </a:rPr>
-                        <a:t>871</a:t>
-                      </a:r>
-                    </a:p>
-                  </a:txBody>
-                  <a:tcPr marL="9525" marR="9525" marT="9525" marB="0" anchor="ctr"/>
-                </a:tc>
-                <a:tc>
-                  <a:txBody>
-                    <a:bodyPr/>
-                    <a:lstStyle/>
-                    <a:p>
-                      <a:pPr algn="ctr" rtl="1"/>
-                      <a:r>
-                        <a:rPr lang="he-IL" sz="1200" dirty="0" smtClean="0"/>
-                        <a:t>לא</a:t>
-                      </a:r>
-                      <a:r>
-                        <a:rPr lang="he-IL" sz="1200" baseline="0" dirty="0" smtClean="0"/>
-                        <a:t> רלוונטי</a:t>
-                      </a:r>
-                      <a:endParaRPr lang="he-IL" sz="1200" dirty="0"/>
-                    </a:p>
-                  </a:txBody>
-                  <a:tcPr anchor="ctr"/>
-                </a:tc>
-                <a:extLst>
-                  <a:ext uri="{0D108BD9-81ED-4DB2-BD59-A6C34878D82A}">
-                    <a16:rowId xmlns:a16="http://schemas.microsoft.com/office/drawing/2014/main" val="460190320"/>
-                  </a:ext>
-                </a:extLst>
-              </a:tr>
-              <a:tr h="394708">
-                <a:tc>
-                  <a:txBody>
-                    <a:bodyPr/>
-                    <a:lstStyle/>
-                    <a:p>
-                      <a:pPr algn="ctr" rtl="0" fontAlgn="b"/>
-                      <a:r>
-                        <a:rPr lang="en-US" sz="1200" b="0" i="0" u="none" strike="noStrike">
-                          <a:solidFill>
-                            <a:srgbClr val="000000"/>
-                          </a:solidFill>
-                          <a:effectLst/>
-                          <a:latin typeface="Arial" panose="020B0604020202020204" pitchFamily="34" charset="0"/>
-                        </a:rPr>
-                        <a:t>createDate</a:t>
-                      </a:r>
-                    </a:p>
-                  </a:txBody>
-                  <a:tcPr marL="9525" marR="9525" marT="9525" marB="0" anchor="ctr"/>
-                </a:tc>
-                <a:tc>
-                  <a:txBody>
-                    <a:bodyPr/>
-                    <a:lstStyle/>
-                    <a:p>
-                      <a:pPr algn="ctr" rtl="0" fontAlgn="b"/>
-                      <a:r>
-                        <a:rPr lang="he-IL" sz="1200" b="0" i="0" u="none" strike="noStrike">
-                          <a:solidFill>
-                            <a:srgbClr val="000000"/>
-                          </a:solidFill>
-                          <a:effectLst/>
-                          <a:latin typeface="Arial" panose="020B0604020202020204" pitchFamily="34" charset="0"/>
-                        </a:rPr>
-                        <a:t>0</a:t>
-                      </a:r>
-                    </a:p>
-                  </a:txBody>
-                  <a:tcPr marL="9525" marR="9525" marT="9525" marB="0" anchor="ctr"/>
-                </a:tc>
-                <a:tc>
-                  <a:txBody>
-                    <a:bodyPr/>
-                    <a:lstStyle/>
-                    <a:p>
-                      <a:pPr algn="ctr" rtl="1"/>
-                      <a:r>
-                        <a:rPr lang="en-US" sz="1200" dirty="0" smtClean="0"/>
-                        <a:t>V</a:t>
-                      </a:r>
-                      <a:endParaRPr lang="he-IL" sz="1200" dirty="0"/>
-                    </a:p>
-                  </a:txBody>
-                  <a:tcPr anchor="ctr"/>
-                </a:tc>
-                <a:extLst>
-                  <a:ext uri="{0D108BD9-81ED-4DB2-BD59-A6C34878D82A}">
-                    <a16:rowId xmlns:a16="http://schemas.microsoft.com/office/drawing/2014/main" val="3162764735"/>
-                  </a:ext>
-                </a:extLst>
-              </a:tr>
-              <a:tr h="394708">
-                <a:tc>
-                  <a:txBody>
-                    <a:bodyPr/>
-                    <a:lstStyle/>
-                    <a:p>
-                      <a:pPr algn="ctr" rtl="0" fontAlgn="b"/>
-                      <a:r>
-                        <a:rPr lang="en-US" sz="1200" b="0" i="0" u="none" strike="noStrike">
-                          <a:solidFill>
-                            <a:srgbClr val="000000"/>
-                          </a:solidFill>
-                          <a:effectLst/>
-                          <a:latin typeface="Arial" panose="020B0604020202020204" pitchFamily="34" charset="0"/>
-                        </a:rPr>
-                        <a:t>appovalDate</a:t>
-                      </a:r>
-                    </a:p>
-                  </a:txBody>
-                  <a:tcPr marL="9525" marR="9525" marT="9525" marB="0" anchor="ctr"/>
-                </a:tc>
-                <a:tc>
-                  <a:txBody>
-                    <a:bodyPr/>
-                    <a:lstStyle/>
-                    <a:p>
-                      <a:pPr algn="ctr" rtl="0" fontAlgn="b"/>
-                      <a:r>
-                        <a:rPr lang="he-IL" sz="1200" b="0" i="0" u="none" strike="noStrike">
-                          <a:solidFill>
-                            <a:srgbClr val="000000"/>
-                          </a:solidFill>
-                          <a:effectLst/>
-                          <a:latin typeface="Arial" panose="020B0604020202020204" pitchFamily="34" charset="0"/>
-                        </a:rPr>
-                        <a:t>871</a:t>
-                      </a:r>
-                    </a:p>
-                  </a:txBody>
-                  <a:tcPr marL="9525" marR="9525" marT="9525" marB="0" anchor="ctr"/>
-                </a:tc>
-                <a:tc>
-                  <a:txBody>
-                    <a:bodyPr/>
-                    <a:lstStyle/>
-                    <a:p>
-                      <a:pPr marL="0" marR="0" lvl="0" indent="0" algn="ctr" defTabSz="914400" rtl="1" eaLnBrk="1" fontAlgn="auto" latinLnBrk="0" hangingPunct="1">
-                        <a:lnSpc>
-                          <a:spcPct val="100000"/>
-                        </a:lnSpc>
-                        <a:spcBef>
-                          <a:spcPts val="0"/>
-                        </a:spcBef>
-                        <a:spcAft>
-                          <a:spcPts val="0"/>
-                        </a:spcAft>
-                        <a:buClrTx/>
-                        <a:buSzTx/>
-                        <a:buFontTx/>
-                        <a:buNone/>
-                        <a:tabLst/>
-                        <a:defRPr/>
-                      </a:pPr>
-                      <a:r>
-                        <a:rPr lang="he-IL" sz="1200" dirty="0" smtClean="0"/>
-                        <a:t>לא</a:t>
-                      </a:r>
-                      <a:r>
-                        <a:rPr lang="he-IL" sz="1200" baseline="0" dirty="0" smtClean="0"/>
-                        <a:t> רלוונטי</a:t>
-                      </a:r>
-                      <a:endParaRPr lang="he-IL" sz="1200" dirty="0" smtClean="0"/>
-                    </a:p>
-                  </a:txBody>
-                  <a:tcPr anchor="ctr"/>
-                </a:tc>
-                <a:extLst>
-                  <a:ext uri="{0D108BD9-81ED-4DB2-BD59-A6C34878D82A}">
-                    <a16:rowId xmlns:a16="http://schemas.microsoft.com/office/drawing/2014/main" val="2506084763"/>
-                  </a:ext>
-                </a:extLst>
-              </a:tr>
-              <a:tr h="394708">
-                <a:tc>
-                  <a:txBody>
-                    <a:bodyPr/>
-                    <a:lstStyle/>
-                    <a:p>
-                      <a:pPr algn="ctr" rtl="0" fontAlgn="b"/>
-                      <a:r>
-                        <a:rPr lang="en-US" sz="1200" b="0" i="0" u="none" strike="noStrike">
-                          <a:solidFill>
-                            <a:srgbClr val="000000"/>
-                          </a:solidFill>
-                          <a:effectLst/>
-                          <a:latin typeface="Arial" panose="020B0604020202020204" pitchFamily="34" charset="0"/>
-                        </a:rPr>
-                        <a:t>registrationDate</a:t>
-                      </a:r>
-                    </a:p>
-                  </a:txBody>
-                  <a:tcPr marL="9525" marR="9525" marT="9525" marB="0" anchor="ctr"/>
-                </a:tc>
-                <a:tc>
-                  <a:txBody>
-                    <a:bodyPr/>
-                    <a:lstStyle/>
-                    <a:p>
-                      <a:pPr algn="ctr" rtl="0" fontAlgn="b"/>
-                      <a:r>
-                        <a:rPr lang="he-IL" sz="1200" b="0" i="0" u="none" strike="noStrike">
-                          <a:solidFill>
-                            <a:srgbClr val="000000"/>
-                          </a:solidFill>
-                          <a:effectLst/>
-                          <a:latin typeface="Arial" panose="020B0604020202020204" pitchFamily="34" charset="0"/>
-                        </a:rPr>
-                        <a:t>25</a:t>
-                      </a:r>
-                    </a:p>
-                  </a:txBody>
-                  <a:tcPr marL="9525" marR="9525" marT="9525" marB="0" anchor="ctr"/>
-                </a:tc>
-                <a:tc>
-                  <a:txBody>
-                    <a:bodyPr/>
-                    <a:lstStyle/>
-                    <a:p>
-                      <a:pPr algn="ctr" rtl="1"/>
-                      <a:r>
-                        <a:rPr lang="en-US" sz="1200" dirty="0" smtClean="0"/>
-                        <a:t>V</a:t>
-                      </a:r>
-                      <a:endParaRPr lang="he-IL" sz="1200" dirty="0"/>
-                    </a:p>
-                  </a:txBody>
-                  <a:tcPr anchor="ctr"/>
-                </a:tc>
-                <a:extLst>
-                  <a:ext uri="{0D108BD9-81ED-4DB2-BD59-A6C34878D82A}">
-                    <a16:rowId xmlns:a16="http://schemas.microsoft.com/office/drawing/2014/main" val="2985643913"/>
-                  </a:ext>
-                </a:extLst>
-              </a:tr>
-              <a:tr h="394708">
-                <a:tc>
-                  <a:txBody>
-                    <a:bodyPr/>
-                    <a:lstStyle/>
-                    <a:p>
-                      <a:pPr algn="ctr" rtl="0" fontAlgn="b"/>
-                      <a:r>
-                        <a:rPr lang="en-US" sz="1200" b="0" i="0" u="none" strike="noStrike">
-                          <a:solidFill>
-                            <a:srgbClr val="000000"/>
-                          </a:solidFill>
-                          <a:effectLst/>
-                          <a:latin typeface="Arial" panose="020B0604020202020204" pitchFamily="34" charset="0"/>
-                        </a:rPr>
-                        <a:t>updateDate</a:t>
-                      </a:r>
-                    </a:p>
-                  </a:txBody>
-                  <a:tcPr marL="9525" marR="9525" marT="9525" marB="0" anchor="ctr"/>
-                </a:tc>
-                <a:tc>
-                  <a:txBody>
-                    <a:bodyPr/>
-                    <a:lstStyle/>
-                    <a:p>
-                      <a:pPr algn="ctr" rtl="0" fontAlgn="b"/>
-                      <a:r>
-                        <a:rPr lang="he-IL" sz="1200" b="0" i="0" u="none" strike="noStrike">
-                          <a:solidFill>
-                            <a:srgbClr val="000000"/>
-                          </a:solidFill>
-                          <a:effectLst/>
-                          <a:latin typeface="Arial" panose="020B0604020202020204" pitchFamily="34" charset="0"/>
-                        </a:rPr>
-                        <a:t>15</a:t>
-                      </a:r>
-                    </a:p>
-                  </a:txBody>
-                  <a:tcPr marL="9525" marR="9525" marT="9525" marB="0" anchor="ctr"/>
-                </a:tc>
-                <a:tc>
-                  <a:txBody>
-                    <a:bodyPr/>
-                    <a:lstStyle/>
-                    <a:p>
-                      <a:pPr algn="ctr" rtl="1"/>
-                      <a:r>
-                        <a:rPr lang="en-US" sz="1200" dirty="0" smtClean="0"/>
-                        <a:t>V</a:t>
-                      </a:r>
-                      <a:endParaRPr lang="he-IL" sz="1200" dirty="0"/>
-                    </a:p>
-                  </a:txBody>
-                  <a:tcPr anchor="ctr"/>
-                </a:tc>
-                <a:extLst>
-                  <a:ext uri="{0D108BD9-81ED-4DB2-BD59-A6C34878D82A}">
-                    <a16:rowId xmlns:a16="http://schemas.microsoft.com/office/drawing/2014/main" val="1625462085"/>
-                  </a:ext>
-                </a:extLst>
-              </a:tr>
-              <a:tr h="394708">
-                <a:tc>
-                  <a:txBody>
-                    <a:bodyPr/>
-                    <a:lstStyle/>
-                    <a:p>
-                      <a:pPr algn="ctr" rtl="0" fontAlgn="b"/>
-                      <a:r>
-                        <a:rPr lang="en-US" sz="1200" b="0" i="0" u="none" strike="noStrike">
-                          <a:solidFill>
-                            <a:srgbClr val="000000"/>
-                          </a:solidFill>
-                          <a:effectLst/>
-                          <a:latin typeface="Arial" panose="020B0604020202020204" pitchFamily="34" charset="0"/>
-                        </a:rPr>
-                        <a:t>surveyorLicsenseId</a:t>
-                      </a:r>
-                    </a:p>
-                  </a:txBody>
-                  <a:tcPr marL="9525" marR="9525" marT="9525" marB="0" anchor="ctr"/>
-                </a:tc>
-                <a:tc>
-                  <a:txBody>
-                    <a:bodyPr/>
-                    <a:lstStyle/>
-                    <a:p>
-                      <a:pPr algn="ctr" rtl="0" fontAlgn="b"/>
-                      <a:r>
-                        <a:rPr lang="he-IL" sz="1200" b="0" i="0" u="none" strike="noStrike">
-                          <a:solidFill>
-                            <a:srgbClr val="000000"/>
-                          </a:solidFill>
-                          <a:effectLst/>
-                          <a:latin typeface="Arial" panose="020B0604020202020204" pitchFamily="34" charset="0"/>
-                        </a:rPr>
-                        <a:t>871</a:t>
-                      </a:r>
-                    </a:p>
-                  </a:txBody>
-                  <a:tcPr marL="9525" marR="9525" marT="9525" marB="0" anchor="ctr"/>
-                </a:tc>
-                <a:tc>
-                  <a:txBody>
-                    <a:bodyPr/>
-                    <a:lstStyle/>
-                    <a:p>
-                      <a:pPr marL="0" marR="0" lvl="0" indent="0" algn="ctr" defTabSz="914400" rtl="1" eaLnBrk="1" fontAlgn="auto" latinLnBrk="0" hangingPunct="1">
-                        <a:lnSpc>
-                          <a:spcPct val="100000"/>
-                        </a:lnSpc>
-                        <a:spcBef>
-                          <a:spcPts val="0"/>
-                        </a:spcBef>
-                        <a:spcAft>
-                          <a:spcPts val="0"/>
-                        </a:spcAft>
-                        <a:buClrTx/>
-                        <a:buSzTx/>
-                        <a:buFontTx/>
-                        <a:buNone/>
-                        <a:tabLst/>
-                        <a:defRPr/>
-                      </a:pPr>
-                      <a:r>
-                        <a:rPr lang="he-IL" sz="1200" dirty="0" smtClean="0"/>
-                        <a:t>לא</a:t>
-                      </a:r>
-                      <a:r>
-                        <a:rPr lang="he-IL" sz="1200" baseline="0" dirty="0" smtClean="0"/>
-                        <a:t> ניתן לאכלס כרגע</a:t>
-                      </a:r>
-                      <a:endParaRPr lang="he-IL" sz="1200" dirty="0" smtClean="0"/>
-                    </a:p>
-                  </a:txBody>
-                  <a:tcPr anchor="ctr"/>
-                </a:tc>
-                <a:extLst>
-                  <a:ext uri="{0D108BD9-81ED-4DB2-BD59-A6C34878D82A}">
-                    <a16:rowId xmlns:a16="http://schemas.microsoft.com/office/drawing/2014/main" val="492740875"/>
-                  </a:ext>
-                </a:extLst>
-              </a:tr>
-              <a:tr h="394708">
-                <a:tc>
-                  <a:txBody>
-                    <a:bodyPr/>
-                    <a:lstStyle/>
-                    <a:p>
-                      <a:pPr algn="ctr" rtl="0" fontAlgn="b"/>
-                      <a:r>
-                        <a:rPr lang="en-US" sz="1200" b="0" i="0" u="none" strike="noStrike">
-                          <a:solidFill>
-                            <a:srgbClr val="000000"/>
-                          </a:solidFill>
-                          <a:effectLst/>
-                          <a:latin typeface="Arial" panose="020B0604020202020204" pitchFamily="34" charset="0"/>
-                        </a:rPr>
-                        <a:t>dataSource</a:t>
-                      </a:r>
-                    </a:p>
-                  </a:txBody>
-                  <a:tcPr marL="9525" marR="9525" marT="9525" marB="0" anchor="ctr"/>
-                </a:tc>
-                <a:tc>
-                  <a:txBody>
-                    <a:bodyPr/>
-                    <a:lstStyle/>
-                    <a:p>
-                      <a:pPr algn="ctr" rtl="0" fontAlgn="b"/>
-                      <a:r>
-                        <a:rPr lang="he-IL" sz="1200" b="0" i="0" u="none" strike="noStrike">
-                          <a:solidFill>
-                            <a:srgbClr val="000000"/>
-                          </a:solidFill>
-                          <a:effectLst/>
-                          <a:latin typeface="Arial" panose="020B0604020202020204" pitchFamily="34" charset="0"/>
-                        </a:rPr>
-                        <a:t>0</a:t>
-                      </a:r>
-                    </a:p>
-                  </a:txBody>
-                  <a:tcPr marL="9525" marR="9525" marT="9525" marB="0" anchor="ctr"/>
-                </a:tc>
-                <a:tc>
-                  <a:txBody>
-                    <a:bodyPr/>
-                    <a:lstStyle/>
-                    <a:p>
-                      <a:pPr algn="ctr" rtl="1"/>
-                      <a:r>
-                        <a:rPr lang="en-US" sz="1200" dirty="0" smtClean="0"/>
-                        <a:t>V</a:t>
-                      </a:r>
-                      <a:endParaRPr lang="he-IL" sz="1200" dirty="0"/>
-                    </a:p>
-                  </a:txBody>
-                  <a:tcPr anchor="ctr"/>
-                </a:tc>
-                <a:extLst>
-                  <a:ext uri="{0D108BD9-81ED-4DB2-BD59-A6C34878D82A}">
-                    <a16:rowId xmlns:a16="http://schemas.microsoft.com/office/drawing/2014/main" val="1264465496"/>
-                  </a:ext>
-                </a:extLst>
-              </a:tr>
-              <a:tr h="394708">
-                <a:tc>
-                  <a:txBody>
-                    <a:bodyPr/>
-                    <a:lstStyle/>
-                    <a:p>
-                      <a:pPr algn="ctr" rtl="0" fontAlgn="b"/>
-                      <a:r>
-                        <a:rPr lang="en-US" sz="1200" b="0" i="0" u="none" strike="noStrike" dirty="0" err="1">
-                          <a:solidFill>
-                            <a:srgbClr val="000000"/>
-                          </a:solidFill>
-                          <a:effectLst/>
-                          <a:latin typeface="Arial" panose="020B0604020202020204" pitchFamily="34" charset="0"/>
-                        </a:rPr>
-                        <a:t>blockUniqueId</a:t>
-                      </a:r>
-                      <a:endParaRPr lang="en-US" sz="1200" b="0" i="0" u="none" strike="noStrike" dirty="0">
-                        <a:solidFill>
-                          <a:srgbClr val="000000"/>
-                        </a:solidFill>
-                        <a:effectLst/>
-                        <a:latin typeface="Arial" panose="020B0604020202020204" pitchFamily="34" charset="0"/>
-                      </a:endParaRPr>
-                    </a:p>
-                  </a:txBody>
-                  <a:tcPr marL="9525" marR="9525" marT="9525" marB="0" anchor="ctr"/>
-                </a:tc>
-                <a:tc>
-                  <a:txBody>
-                    <a:bodyPr/>
-                    <a:lstStyle/>
-                    <a:p>
-                      <a:pPr algn="ctr" rtl="0" fontAlgn="b"/>
-                      <a:r>
-                        <a:rPr lang="he-IL" sz="1200" b="0" i="0" u="none" strike="noStrike" dirty="0">
-                          <a:solidFill>
-                            <a:srgbClr val="000000"/>
-                          </a:solidFill>
-                          <a:effectLst/>
-                          <a:latin typeface="Arial" panose="020B0604020202020204" pitchFamily="34" charset="0"/>
-                        </a:rPr>
-                        <a:t>0</a:t>
-                      </a:r>
-                    </a:p>
-                  </a:txBody>
-                  <a:tcPr marL="9525" marR="9525" marT="9525" marB="0" anchor="ctr"/>
-                </a:tc>
-                <a:tc>
-                  <a:txBody>
-                    <a:bodyPr/>
-                    <a:lstStyle/>
-                    <a:p>
-                      <a:pPr algn="ctr" rtl="1"/>
-                      <a:r>
-                        <a:rPr lang="en-US" sz="1200" dirty="0" smtClean="0"/>
-                        <a:t>V</a:t>
-                      </a:r>
-                      <a:endParaRPr lang="he-IL" sz="1200" dirty="0"/>
-                    </a:p>
-                  </a:txBody>
-                  <a:tcPr anchor="ctr"/>
-                </a:tc>
-                <a:extLst>
-                  <a:ext uri="{0D108BD9-81ED-4DB2-BD59-A6C34878D82A}">
-                    <a16:rowId xmlns:a16="http://schemas.microsoft.com/office/drawing/2014/main" val="3842159156"/>
-                  </a:ext>
-                </a:extLst>
-              </a:tr>
-            </a:tbl>
-          </a:graphicData>
-        </a:graphic>
-      </p:graphicFrame>
-    </p:spTree>
-    <p:extLst>
-      <p:ext uri="{BB962C8B-B14F-4D97-AF65-F5344CB8AC3E}">
-        <p14:creationId xmlns:p14="http://schemas.microsoft.com/office/powerpoint/2010/main" val="1500042307"/>
       </p:ext>
     </p:extLst>
   </p:cSld>
@@ -5495,7 +3787,7 @@
           <a:p>
             <a:pPr algn="r"/>
             <a:r>
-              <a:rPr lang="he-IL" sz="3600" dirty="0" smtClean="0">
+              <a:rPr lang="he-IL" sz="3600" dirty="0">
                 <a:solidFill>
                   <a:srgbClr val="002060"/>
                 </a:solidFill>
@@ -5505,27 +3797,17 @@
               <a:t>מבנה </a:t>
             </a:r>
             <a:r>
-              <a:rPr lang="he-IL" sz="3600" smtClean="0">
+              <a:rPr lang="he-IL" sz="3600">
                 <a:solidFill>
                   <a:srgbClr val="002060"/>
                 </a:solidFill>
                 <a:latin typeface="Calibri" panose="020F0502020204030204" pitchFamily="34" charset="0"/>
                 <a:cs typeface="Calibri" panose="020F0502020204030204" pitchFamily="34" charset="0"/>
               </a:rPr>
-              <a:t>טבלת </a:t>
+              <a:t>טבלת פס"ד </a:t>
             </a:r>
             <a:r>
-              <a:rPr lang="he-IL" sz="3600" smtClean="0">
-                <a:solidFill>
-                  <a:srgbClr val="002060"/>
-                </a:solidFill>
-                <a:latin typeface="Calibri" panose="020F0502020204030204" pitchFamily="34" charset="0"/>
-                <a:cs typeface="Calibri" panose="020F0502020204030204" pitchFamily="34" charset="0"/>
-              </a:rPr>
-              <a:t>פס"ד </a:t>
-            </a:r>
-            <a:r>
-              <a:rPr lang="he-IL" sz="3600" dirty="0" smtClean="0">
+              <a:rPr lang="he-IL" sz="3600" dirty="0">
                 <a:solidFill>
                   <a:srgbClr val="002060"/>
                 </a:solidFill>
@@ -5534,13 +3816,6 @@
               </a:rPr>
               <a:t>בסכמה החדשה</a:t>
             </a:r>
-            <a:endParaRPr lang="he-IL" sz="3600" dirty="0">
-              <a:solidFill>
-                <a:srgbClr val="002060"/>
-              </a:solidFill>
-              <a:latin typeface="Calibri" panose="020F0502020204030204" pitchFamily="34" charset="0"/>
-              <a:cs typeface="Calibri" panose="020F0502020204030204" pitchFamily="34" charset="0"/>
-            </a:endParaRPr>
           </a:p>
         </p:txBody>
       </p:sp>
@@ -5553,14 +3828,14 @@
           <p:nvPr>
             <p:extLst>
               <p:ext uri="{D42A27DB-BD31-4B8C-83A1-F6EECF244321}">
-                <p14:modId xmlns:p14="http://schemas.microsoft.com/office/powerpoint/2010/main" val="4211787291"/>
+                <p14:modId xmlns:p14="http://schemas.microsoft.com/office/powerpoint/2010/main" val="168490425"/>
               </p:ext>
             </p:extLst>
           </p:nvPr>
         </p:nvGraphicFramePr>
         <p:xfrm>
           <a:off x="1422399" y="756069"/>
-          <a:ext cx="9664700" cy="5441469"/>
+          <a:ext cx="9664700" cy="3995605"/>
         </p:xfrm>
         <a:graphic>
           <a:graphicData uri="http://schemas.openxmlformats.org/drawingml/2006/table">
@@ -5672,13 +3947,13 @@
                         <a:t>כינוי </a:t>
                       </a:r>
                       <a:r>
-                        <a:rPr lang="en-US" sz="2400" b="1" u="none" strike="noStrike" smtClean="0">
+                        <a:rPr lang="en-US" sz="2400" b="1" u="none" strike="noStrike">
                           <a:effectLst/>
                         </a:rPr>
                         <a:t>alias)</a:t>
                       </a:r>
                       <a:r>
-                        <a:rPr lang="he-IL" sz="2400" b="1" u="none" strike="noStrike" smtClean="0">
+                        <a:rPr lang="he-IL" sz="2400" b="1" u="none" strike="noStrike">
                           <a:effectLst/>
                         </a:rPr>
                         <a:t>)</a:t>
@@ -5714,13 +3989,13 @@
                         <a:t>האם קיים </a:t>
                       </a:r>
                       <a:r>
-                        <a:rPr lang="en-US" sz="2400" b="1" u="none" strike="noStrike" smtClean="0">
+                        <a:rPr lang="en-US" sz="2400" b="1" u="none" strike="noStrike">
                           <a:effectLst/>
                         </a:rPr>
                         <a:t>LUT</a:t>
                       </a:r>
                       <a:r>
-                        <a:rPr lang="he-IL" sz="2400" b="1" u="none" strike="noStrike" smtClean="0">
+                        <a:rPr lang="he-IL" sz="2400" b="1" u="none" strike="noStrike">
                           <a:effectLst/>
                         </a:rPr>
                         <a:t> ?</a:t>
@@ -5764,7 +4039,7 @@
                           <a:effectLst/>
                           <a:latin typeface="Arial" panose="020B0604020202020204" pitchFamily="34" charset="0"/>
                         </a:rPr>
-                        <a:t>cpbUniqueId</a:t>
+                        <a:t>CPBUniqueId</a:t>
                       </a:r>
                       <a:endParaRPr lang="en-US" sz="1600" b="0" i="0" u="none" strike="noStrike" dirty="0">
                         <a:solidFill>
@@ -5891,7 +4166,7 @@
                           <a:effectLst/>
                           <a:latin typeface="Arial" panose="020B0604020202020204" pitchFamily="34" charset="0"/>
                         </a:rPr>
-                        <a:t>blockUniqueId</a:t>
+                        <a:t>BlockUniqueId</a:t>
                       </a:r>
                       <a:endParaRPr lang="en-US" sz="1600" b="0" i="0" u="none" strike="noStrike" dirty="0">
                         <a:solidFill>
@@ -6121,7 +4396,7 @@
                           <a:effectLst/>
                           <a:latin typeface="Arial" panose="020B0604020202020204" pitchFamily="34" charset="0"/>
                         </a:rPr>
-                        <a:t>mapYear</a:t>
+                        <a:t>MapYear</a:t>
                       </a:r>
                       <a:endParaRPr lang="en-US" sz="1600" b="0" i="0" u="none" strike="noStrike" dirty="0">
                         <a:solidFill>
@@ -6231,7 +4506,7 @@
                           <a:effectLst/>
                           <a:latin typeface="Arial" panose="020B0604020202020204" pitchFamily="34" charset="0"/>
                         </a:rPr>
-                        <a:t>processName</a:t>
+                        <a:t>ProcessName</a:t>
                       </a:r>
                       <a:endParaRPr lang="en-US" sz="1600" b="0" i="0" u="none" strike="noStrike" dirty="0">
                         <a:solidFill>
@@ -6255,14 +4530,24 @@
                     <a:p>
                       <a:pPr algn="ctr" rtl="0" fontAlgn="b"/>
                       <a:r>
-                        <a:rPr lang="en-US" sz="1600" b="0" i="0" u="none" strike="noStrike">
+                        <a:rPr lang="en-US" sz="1600" b="0" i="0" u="none" strike="noStrike" dirty="0" err="1">
                           <a:solidFill>
                             <a:srgbClr val="000000"/>
                           </a:solidFill>
                           <a:effectLst/>
                           <a:latin typeface="Arial" panose="020B0604020202020204" pitchFamily="34" charset="0"/>
                         </a:rPr>
-                        <a:t>Nvarchar(50)</a:t>
+                        <a:t>Nvarchar</a:t>
+                      </a:r>
+                      <a:r>
+                        <a:rPr lang="en-US" sz="1600" b="0" i="0" u="none" strike="noStrike" dirty="0">
+                          <a:solidFill>
+                            <a:srgbClr val="000000"/>
+                          </a:solidFill>
+                          <a:effectLst/>
+                          <a:latin typeface="Arial" panose="020B0604020202020204" pitchFamily="34" charset="0"/>
+                        </a:rPr>
+                        <a:t>(50)</a:t>
                       </a:r>
                     </a:p>
                   </a:txBody>
@@ -6341,7 +4626,7 @@
                           <a:effectLst/>
                           <a:latin typeface="Arial" panose="020B0604020202020204" pitchFamily="34" charset="0"/>
                         </a:rPr>
-                        <a:t>geodeticNetwork</a:t>
+                        <a:t>GeodeticNetwork</a:t>
                       </a:r>
                       <a:endParaRPr lang="en-US" sz="1600" b="0" i="0" u="none" strike="noStrike" dirty="0">
                         <a:solidFill>
@@ -6365,7 +4650,7 @@
                     <a:p>
                       <a:pPr algn="ctr" rtl="0" fontAlgn="b"/>
                       <a:r>
-                        <a:rPr lang="en-US" sz="1600" b="0" i="0" u="none" strike="noStrike">
+                        <a:rPr lang="en-US" sz="1600" b="0" i="0" u="none" strike="noStrike" dirty="0">
                           <a:solidFill>
                             <a:srgbClr val="000000"/>
                           </a:solidFill>
@@ -6451,7 +4736,7 @@
                           <a:effectLst/>
                           <a:latin typeface="Arial" panose="020B0604020202020204" pitchFamily="34" charset="0"/>
                         </a:rPr>
-                        <a:t>status</a:t>
+                        <a:t>Status</a:t>
                       </a:r>
                     </a:p>
                   </a:txBody>
@@ -6468,7 +4753,7 @@
                     <a:p>
                       <a:pPr algn="ctr" rtl="0" fontAlgn="b"/>
                       <a:r>
-                        <a:rPr lang="en-US" sz="1600" b="0" i="0" u="none" strike="noStrike">
+                        <a:rPr lang="en-US" sz="1600" b="0" i="0" u="none" strike="noStrike" dirty="0">
                           <a:solidFill>
                             <a:srgbClr val="000000"/>
                           </a:solidFill>
@@ -6554,7 +4839,7 @@
                           <a:effectLst/>
                           <a:latin typeface="Arial" panose="020B0604020202020204" pitchFamily="34" charset="0"/>
                         </a:rPr>
-                        <a:t>planName</a:t>
+                        <a:t>PlanName</a:t>
                       </a:r>
                       <a:endParaRPr lang="en-US" sz="1600" b="0" i="0" u="none" strike="noStrike" dirty="0">
                         <a:solidFill>
@@ -6578,14 +4863,24 @@
                     <a:p>
                       <a:pPr algn="ctr" rtl="0" fontAlgn="b"/>
                       <a:r>
-                        <a:rPr lang="en-US" sz="1600" b="0" i="0" u="none" strike="noStrike">
+                        <a:rPr lang="en-US" sz="1600" b="0" i="0" u="none" strike="noStrike" dirty="0" err="1">
                           <a:solidFill>
                             <a:srgbClr val="000000"/>
                           </a:solidFill>
                           <a:effectLst/>
                           <a:latin typeface="Arial" panose="020B0604020202020204" pitchFamily="34" charset="0"/>
                         </a:rPr>
-                        <a:t>Nvarchar(50)</a:t>
+                        <a:t>Nvarchar</a:t>
+                      </a:r>
+                      <a:r>
+                        <a:rPr lang="en-US" sz="1600" b="0" i="0" u="none" strike="noStrike" dirty="0">
+                          <a:solidFill>
+                            <a:srgbClr val="000000"/>
+                          </a:solidFill>
+                          <a:effectLst/>
+                          <a:latin typeface="Arial" panose="020B0604020202020204" pitchFamily="34" charset="0"/>
+                        </a:rPr>
+                        <a:t>(50)</a:t>
                       </a:r>
                     </a:p>
                   </a:txBody>
@@ -6664,7 +4959,7 @@
                           <a:effectLst/>
                           <a:latin typeface="Arial" panose="020B0604020202020204" pitchFamily="34" charset="0"/>
                         </a:rPr>
-                        <a:t>createDate</a:t>
+                        <a:t>SurveyorLicsenseId</a:t>
                       </a:r>
                       <a:endParaRPr lang="en-US" sz="1600" b="0" i="0" u="none" strike="noStrike" dirty="0">
                         <a:solidFill>
@@ -6688,14 +4983,14 @@
                     <a:p>
                       <a:pPr algn="ctr" rtl="0" fontAlgn="b"/>
                       <a:r>
-                        <a:rPr lang="en-US" sz="1600" b="0" i="0" u="none" strike="noStrike">
+                        <a:rPr lang="en-US" sz="1600" b="0" i="0" u="none" strike="noStrike" dirty="0">
                           <a:solidFill>
                             <a:srgbClr val="000000"/>
                           </a:solidFill>
                           <a:effectLst/>
                           <a:latin typeface="Arial" panose="020B0604020202020204" pitchFamily="34" charset="0"/>
                         </a:rPr>
-                        <a:t>date</a:t>
+                        <a:t>integer</a:t>
                       </a:r>
                     </a:p>
                   </a:txBody>
@@ -6712,14 +5007,14 @@
                     <a:p>
                       <a:pPr algn="ctr" rtl="1" fontAlgn="b"/>
                       <a:r>
-                        <a:rPr lang="he-IL" sz="1600" b="0" i="0" u="none" strike="noStrike">
+                        <a:rPr lang="he-IL" sz="1600" b="0" i="0" u="none" strike="noStrike" dirty="0">
                           <a:solidFill>
                             <a:srgbClr val="000000"/>
                           </a:solidFill>
                           <a:effectLst/>
                           <a:latin typeface="Arial" panose="020B0604020202020204" pitchFamily="34" charset="0"/>
                         </a:rPr>
-                        <a:t>תאריך יצירה\הגשה</a:t>
+                        <a:t>מס' רישיון מודד</a:t>
                       </a:r>
                     </a:p>
                   </a:txBody>
@@ -6755,7 +5050,7 @@
                 </a:tc>
                 <a:extLst>
                   <a:ext uri="{0D108BD9-81ED-4DB2-BD59-A6C34878D82A}">
-                    <a16:rowId xmlns:a16="http://schemas.microsoft.com/office/drawing/2014/main" val="1275515833"/>
+                    <a16:rowId xmlns:a16="http://schemas.microsoft.com/office/drawing/2014/main" val="1055234661"/>
                   </a:ext>
                 </a:extLst>
               </a:tr>
@@ -6774,7 +5069,7 @@
                           <a:effectLst/>
                           <a:latin typeface="Arial" panose="020B0604020202020204" pitchFamily="34" charset="0"/>
                         </a:rPr>
-                        <a:t>appovalDate</a:t>
+                        <a:t>DataSource</a:t>
                       </a:r>
                       <a:endParaRPr lang="en-US" sz="1600" b="0" i="0" u="none" strike="noStrike" dirty="0">
                         <a:solidFill>
@@ -6798,14 +5093,14 @@
                     <a:p>
                       <a:pPr algn="ctr" rtl="0" fontAlgn="b"/>
                       <a:r>
-                        <a:rPr lang="en-US" sz="1600" b="0" i="0" u="none" strike="noStrike">
+                        <a:rPr lang="en-US" sz="1600" b="0" i="0" u="none" strike="noStrike" dirty="0">
                           <a:solidFill>
                             <a:srgbClr val="000000"/>
                           </a:solidFill>
                           <a:effectLst/>
                           <a:latin typeface="Arial" panose="020B0604020202020204" pitchFamily="34" charset="0"/>
                         </a:rPr>
-                        <a:t>date</a:t>
+                        <a:t>integer</a:t>
                       </a:r>
                     </a:p>
                   </a:txBody>
@@ -6822,464 +5117,17 @@
                     <a:p>
                       <a:pPr algn="ctr" rtl="1" fontAlgn="b"/>
                       <a:r>
-                        <a:rPr lang="he-IL" sz="1600" b="0" i="0" u="none" strike="noStrike">
+                        <a:rPr lang="he-IL" sz="1600" b="0" i="0" u="none" strike="noStrike" dirty="0">
                           <a:solidFill>
                             <a:srgbClr val="000000"/>
                           </a:solidFill>
                           <a:effectLst/>
                           <a:latin typeface="Arial" panose="020B0604020202020204" pitchFamily="34" charset="0"/>
                         </a:rPr>
-                        <a:t>תאריך אישור המפה</a:t>
-                      </a:r>
-                    </a:p>
-                  </a:txBody>
-                  <a:tcPr marL="9525" marR="9525" marT="9525" marB="0" anchor="b">
-                    <a:solidFill>
-                      <a:schemeClr val="bg1"/>
-                    </a:solidFill>
-                  </a:tcPr>
-                </a:tc>
-                <a:tc>
-                  <a:txBody>
-                    <a:bodyPr/>
-                    <a:lstStyle/>
-                    <a:p>
-                      <a:pPr algn="ctr" rtl="1" fontAlgn="b"/>
-                      <a:r>
-                        <a:rPr lang="he-IL" sz="1600" b="0" i="0" u="none" strike="noStrike" dirty="0">
-                          <a:solidFill>
-                            <a:srgbClr val="000000"/>
-                          </a:solidFill>
-                          <a:effectLst/>
-                          <a:latin typeface="Arial" panose="020B0604020202020204" pitchFamily="34" charset="0"/>
-                        </a:rPr>
-                        <a:t>לא</a:t>
-                      </a:r>
-                    </a:p>
-                  </a:txBody>
-                  <a:tcPr marL="9525" marR="9525" marT="9525" marB="0" anchor="b">
-                    <a:solidFill>
-                      <a:schemeClr val="bg1"/>
-                    </a:solidFill>
-                  </a:tcPr>
-                </a:tc>
-                <a:extLst>
-                  <a:ext uri="{0D108BD9-81ED-4DB2-BD59-A6C34878D82A}">
-                    <a16:rowId xmlns:a16="http://schemas.microsoft.com/office/drawing/2014/main" val="993593874"/>
-                  </a:ext>
-                </a:extLst>
-              </a:tr>
-              <a:tr h="361466">
-                <a:tc>
-                  <a:txBody>
-                    <a:bodyPr/>
-                    <a:lstStyle/>
-                    <a:p>
-                      <a:pPr algn="ctr" rtl="0" fontAlgn="b"/>
-                      <a:r>
-                        <a:rPr lang="en-US" sz="1600" b="0" i="0" u="none" strike="noStrike" dirty="0" err="1">
-                          <a:solidFill>
-                            <a:srgbClr val="000000"/>
-                          </a:solidFill>
-                          <a:effectLst/>
-                          <a:latin typeface="Arial" panose="020B0604020202020204" pitchFamily="34" charset="0"/>
-                        </a:rPr>
-                        <a:t>registrationDate</a:t>
-                      </a:r>
-                      <a:endParaRPr lang="en-US" sz="1600" b="0" i="0" u="none" strike="noStrike" dirty="0">
-                        <a:solidFill>
-                          <a:srgbClr val="000000"/>
-                        </a:solidFill>
-                        <a:effectLst/>
-                        <a:latin typeface="Arial" panose="020B0604020202020204" pitchFamily="34" charset="0"/>
-                      </a:endParaRPr>
-                    </a:p>
-                  </a:txBody>
-                  <a:tcPr marL="9525" marR="9525" marT="9525" marB="0" anchor="b">
-                    <a:solidFill>
-                      <a:schemeClr val="bg1"/>
-                    </a:solidFill>
-                  </a:tcPr>
-                </a:tc>
-                <a:tc>
-                  <a:txBody>
-                    <a:bodyPr/>
-                    <a:lstStyle/>
-                    <a:p>
-                      <a:pPr algn="ctr" rtl="0" fontAlgn="b"/>
-                      <a:r>
-                        <a:rPr lang="en-US" sz="1600" b="0" i="0" u="none" strike="noStrike">
-                          <a:solidFill>
-                            <a:srgbClr val="000000"/>
-                          </a:solidFill>
-                          <a:effectLst/>
-                          <a:latin typeface="Arial" panose="020B0604020202020204" pitchFamily="34" charset="0"/>
-                        </a:rPr>
-                        <a:t>date</a:t>
-                      </a:r>
-                    </a:p>
-                  </a:txBody>
-                  <a:tcPr marL="9525" marR="9525" marT="9525" marB="0" anchor="b">
-                    <a:solidFill>
-                      <a:schemeClr val="bg1"/>
-                    </a:solidFill>
-                  </a:tcPr>
-                </a:tc>
-                <a:tc>
-                  <a:txBody>
-                    <a:bodyPr/>
-                    <a:lstStyle/>
-                    <a:p>
-                      <a:pPr algn="ctr" rtl="1" fontAlgn="b"/>
-                      <a:r>
-                        <a:rPr lang="he-IL" sz="1600" b="0" i="0" u="none" strike="noStrike">
-                          <a:solidFill>
-                            <a:srgbClr val="000000"/>
-                          </a:solidFill>
-                          <a:effectLst/>
-                          <a:latin typeface="Arial" panose="020B0604020202020204" pitchFamily="34" charset="0"/>
-                        </a:rPr>
-                        <a:t>תאריך רישום הזכויות בטאבו</a:t>
-                      </a:r>
-                    </a:p>
-                  </a:txBody>
-                  <a:tcPr marL="9525" marR="9525" marT="9525" marB="0" anchor="b">
-                    <a:solidFill>
-                      <a:schemeClr val="bg1"/>
-                    </a:solidFill>
-                  </a:tcPr>
-                </a:tc>
-                <a:tc>
-                  <a:txBody>
-                    <a:bodyPr/>
-                    <a:lstStyle/>
-                    <a:p>
-                      <a:pPr algn="ctr" rtl="1" fontAlgn="b"/>
-                      <a:r>
-                        <a:rPr lang="he-IL" sz="1600" b="0" i="0" u="none" strike="noStrike" dirty="0">
-                          <a:solidFill>
-                            <a:srgbClr val="000000"/>
-                          </a:solidFill>
-                          <a:effectLst/>
-                          <a:latin typeface="Arial" panose="020B0604020202020204" pitchFamily="34" charset="0"/>
-                        </a:rPr>
-                        <a:t>לא</a:t>
-                      </a:r>
-                    </a:p>
-                  </a:txBody>
-                  <a:tcPr marL="9525" marR="9525" marT="9525" marB="0" anchor="b">
-                    <a:solidFill>
-                      <a:schemeClr val="bg1"/>
-                    </a:solidFill>
-                  </a:tcPr>
-                </a:tc>
-                <a:extLst>
-                  <a:ext uri="{0D108BD9-81ED-4DB2-BD59-A6C34878D82A}">
-                    <a16:rowId xmlns:a16="http://schemas.microsoft.com/office/drawing/2014/main" val="1951425462"/>
-                  </a:ext>
-                </a:extLst>
-              </a:tr>
-              <a:tr h="361466">
-                <a:tc>
-                  <a:txBody>
-                    <a:bodyPr/>
-                    <a:lstStyle/>
-                    <a:p>
-                      <a:pPr algn="ctr" rtl="0" fontAlgn="b"/>
-                      <a:r>
-                        <a:rPr lang="en-US" sz="1600" b="0" i="0" u="none" strike="noStrike" dirty="0" err="1">
-                          <a:solidFill>
-                            <a:srgbClr val="000000"/>
-                          </a:solidFill>
-                          <a:effectLst/>
-                          <a:latin typeface="Arial" panose="020B0604020202020204" pitchFamily="34" charset="0"/>
-                        </a:rPr>
-                        <a:t>updateDate</a:t>
-                      </a:r>
-                      <a:endParaRPr lang="en-US" sz="1600" b="0" i="0" u="none" strike="noStrike" dirty="0">
-                        <a:solidFill>
-                          <a:srgbClr val="000000"/>
-                        </a:solidFill>
-                        <a:effectLst/>
-                        <a:latin typeface="Arial" panose="020B0604020202020204" pitchFamily="34" charset="0"/>
-                      </a:endParaRPr>
-                    </a:p>
-                  </a:txBody>
-                  <a:tcPr marL="9525" marR="9525" marT="9525" marB="0" anchor="b">
-                    <a:solidFill>
-                      <a:schemeClr val="bg1"/>
-                    </a:solidFill>
-                  </a:tcPr>
-                </a:tc>
-                <a:tc>
-                  <a:txBody>
-                    <a:bodyPr/>
-                    <a:lstStyle/>
-                    <a:p>
-                      <a:pPr algn="ctr" rtl="0" fontAlgn="b"/>
-                      <a:r>
-                        <a:rPr lang="en-US" sz="1600" b="0" i="0" u="none" strike="noStrike">
-                          <a:solidFill>
-                            <a:srgbClr val="000000"/>
-                          </a:solidFill>
-                          <a:effectLst/>
-                          <a:latin typeface="Arial" panose="020B0604020202020204" pitchFamily="34" charset="0"/>
-                        </a:rPr>
-                        <a:t>date</a:t>
-                      </a:r>
-                    </a:p>
-                  </a:txBody>
-                  <a:tcPr marL="9525" marR="9525" marT="9525" marB="0" anchor="b">
-                    <a:solidFill>
-                      <a:schemeClr val="bg1"/>
-                    </a:solidFill>
-                  </a:tcPr>
-                </a:tc>
-                <a:tc>
-                  <a:txBody>
-                    <a:bodyPr/>
-                    <a:lstStyle/>
-                    <a:p>
-                      <a:pPr algn="ctr" rtl="1" fontAlgn="b"/>
-                      <a:r>
-                        <a:rPr lang="he-IL" sz="1600" b="0" i="0" u="none" strike="noStrike">
-                          <a:solidFill>
-                            <a:srgbClr val="000000"/>
-                          </a:solidFill>
-                          <a:effectLst/>
-                          <a:latin typeface="Arial" panose="020B0604020202020204" pitchFamily="34" charset="0"/>
-                        </a:rPr>
-                        <a:t>תאריך עדכון בבנק"ל</a:t>
-                      </a:r>
-                    </a:p>
-                  </a:txBody>
-                  <a:tcPr marL="9525" marR="9525" marT="9525" marB="0" anchor="b">
-                    <a:solidFill>
-                      <a:schemeClr val="bg1"/>
-                    </a:solidFill>
-                  </a:tcPr>
-                </a:tc>
-                <a:tc>
-                  <a:txBody>
-                    <a:bodyPr/>
-                    <a:lstStyle/>
-                    <a:p>
-                      <a:pPr algn="ctr" rtl="1" fontAlgn="b"/>
-                      <a:r>
-                        <a:rPr lang="he-IL" sz="1600" b="0" i="0" u="none" strike="noStrike" dirty="0">
-                          <a:solidFill>
-                            <a:srgbClr val="000000"/>
-                          </a:solidFill>
-                          <a:effectLst/>
-                          <a:latin typeface="Arial" panose="020B0604020202020204" pitchFamily="34" charset="0"/>
-                        </a:rPr>
-                        <a:t>לא</a:t>
-                      </a:r>
-                    </a:p>
-                  </a:txBody>
-                  <a:tcPr marL="9525" marR="9525" marT="9525" marB="0" anchor="b">
-                    <a:solidFill>
-                      <a:schemeClr val="bg1"/>
-                    </a:solidFill>
-                  </a:tcPr>
-                </a:tc>
-                <a:extLst>
-                  <a:ext uri="{0D108BD9-81ED-4DB2-BD59-A6C34878D82A}">
-                    <a16:rowId xmlns:a16="http://schemas.microsoft.com/office/drawing/2014/main" val="4084054423"/>
-                  </a:ext>
-                </a:extLst>
-              </a:tr>
-              <a:tr h="361466">
-                <a:tc>
-                  <a:txBody>
-                    <a:bodyPr/>
-                    <a:lstStyle/>
-                    <a:p>
-                      <a:pPr algn="ctr" rtl="0" fontAlgn="b"/>
-                      <a:r>
-                        <a:rPr lang="en-US" sz="1600" b="0" i="0" u="none" strike="noStrike" dirty="0" err="1">
-                          <a:solidFill>
-                            <a:srgbClr val="000000"/>
-                          </a:solidFill>
-                          <a:effectLst/>
-                          <a:latin typeface="Arial" panose="020B0604020202020204" pitchFamily="34" charset="0"/>
-                        </a:rPr>
-                        <a:t>surveyorLicsenseId</a:t>
-                      </a:r>
-                      <a:endParaRPr lang="en-US" sz="1600" b="0" i="0" u="none" strike="noStrike" dirty="0">
-                        <a:solidFill>
-                          <a:srgbClr val="000000"/>
-                        </a:solidFill>
-                        <a:effectLst/>
-                        <a:latin typeface="Arial" panose="020B0604020202020204" pitchFamily="34" charset="0"/>
-                      </a:endParaRPr>
-                    </a:p>
-                  </a:txBody>
-                  <a:tcPr marL="9525" marR="9525" marT="9525" marB="0" anchor="b">
-                    <a:solidFill>
-                      <a:schemeClr val="bg1"/>
-                    </a:solidFill>
-                  </a:tcPr>
-                </a:tc>
-                <a:tc>
-                  <a:txBody>
-                    <a:bodyPr/>
-                    <a:lstStyle/>
-                    <a:p>
-                      <a:pPr algn="ctr" rtl="0" fontAlgn="b"/>
-                      <a:r>
-                        <a:rPr lang="en-US" sz="1600" b="0" i="0" u="none" strike="noStrike" dirty="0">
-                          <a:solidFill>
-                            <a:srgbClr val="000000"/>
-                          </a:solidFill>
-                          <a:effectLst/>
-                          <a:latin typeface="Arial" panose="020B0604020202020204" pitchFamily="34" charset="0"/>
-                        </a:rPr>
-                        <a:t>integer</a:t>
-                      </a:r>
-                    </a:p>
-                  </a:txBody>
-                  <a:tcPr marL="9525" marR="9525" marT="9525" marB="0" anchor="b">
-                    <a:solidFill>
-                      <a:schemeClr val="bg1"/>
-                    </a:solidFill>
-                  </a:tcPr>
-                </a:tc>
-                <a:tc>
-                  <a:txBody>
-                    <a:bodyPr/>
-                    <a:lstStyle/>
-                    <a:p>
-                      <a:pPr algn="ctr" rtl="1" fontAlgn="b"/>
-                      <a:r>
-                        <a:rPr lang="he-IL" sz="1600" b="0" i="0" u="none" strike="noStrike" dirty="0">
-                          <a:solidFill>
-                            <a:srgbClr val="000000"/>
-                          </a:solidFill>
-                          <a:effectLst/>
-                          <a:latin typeface="Arial" panose="020B0604020202020204" pitchFamily="34" charset="0"/>
-                        </a:rPr>
-                        <a:t>מס' רישיון מודד</a:t>
-                      </a:r>
-                    </a:p>
-                  </a:txBody>
-                  <a:tcPr marL="9525" marR="9525" marT="9525" marB="0" anchor="b">
-                    <a:solidFill>
-                      <a:schemeClr val="bg1"/>
-                    </a:solidFill>
-                  </a:tcPr>
-                </a:tc>
-                <a:tc>
-                  <a:txBody>
-                    <a:bodyPr/>
-                    <a:lstStyle/>
-                    <a:p>
-                      <a:pPr algn="ctr" rtl="1" fontAlgn="b"/>
-                      <a:r>
-                        <a:rPr lang="he-IL" sz="1600" b="0" i="0" u="none" strike="noStrike" dirty="0">
-                          <a:solidFill>
-                            <a:srgbClr val="000000"/>
-                          </a:solidFill>
-                          <a:effectLst/>
-                          <a:latin typeface="Arial" panose="020B0604020202020204" pitchFamily="34" charset="0"/>
-                        </a:rPr>
-                        <a:t>לא</a:t>
-                      </a:r>
-                    </a:p>
-                  </a:txBody>
-                  <a:tcPr marL="9525" marR="9525" marT="9525" marB="0" anchor="b">
-                    <a:solidFill>
-                      <a:schemeClr val="bg1"/>
-                    </a:solidFill>
-                  </a:tcPr>
-                </a:tc>
-                <a:extLst>
-                  <a:ext uri="{0D108BD9-81ED-4DB2-BD59-A6C34878D82A}">
-                    <a16:rowId xmlns:a16="http://schemas.microsoft.com/office/drawing/2014/main" val="1055234661"/>
-                  </a:ext>
-                </a:extLst>
-              </a:tr>
-              <a:tr h="361466">
-                <a:tc>
-                  <a:txBody>
-                    <a:bodyPr/>
-                    <a:lstStyle/>
-                    <a:p>
-                      <a:pPr algn="ctr" rtl="0" fontAlgn="b"/>
-                      <a:r>
-                        <a:rPr lang="en-US" sz="1600" b="0" i="0" u="none" strike="noStrike" dirty="0" err="1" smtClean="0">
-                          <a:solidFill>
-                            <a:srgbClr val="000000"/>
-                          </a:solidFill>
-                          <a:effectLst/>
-                          <a:latin typeface="Arial" panose="020B0604020202020204" pitchFamily="34" charset="0"/>
-                        </a:rPr>
-                        <a:t>dataSource</a:t>
-                      </a:r>
-                      <a:endParaRPr lang="en-US" sz="1600" b="0" i="0" u="none" strike="noStrike" dirty="0">
-                        <a:solidFill>
-                          <a:srgbClr val="000000"/>
-                        </a:solidFill>
-                        <a:effectLst/>
-                        <a:latin typeface="Arial" panose="020B0604020202020204" pitchFamily="34" charset="0"/>
-                      </a:endParaRPr>
-                    </a:p>
-                  </a:txBody>
-                  <a:tcPr marL="9525" marR="9525" marT="9525" marB="0" anchor="b">
-                    <a:solidFill>
-                      <a:schemeClr val="bg1"/>
-                    </a:solidFill>
-                  </a:tcPr>
-                </a:tc>
-                <a:tc>
-                  <a:txBody>
-                    <a:bodyPr/>
-                    <a:lstStyle/>
-                    <a:p>
-                      <a:pPr algn="ctr" rtl="0" fontAlgn="b"/>
-                      <a:r>
-                        <a:rPr lang="en-US" sz="1600" b="0" i="0" u="none" strike="noStrike" dirty="0" smtClean="0">
-                          <a:solidFill>
-                            <a:srgbClr val="000000"/>
-                          </a:solidFill>
-                          <a:effectLst/>
-                          <a:latin typeface="Arial" panose="020B0604020202020204" pitchFamily="34" charset="0"/>
-                        </a:rPr>
-                        <a:t>integer</a:t>
-                      </a:r>
-                      <a:endParaRPr lang="en-US" sz="1600" b="0" i="0" u="none" strike="noStrike" dirty="0">
-                        <a:solidFill>
-                          <a:srgbClr val="000000"/>
-                        </a:solidFill>
-                        <a:effectLst/>
-                        <a:latin typeface="Arial" panose="020B0604020202020204" pitchFamily="34" charset="0"/>
-                      </a:endParaRPr>
-                    </a:p>
-                  </a:txBody>
-                  <a:tcPr marL="9525" marR="9525" marT="9525" marB="0" anchor="b">
-                    <a:solidFill>
-                      <a:schemeClr val="bg1"/>
-                    </a:solidFill>
-                  </a:tcPr>
-                </a:tc>
-                <a:tc>
-                  <a:txBody>
-                    <a:bodyPr/>
-                    <a:lstStyle/>
-                    <a:p>
-                      <a:pPr algn="ctr" rtl="1" fontAlgn="b"/>
-                      <a:r>
-                        <a:rPr lang="he-IL" sz="1600" b="0" i="0" u="none" strike="noStrike" dirty="0" smtClean="0">
-                          <a:solidFill>
-                            <a:srgbClr val="000000"/>
-                          </a:solidFill>
-                          <a:effectLst/>
-                          <a:latin typeface="Arial" panose="020B0604020202020204" pitchFamily="34" charset="0"/>
-                        </a:rPr>
                         <a:t>מקור</a:t>
                       </a:r>
                       <a:r>
-                        <a:rPr lang="he-IL" sz="1600" b="0" i="0" u="none" strike="noStrike" baseline="0" dirty="0" smtClean="0">
+                        <a:rPr lang="he-IL" sz="1600" b="0" i="0" u="none" strike="noStrike" baseline="0" dirty="0">
                           <a:solidFill>
                             <a:srgbClr val="000000"/>
                           </a:solidFill>
@@ -7310,7 +5158,7 @@
                     <a:p>
                       <a:pPr algn="ctr" rtl="1" fontAlgn="b"/>
                       <a:r>
-                        <a:rPr lang="he-IL" sz="1600" b="0" i="0" u="none" strike="noStrike" dirty="0" smtClean="0">
+                        <a:rPr lang="he-IL" sz="1600" b="0" i="0" u="none" strike="noStrike" dirty="0">
                           <a:solidFill>
                             <a:srgbClr val="000000"/>
                           </a:solidFill>
@@ -7319,13 +5167,6 @@
                         </a:rPr>
                         <a:t>כן</a:t>
                       </a:r>
-                      <a:endParaRPr lang="he-IL" sz="1600" b="0" i="0" u="none" strike="noStrike" dirty="0">
-                        <a:solidFill>
-                          <a:srgbClr val="000000"/>
-                        </a:solidFill>
-                        <a:effectLst/>
-                        <a:latin typeface="Arial" panose="020B0604020202020204" pitchFamily="34" charset="0"/>
-                      </a:endParaRPr>
                     </a:p>
                   </a:txBody>
                   <a:tcPr marL="9525" marR="9525" marT="9525" marB="0" anchor="b">
@@ -7355,13 +5196,6 @@
     <a:masterClrMapping/>
   </p:clrMapOvr>
   <p:transition/>
-  <p:timing>
-    <p:tnLst>
-      <p:par>
-        <p:cTn id="1" dur="indefinite" restart="never" nodeType="tmRoot"/>
-      </p:par>
-    </p:tnLst>
-  </p:timing>
 </p:sld>
 </file>
 
@@ -7435,7 +5269,7 @@
           </a:lstStyle>
           <a:p>
             <a:r>
-              <a:rPr lang="he-IL" sz="3600" dirty="0" smtClean="0">
+              <a:rPr lang="he-IL" sz="3600" dirty="0">
                 <a:solidFill>
                   <a:srgbClr val="002060"/>
                 </a:solidFill>
@@ -7445,7 +5279,7 @@
               <a:t>הגדרות בסכמה החדשה </a:t>
             </a:r>
             <a:r>
-              <a:rPr lang="x-none" sz="3600" dirty="0" smtClean="0">
+              <a:rPr lang="x-none" sz="3600" dirty="0">
                 <a:solidFill>
                   <a:srgbClr val="002060"/>
                 </a:solidFill>
@@ -7624,7 +5458,7 @@
                     <a:p>
                       <a:pPr algn="ctr" rtl="0" fontAlgn="b"/>
                       <a:r>
-                        <a:rPr lang="he-IL" sz="1800" b="0" u="none" strike="noStrike" dirty="0" smtClean="0">
+                        <a:rPr lang="he-IL" sz="1800" b="0" u="none" strike="noStrike" dirty="0">
                           <a:effectLst/>
                         </a:rPr>
                         <a:t>סוג</a:t>
@@ -7685,7 +5519,7 @@
                     <a:p>
                       <a:pPr algn="r" rtl="1"/>
                       <a:r>
-                        <a:rPr lang="he-IL" sz="1400" dirty="0" smtClean="0">
+                        <a:rPr lang="he-IL" sz="1400" dirty="0">
                           <a:effectLst/>
                           <a:latin typeface="Times New Roman" panose="02020603050405020304" pitchFamily="18" charset="0"/>
                           <a:cs typeface="+mn-cs"/>
@@ -7693,7 +5527,7 @@
                         <a:t>תכנית</a:t>
                       </a:r>
                       <a:r>
-                        <a:rPr lang="he-IL" sz="1400" baseline="0" dirty="0" smtClean="0">
+                        <a:rPr lang="he-IL" sz="1400" baseline="0" dirty="0">
                           <a:effectLst/>
                           <a:latin typeface="Times New Roman" panose="02020603050405020304" pitchFamily="18" charset="0"/>
                           <a:cs typeface="+mn-cs"/>
@@ -7754,7 +5588,7 @@
                     <a:p>
                       <a:pPr algn="r" rtl="1"/>
                       <a:r>
-                        <a:rPr lang="he-IL" sz="1400" dirty="0" smtClean="0">
+                        <a:rPr lang="he-IL" sz="1400" dirty="0">
                           <a:effectLst/>
                           <a:latin typeface="Times New Roman" panose="02020603050405020304" pitchFamily="18" charset="0"/>
                           <a:cs typeface="+mn-cs"/>
@@ -7897,7 +5731,7 @@
                     <a:p>
                       <a:pPr marL="0" algn="ctr" defTabSz="914400" rtl="1" eaLnBrk="1" latinLnBrk="0" hangingPunct="1"/>
                       <a:r>
-                        <a:rPr lang="he-IL" sz="1400" kern="1200" dirty="0" smtClean="0">
+                        <a:rPr lang="he-IL" sz="1400" kern="1200" dirty="0">
                           <a:solidFill>
                             <a:schemeClr val="tx1"/>
                           </a:solidFill>
@@ -7948,7 +5782,7 @@
                         <a:defRPr/>
                       </a:pPr>
                       <a:r>
-                        <a:rPr lang="he-IL" sz="1400" kern="1200" dirty="0" smtClean="0">
+                        <a:rPr lang="he-IL" sz="1400" kern="1200" dirty="0">
                           <a:solidFill>
                             <a:schemeClr val="tx1"/>
                           </a:solidFill>
@@ -7959,7 +5793,7 @@
                         </a:rPr>
                         <a:t>תשריט לתיעוד גבולות</a:t>
                       </a:r>
-                      <a:endParaRPr lang="en-US" sz="1400" kern="1200" dirty="0" smtClean="0">
+                      <a:endParaRPr lang="en-US" sz="1400" kern="1200" dirty="0">
                         <a:solidFill>
                           <a:schemeClr val="tx1"/>
                         </a:solidFill>
@@ -8017,7 +5851,7 @@
                     <a:p>
                       <a:pPr algn="r" rtl="1"/>
                       <a:r>
-                        <a:rPr lang="he-IL" sz="1400" dirty="0" smtClean="0">
+                        <a:rPr lang="he-IL" sz="1400" dirty="0">
                           <a:effectLst/>
                           <a:latin typeface="Times New Roman" panose="02020603050405020304" pitchFamily="18" charset="0"/>
                           <a:cs typeface="+mn-cs"/>
@@ -8025,7 +5859,7 @@
                         <a:t>קדסטר</a:t>
                       </a:r>
                       <a:r>
-                        <a:rPr lang="he-IL" sz="1400" baseline="0" dirty="0" smtClean="0">
+                        <a:rPr lang="he-IL" sz="1400" baseline="0" dirty="0">
                           <a:effectLst/>
                           <a:latin typeface="Times New Roman" panose="02020603050405020304" pitchFamily="18" charset="0"/>
                           <a:cs typeface="+mn-cs"/>
@@ -8091,39 +5925,23 @@
                           <a:latin typeface="Times New Roman" panose="02020603050405020304" pitchFamily="18" charset="0"/>
                           <a:cs typeface="+mn-cs"/>
                         </a:rPr>
-                        <a:t>תיקון </a:t>
-                      </a:r>
-                      <a:r>
-                        <a:rPr lang="he-IL" sz="1400" dirty="0" smtClean="0">
+                        <a:t>תיקון הסדר</a:t>
+                      </a:r>
+                      <a:r>
+                        <a:rPr lang="he-IL" sz="1400" baseline="0" dirty="0">
                           <a:effectLst/>
                           <a:latin typeface="Times New Roman" panose="02020603050405020304" pitchFamily="18" charset="0"/>
                           <a:cs typeface="+mn-cs"/>
                         </a:rPr>
-                        <a:t>הסדר</a:t>
-                      </a:r>
-                      <a:r>
-                        <a:rPr lang="he-IL" sz="1400" baseline="0" dirty="0" smtClean="0">
+                        <a:t> לפי </a:t>
+                      </a:r>
+                      <a:r>
+                        <a:rPr lang="he-IL" sz="1400" dirty="0">
                           <a:effectLst/>
                           <a:latin typeface="Times New Roman" panose="02020603050405020304" pitchFamily="18" charset="0"/>
                           <a:cs typeface="+mn-cs"/>
                         </a:rPr>
-                        <a:t> לפי </a:t>
-                      </a:r>
-                      <a:r>
-                        <a:rPr lang="he-IL" sz="1400" dirty="0" smtClean="0">
-                          <a:effectLst/>
-                          <a:latin typeface="Times New Roman" panose="02020603050405020304" pitchFamily="18" charset="0"/>
-                          <a:cs typeface="+mn-cs"/>
-                        </a:rPr>
-                        <a:t>סעיף </a:t>
-                      </a:r>
-                      <a:r>
-                        <a:rPr lang="he-IL" sz="1400" dirty="0">
-                          <a:effectLst/>
-                          <a:latin typeface="Times New Roman" panose="02020603050405020304" pitchFamily="18" charset="0"/>
-                          <a:cs typeface="+mn-cs"/>
-                        </a:rPr>
-                        <a:t>97ב'</a:t>
+                        <a:t>סעיף 97ב'</a:t>
                       </a:r>
                       <a:endParaRPr lang="en-US" sz="1400" dirty="0">
                         <a:effectLst/>
@@ -8152,7 +5970,7 @@
                     <a:p>
                       <a:pPr algn="ctr"/>
                       <a:r>
-                        <a:rPr lang="he-IL" sz="1400" b="0" dirty="0" smtClean="0"/>
+                        <a:rPr lang="he-IL" sz="1400" b="0" dirty="0"/>
                         <a:t>7</a:t>
                       </a:r>
                       <a:endParaRPr lang="en-US" sz="1400" b="0" dirty="0"/>
@@ -8176,15 +5994,7 @@
                           <a:latin typeface="Times New Roman" panose="02020603050405020304" pitchFamily="18" charset="0"/>
                           <a:cs typeface="+mn-cs"/>
                         </a:rPr>
-                        <a:t>תיקון </a:t>
-                      </a:r>
-                      <a:r>
-                        <a:rPr lang="he-IL" sz="1400" dirty="0" smtClean="0">
-                          <a:effectLst/>
-                          <a:latin typeface="Times New Roman" panose="02020603050405020304" pitchFamily="18" charset="0"/>
-                          <a:cs typeface="+mn-cs"/>
-                        </a:rPr>
-                        <a:t>תצ"ר בשטח מוסדר</a:t>
+                        <a:t>תיקון תצ"ר בשטח מוסדר</a:t>
                       </a:r>
                       <a:endParaRPr lang="en-US" sz="1400" dirty="0">
                         <a:effectLst/>
@@ -8240,7 +6050,7 @@
                     <a:p>
                       <a:pPr algn="r" rtl="1"/>
                       <a:r>
-                        <a:rPr lang="he-IL" sz="1400" dirty="0" smtClean="0">
+                        <a:rPr lang="he-IL" sz="1400" dirty="0">
                           <a:effectLst/>
                           <a:latin typeface="Times New Roman" panose="02020603050405020304" pitchFamily="18" charset="0"/>
                           <a:cs typeface="+mn-cs"/>
@@ -8248,7 +6058,7 @@
                         <a:t>תיקון\עדכון</a:t>
                       </a:r>
                       <a:r>
-                        <a:rPr lang="he-IL" sz="1400" baseline="0" dirty="0" smtClean="0">
+                        <a:rPr lang="he-IL" sz="1400" baseline="0" dirty="0">
                           <a:effectLst/>
                           <a:latin typeface="Times New Roman" panose="02020603050405020304" pitchFamily="18" charset="0"/>
                           <a:cs typeface="+mn-cs"/>
@@ -8314,15 +6124,7 @@
                           <a:latin typeface="Times New Roman" panose="02020603050405020304" pitchFamily="18" charset="0"/>
                           <a:cs typeface="+mn-cs"/>
                         </a:rPr>
-                        <a:t>הסדר </a:t>
-                      </a:r>
-                      <a:r>
-                        <a:rPr lang="he-IL" sz="1400" dirty="0" smtClean="0">
-                          <a:effectLst/>
-                          <a:latin typeface="Times New Roman" panose="02020603050405020304" pitchFamily="18" charset="0"/>
-                          <a:cs typeface="+mn-cs"/>
-                        </a:rPr>
-                        <a:t>מקרקעין</a:t>
+                        <a:t>הסדר מקרקעין</a:t>
                       </a:r>
                       <a:endParaRPr lang="en-US" sz="1400" dirty="0">
                         <a:effectLst/>
@@ -8383,15 +6185,7 @@
                           <a:latin typeface="Times New Roman" panose="02020603050405020304" pitchFamily="18" charset="0"/>
                           <a:cs typeface="+mn-cs"/>
                         </a:rPr>
-                        <a:t>רישום </a:t>
-                      </a:r>
-                      <a:r>
-                        <a:rPr lang="he-IL" sz="1400" dirty="0" smtClean="0">
-                          <a:effectLst/>
-                          <a:latin typeface="Times New Roman" panose="02020603050405020304" pitchFamily="18" charset="0"/>
-                          <a:cs typeface="+mn-cs"/>
-                        </a:rPr>
-                        <a:t>ראשון בשטח לא מוסדר</a:t>
+                        <a:t>רישום ראשון בשטח לא מוסדר</a:t>
                       </a:r>
                       <a:endParaRPr lang="en-US" sz="1400" dirty="0">
                         <a:effectLst/>
@@ -8420,7 +6214,7 @@
                     <a:p>
                       <a:pPr algn="ctr" rtl="1"/>
                       <a:r>
-                        <a:rPr lang="he-IL" sz="1400" b="0" dirty="0" smtClean="0">
+                        <a:rPr lang="he-IL" sz="1400" b="0" dirty="0">
                           <a:effectLst/>
                           <a:latin typeface="Times New Roman" panose="02020603050405020304" pitchFamily="18" charset="0"/>
                           <a:cs typeface="+mn-cs"/>
@@ -8481,7 +6275,7 @@
                     <a:p>
                       <a:pPr algn="ctr" rtl="1"/>
                       <a:r>
-                        <a:rPr lang="he-IL" sz="1400" b="0" dirty="0" smtClean="0">
+                        <a:rPr lang="he-IL" sz="1400" b="0" dirty="0">
                           <a:effectLst/>
                           <a:latin typeface="Times New Roman" panose="02020603050405020304" pitchFamily="18" charset="0"/>
                           <a:cs typeface="+mn-cs"/>
@@ -8542,7 +6336,7 @@
                     <a:p>
                       <a:pPr algn="ctr"/>
                       <a:r>
-                        <a:rPr lang="he-IL" sz="1400" b="0" dirty="0" smtClean="0"/>
+                        <a:rPr lang="he-IL" sz="1400" b="0" dirty="0"/>
                         <a:t>13</a:t>
                       </a:r>
                       <a:endParaRPr lang="en-US" sz="1400" b="0" dirty="0"/>
@@ -8561,7 +6355,7 @@
                     <a:p>
                       <a:pPr algn="r" rtl="1"/>
                       <a:r>
-                        <a:rPr lang="he-IL" sz="1400" dirty="0" smtClean="0">
+                        <a:rPr lang="he-IL" sz="1400" dirty="0">
                           <a:effectLst/>
                           <a:latin typeface="Times New Roman" panose="02020603050405020304" pitchFamily="18" charset="0"/>
                           <a:cs typeface="+mn-cs"/>
@@ -8595,7 +6389,7 @@
                     <a:p>
                       <a:pPr algn="ctr" rtl="1"/>
                       <a:r>
-                        <a:rPr lang="he-IL" sz="1400" b="0" dirty="0" smtClean="0">
+                        <a:rPr lang="he-IL" sz="1400" b="0" dirty="0">
                           <a:effectLst/>
                           <a:latin typeface="Times New Roman" panose="02020603050405020304" pitchFamily="18" charset="0"/>
                           <a:cs typeface="+mn-cs"/>
@@ -8638,7 +6432,7 @@
                         <a:defRPr/>
                       </a:pPr>
                       <a:r>
-                        <a:rPr lang="he-IL" sz="1400" dirty="0" smtClean="0">
+                        <a:rPr lang="he-IL" sz="1400" dirty="0">
                           <a:effectLst/>
                           <a:latin typeface="Times New Roman" panose="02020603050405020304" pitchFamily="18" charset="0"/>
                           <a:cs typeface="+mn-cs"/>
@@ -8646,14 +6440,14 @@
                         <a:t>תיקון\עדכון</a:t>
                       </a:r>
                       <a:r>
-                        <a:rPr lang="he-IL" sz="1400" baseline="0" dirty="0" smtClean="0">
+                        <a:rPr lang="he-IL" sz="1400" baseline="0" dirty="0">
                           <a:effectLst/>
                           <a:latin typeface="Times New Roman" panose="02020603050405020304" pitchFamily="18" charset="0"/>
                           <a:cs typeface="+mn-cs"/>
                         </a:rPr>
                         <a:t> בעקבות פניית ציבור בשטח לא מוסדר</a:t>
                       </a:r>
-                      <a:endParaRPr lang="en-US" sz="1400" dirty="0" smtClean="0">
+                      <a:endParaRPr lang="en-US" sz="1400" dirty="0">
                         <a:effectLst/>
                         <a:latin typeface="Times New Roman" panose="02020603050405020304" pitchFamily="18" charset="0"/>
                         <a:cs typeface="+mn-cs"/>
@@ -8751,7 +6545,7 @@
                     <a:p>
                       <a:pPr algn="ctr" rtl="0" fontAlgn="b"/>
                       <a:r>
-                        <a:rPr lang="he-IL" sz="1800" b="0" u="none" strike="noStrike" dirty="0" smtClean="0">
+                        <a:rPr lang="he-IL" sz="1800" b="0" u="none" strike="noStrike" dirty="0">
                           <a:effectLst/>
                         </a:rPr>
                         <a:t>סוג</a:t>
@@ -9033,7 +6827,7 @@
                     <a:p>
                       <a:pPr algn="ctr" rtl="0" fontAlgn="b"/>
                       <a:r>
-                        <a:rPr lang="he-IL" sz="1800" b="0" u="none" strike="noStrike" dirty="0" smtClean="0">
+                        <a:rPr lang="he-IL" sz="1800" b="0" u="none" strike="noStrike" dirty="0">
                           <a:effectLst/>
                         </a:rPr>
                         <a:t>סוג</a:t>
@@ -9067,7 +6861,7 @@
                     <a:p>
                       <a:pPr marL="0" algn="ctr" defTabSz="914400" rtl="1" eaLnBrk="1" fontAlgn="b" latinLnBrk="0" hangingPunct="1"/>
                       <a:r>
-                        <a:rPr lang="he-IL" sz="1400" b="0" i="0" u="none" strike="noStrike" kern="1200" dirty="0" smtClean="0">
+                        <a:rPr lang="he-IL" sz="1400" b="0" i="0" u="none" strike="noStrike" kern="1200" dirty="0">
                           <a:solidFill>
                             <a:schemeClr val="tx1"/>
                           </a:solidFill>
@@ -9078,15 +6872,6 @@
                         </a:rPr>
                         <a:t>1</a:t>
                       </a:r>
-                      <a:endParaRPr lang="he-IL" sz="1400" b="0" i="0" u="none" strike="noStrike" kern="1200" dirty="0">
-                        <a:solidFill>
-                          <a:schemeClr val="tx1"/>
-                        </a:solidFill>
-                        <a:effectLst/>
-                        <a:latin typeface="Arial" panose="020B0604020202020204" pitchFamily="34" charset="0"/>
-                        <a:ea typeface="+mn-ea"/>
-                        <a:cs typeface="+mn-cs"/>
-                      </a:endParaRPr>
                     </a:p>
                   </a:txBody>
                   <a:tcPr marL="9525" marR="9525" marT="9525" marB="0" anchor="b">
@@ -9143,7 +6928,7 @@
                     <a:p>
                       <a:pPr marL="0" algn="ctr" defTabSz="914400" rtl="1" eaLnBrk="1" fontAlgn="b" latinLnBrk="0" hangingPunct="1"/>
                       <a:r>
-                        <a:rPr lang="he-IL" sz="1400" b="0" i="0" u="none" strike="noStrike" kern="1200" dirty="0" smtClean="0">
+                        <a:rPr lang="he-IL" sz="1400" b="0" i="0" u="none" strike="noStrike" kern="1200" dirty="0">
                           <a:solidFill>
                             <a:schemeClr val="tx1"/>
                           </a:solidFill>
@@ -9154,15 +6939,6 @@
                         </a:rPr>
                         <a:t>2</a:t>
                       </a:r>
-                      <a:endParaRPr lang="he-IL" sz="1400" b="0" i="0" u="none" strike="noStrike" kern="1200" dirty="0">
-                        <a:solidFill>
-                          <a:schemeClr val="tx1"/>
-                        </a:solidFill>
-                        <a:effectLst/>
-                        <a:latin typeface="Arial" panose="020B0604020202020204" pitchFamily="34" charset="0"/>
-                        <a:ea typeface="+mn-ea"/>
-                        <a:cs typeface="+mn-cs"/>
-                      </a:endParaRPr>
                     </a:p>
                   </a:txBody>
                   <a:tcPr marL="9525" marR="9525" marT="9525" marB="0" anchor="b">
@@ -9219,7 +6995,7 @@
                     <a:p>
                       <a:pPr marL="0" algn="ctr" defTabSz="914400" rtl="1" eaLnBrk="1" fontAlgn="b" latinLnBrk="0" hangingPunct="1"/>
                       <a:r>
-                        <a:rPr lang="he-IL" sz="1400" b="0" i="0" u="none" strike="noStrike" kern="1200" dirty="0" smtClean="0">
+                        <a:rPr lang="he-IL" sz="1400" b="0" i="0" u="none" strike="noStrike" kern="1200" dirty="0">
                           <a:solidFill>
                             <a:schemeClr val="tx1"/>
                           </a:solidFill>
@@ -9230,15 +7006,6 @@
                         </a:rPr>
                         <a:t>3</a:t>
                       </a:r>
-                      <a:endParaRPr lang="he-IL" sz="1400" b="0" i="0" u="none" strike="noStrike" kern="1200" dirty="0">
-                        <a:solidFill>
-                          <a:schemeClr val="tx1"/>
-                        </a:solidFill>
-                        <a:effectLst/>
-                        <a:latin typeface="Arial" panose="020B0604020202020204" pitchFamily="34" charset="0"/>
-                        <a:ea typeface="+mn-ea"/>
-                        <a:cs typeface="+mn-cs"/>
-                      </a:endParaRPr>
                     </a:p>
                   </a:txBody>
                   <a:tcPr marL="9525" marR="9525" marT="9525" marB="0" anchor="b">
@@ -9295,7 +7062,7 @@
                     <a:p>
                       <a:pPr marL="0" algn="ctr" defTabSz="914400" rtl="1" eaLnBrk="1" fontAlgn="b" latinLnBrk="0" hangingPunct="1"/>
                       <a:r>
-                        <a:rPr lang="he-IL" sz="1400" b="0" i="0" u="none" strike="noStrike" kern="1200" dirty="0" smtClean="0">
+                        <a:rPr lang="he-IL" sz="1400" b="0" i="0" u="none" strike="noStrike" kern="1200" dirty="0">
                           <a:solidFill>
                             <a:schemeClr val="tx1"/>
                           </a:solidFill>
@@ -9306,15 +7073,6 @@
                         </a:rPr>
                         <a:t>4</a:t>
                       </a:r>
-                      <a:endParaRPr lang="he-IL" sz="1400" b="0" i="0" u="none" strike="noStrike" kern="1200" dirty="0">
-                        <a:solidFill>
-                          <a:schemeClr val="tx1"/>
-                        </a:solidFill>
-                        <a:effectLst/>
-                        <a:latin typeface="Arial" panose="020B0604020202020204" pitchFamily="34" charset="0"/>
-                        <a:ea typeface="+mn-ea"/>
-                        <a:cs typeface="+mn-cs"/>
-                      </a:endParaRPr>
                     </a:p>
                   </a:txBody>
                   <a:tcPr marL="9525" marR="9525" marT="9525" marB="0" anchor="b">
@@ -9371,7 +7129,7 @@
                     <a:p>
                       <a:pPr marL="0" algn="ctr" defTabSz="914400" rtl="1" eaLnBrk="1" fontAlgn="b" latinLnBrk="0" hangingPunct="1"/>
                       <a:r>
-                        <a:rPr lang="he-IL" sz="1400" b="0" i="0" u="none" strike="noStrike" kern="1200" dirty="0" smtClean="0">
+                        <a:rPr lang="he-IL" sz="1400" b="0" i="0" u="none" strike="noStrike" kern="1200" dirty="0">
                           <a:solidFill>
                             <a:schemeClr val="tx1"/>
                           </a:solidFill>
@@ -9382,15 +7140,6 @@
                         </a:rPr>
                         <a:t>5</a:t>
                       </a:r>
-                      <a:endParaRPr lang="he-IL" sz="1400" b="0" i="0" u="none" strike="noStrike" kern="1200" dirty="0">
-                        <a:solidFill>
-                          <a:schemeClr val="tx1"/>
-                        </a:solidFill>
-                        <a:effectLst/>
-                        <a:latin typeface="Arial" panose="020B0604020202020204" pitchFamily="34" charset="0"/>
-                        <a:ea typeface="+mn-ea"/>
-                        <a:cs typeface="+mn-cs"/>
-                      </a:endParaRPr>
                     </a:p>
                   </a:txBody>
                   <a:tcPr marL="9525" marR="9525" marT="9525" marB="0" anchor="b">
@@ -9447,7 +7196,7 @@
                     <a:p>
                       <a:pPr marL="0" algn="ctr" defTabSz="914400" rtl="1" eaLnBrk="1" fontAlgn="b" latinLnBrk="0" hangingPunct="1"/>
                       <a:r>
-                        <a:rPr lang="he-IL" sz="1400" b="0" i="0" u="none" strike="noStrike" kern="1200" dirty="0" smtClean="0">
+                        <a:rPr lang="he-IL" sz="1400" b="0" i="0" u="none" strike="noStrike" kern="1200" dirty="0">
                           <a:solidFill>
                             <a:schemeClr val="tx1"/>
                           </a:solidFill>
@@ -9458,15 +7207,6 @@
                         </a:rPr>
                         <a:t>6</a:t>
                       </a:r>
-                      <a:endParaRPr lang="he-IL" sz="1400" b="0" i="0" u="none" strike="noStrike" kern="1200" dirty="0">
-                        <a:solidFill>
-                          <a:schemeClr val="tx1"/>
-                        </a:solidFill>
-                        <a:effectLst/>
-                        <a:latin typeface="Arial" panose="020B0604020202020204" pitchFamily="34" charset="0"/>
-                        <a:ea typeface="+mn-ea"/>
-                        <a:cs typeface="+mn-cs"/>
-                      </a:endParaRPr>
                     </a:p>
                   </a:txBody>
                   <a:tcPr marL="9525" marR="9525" marT="9525" marB="0" anchor="b">
@@ -9628,7 +7368,7 @@
                     <a:p>
                       <a:pPr algn="ctr" rtl="0" fontAlgn="b"/>
                       <a:r>
-                        <a:rPr lang="he-IL" sz="1800" b="0" u="none" strike="noStrike" dirty="0" smtClean="0">
+                        <a:rPr lang="he-IL" sz="1800" b="0" u="none" strike="noStrike" dirty="0">
                           <a:effectLst/>
                         </a:rPr>
                         <a:t>סוג</a:t>
@@ -9662,7 +7402,7 @@
                     <a:p>
                       <a:pPr marL="0" algn="ctr" defTabSz="914400" rtl="1" eaLnBrk="1" fontAlgn="b" latinLnBrk="0" hangingPunct="1"/>
                       <a:r>
-                        <a:rPr lang="he-IL" sz="1400" b="0" i="0" u="none" strike="noStrike" kern="1200" dirty="0" smtClean="0">
+                        <a:rPr lang="he-IL" sz="1400" b="0" i="0" u="none" strike="noStrike" kern="1200" dirty="0">
                           <a:solidFill>
                             <a:schemeClr val="tx1"/>
                           </a:solidFill>
@@ -9672,6 +7412,44 @@
                           <a:cs typeface="+mn-cs"/>
                         </a:rPr>
                         <a:t>1</a:t>
+                      </a:r>
+                    </a:p>
+                  </a:txBody>
+                  <a:tcPr marL="9525" marR="9525" marT="9525" marB="0" anchor="b">
+                    <a:solidFill>
+                      <a:schemeClr val="bg1"/>
+                    </a:solidFill>
+                  </a:tcPr>
+                </a:tc>
+                <a:tc>
+                  <a:txBody>
+                    <a:bodyPr/>
+                    <a:lstStyle/>
+                    <a:p>
+                      <a:pPr marL="0" algn="ctr" defTabSz="914400" rtl="1" eaLnBrk="1" fontAlgn="b" latinLnBrk="0" hangingPunct="1"/>
+                      <a:r>
+                        <a:rPr lang="he-IL" sz="1400" b="0" i="0" u="none" strike="noStrike" kern="1200" dirty="0" err="1">
+                          <a:solidFill>
+                            <a:schemeClr val="tx1"/>
+                          </a:solidFill>
+                          <a:effectLst/>
+                          <a:latin typeface="Arial" panose="020B0604020202020204" pitchFamily="34" charset="0"/>
+                          <a:ea typeface="+mn-ea"/>
+                          <a:cs typeface="+mn-cs"/>
+                        </a:rPr>
+                        <a:t>גליון</a:t>
+                      </a:r>
+                      <a:r>
+                        <a:rPr lang="he-IL" sz="1400" b="0" i="0" u="none" strike="noStrike" kern="1200" baseline="0" dirty="0">
+                          <a:solidFill>
+                            <a:schemeClr val="tx1"/>
+                          </a:solidFill>
+                          <a:effectLst/>
+                          <a:latin typeface="Arial" panose="020B0604020202020204" pitchFamily="34" charset="0"/>
+                          <a:ea typeface="+mn-ea"/>
+                          <a:cs typeface="+mn-cs"/>
+                        </a:rPr>
+                        <a:t> שדה</a:t>
                       </a:r>
                       <a:endParaRPr lang="he-IL" sz="1400" b="0" i="0" u="none" strike="noStrike" kern="1200" dirty="0">
                         <a:solidFill>
@@ -9690,53 +7468,6 @@
                     </a:solidFill>
                   </a:tcPr>
                 </a:tc>
-                <a:tc>
-                  <a:txBody>
-                    <a:bodyPr/>
-                    <a:lstStyle/>
-                    <a:p>
-                      <a:pPr marL="0" algn="ctr" defTabSz="914400" rtl="1" eaLnBrk="1" fontAlgn="b" latinLnBrk="0" hangingPunct="1"/>
-                      <a:r>
-                        <a:rPr lang="he-IL" sz="1400" b="0" i="0" u="none" strike="noStrike" kern="1200" dirty="0" err="1" smtClean="0">
-                          <a:solidFill>
-                            <a:schemeClr val="tx1"/>
-                          </a:solidFill>
-                          <a:effectLst/>
-                          <a:latin typeface="Arial" panose="020B0604020202020204" pitchFamily="34" charset="0"/>
-                          <a:ea typeface="+mn-ea"/>
-                          <a:cs typeface="+mn-cs"/>
-                        </a:rPr>
-                        <a:t>גליון</a:t>
-                      </a:r>
-                      <a:r>
-                        <a:rPr lang="he-IL" sz="1400" b="0" i="0" u="none" strike="noStrike" kern="1200" baseline="0" dirty="0" smtClean="0">
-                          <a:solidFill>
-                            <a:schemeClr val="tx1"/>
-                          </a:solidFill>
-                          <a:effectLst/>
-                          <a:latin typeface="Arial" panose="020B0604020202020204" pitchFamily="34" charset="0"/>
-                          <a:ea typeface="+mn-ea"/>
-                          <a:cs typeface="+mn-cs"/>
-                        </a:rPr>
-                        <a:t> שדה</a:t>
-                      </a:r>
-                      <a:endParaRPr lang="he-IL" sz="1400" b="0" i="0" u="none" strike="noStrike" kern="1200" dirty="0">
-                        <a:solidFill>
-                          <a:schemeClr val="tx1"/>
-                        </a:solidFill>
-                        <a:effectLst/>
-                        <a:latin typeface="Arial" panose="020B0604020202020204" pitchFamily="34" charset="0"/>
-                        <a:ea typeface="+mn-ea"/>
-                        <a:cs typeface="+mn-cs"/>
-                      </a:endParaRPr>
-                    </a:p>
-                  </a:txBody>
-                  <a:tcPr marL="9525" marR="9525" marT="9525" marB="0" anchor="b">
-                    <a:solidFill>
-                      <a:schemeClr val="bg1"/>
-                    </a:solidFill>
-                  </a:tcPr>
-                </a:tc>
                 <a:extLst>
                   <a:ext uri="{0D108BD9-81ED-4DB2-BD59-A6C34878D82A}">
                     <a16:rowId xmlns:a16="http://schemas.microsoft.com/office/drawing/2014/main" val="4180118382"/>
@@ -9751,7 +7482,7 @@
                     <a:p>
                       <a:pPr marL="0" algn="ctr" defTabSz="914400" rtl="1" eaLnBrk="1" fontAlgn="b" latinLnBrk="0" hangingPunct="1"/>
                       <a:r>
-                        <a:rPr lang="he-IL" sz="1400" b="0" i="0" u="none" strike="noStrike" kern="1200" dirty="0" smtClean="0">
+                        <a:rPr lang="he-IL" sz="1400" b="0" i="0" u="none" strike="noStrike" kern="1200" dirty="0">
                           <a:solidFill>
                             <a:schemeClr val="tx1"/>
                           </a:solidFill>
@@ -9762,15 +7493,6 @@
                         </a:rPr>
                         <a:t>2</a:t>
                       </a:r>
-                      <a:endParaRPr lang="he-IL" sz="1400" b="0" i="0" u="none" strike="noStrike" kern="1200" dirty="0">
-                        <a:solidFill>
-                          <a:schemeClr val="tx1"/>
-                        </a:solidFill>
-                        <a:effectLst/>
-                        <a:latin typeface="Arial" panose="020B0604020202020204" pitchFamily="34" charset="0"/>
-                        <a:ea typeface="+mn-ea"/>
-                        <a:cs typeface="+mn-cs"/>
-                      </a:endParaRPr>
                     </a:p>
                   </a:txBody>
                   <a:tcPr marL="9525" marR="9525" marT="9525" marB="0" anchor="b">
@@ -9786,7 +7508,7 @@
                     <a:p>
                       <a:pPr marL="0" algn="ctr" defTabSz="914400" rtl="1" eaLnBrk="1" fontAlgn="b" latinLnBrk="0" hangingPunct="1"/>
                       <a:r>
-                        <a:rPr lang="he-IL" sz="1400" b="0" i="0" u="none" strike="noStrike" kern="1200" dirty="0" smtClean="0">
+                        <a:rPr lang="he-IL" sz="1400" b="0" i="0" u="none" strike="noStrike" kern="1200" dirty="0">
                           <a:solidFill>
                             <a:schemeClr val="tx1"/>
                           </a:solidFill>
@@ -9797,15 +7519,6 @@
                         </a:rPr>
                         <a:t>פנקס שדה</a:t>
                       </a:r>
-                      <a:endParaRPr lang="he-IL" sz="1400" b="0" i="0" u="none" strike="noStrike" kern="1200" dirty="0">
-                        <a:solidFill>
-                          <a:schemeClr val="tx1"/>
-                        </a:solidFill>
-                        <a:effectLst/>
-                        <a:latin typeface="Arial" panose="020B0604020202020204" pitchFamily="34" charset="0"/>
-                        <a:ea typeface="+mn-ea"/>
-                        <a:cs typeface="+mn-cs"/>
-                      </a:endParaRPr>
                     </a:p>
                   </a:txBody>
                   <a:tcPr marL="9525" marR="9525" marT="9525" marB="0" anchor="b">
@@ -9828,7 +7541,7 @@
                     <a:p>
                       <a:pPr marL="0" algn="ctr" defTabSz="914400" rtl="1" eaLnBrk="1" fontAlgn="b" latinLnBrk="0" hangingPunct="1"/>
                       <a:r>
-                        <a:rPr lang="he-IL" sz="1400" b="0" i="0" u="none" strike="noStrike" kern="1200" dirty="0" smtClean="0">
+                        <a:rPr lang="he-IL" sz="1400" b="0" i="0" u="none" strike="noStrike" kern="1200" dirty="0">
                           <a:solidFill>
                             <a:schemeClr val="tx1"/>
                           </a:solidFill>
@@ -9839,15 +7552,6 @@
                         </a:rPr>
                         <a:t>3</a:t>
                       </a:r>
-                      <a:endParaRPr lang="he-IL" sz="1400" b="0" i="0" u="none" strike="noStrike" kern="1200" dirty="0">
-                        <a:solidFill>
-                          <a:schemeClr val="tx1"/>
-                        </a:solidFill>
-                        <a:effectLst/>
-                        <a:latin typeface="Arial" panose="020B0604020202020204" pitchFamily="34" charset="0"/>
-                        <a:ea typeface="+mn-ea"/>
-                        <a:cs typeface="+mn-cs"/>
-                      </a:endParaRPr>
                     </a:p>
                   </a:txBody>
                   <a:tcPr marL="9525" marR="9525" marT="9525" marB="0" anchor="b">
@@ -9863,7 +7567,7 @@
                     <a:p>
                       <a:pPr marL="0" algn="ctr" defTabSz="914400" rtl="1" eaLnBrk="1" fontAlgn="b" latinLnBrk="0" hangingPunct="1"/>
                       <a:r>
-                        <a:rPr lang="he-IL" sz="1400" b="0" i="0" u="none" strike="noStrike" kern="1200" dirty="0" smtClean="0">
+                        <a:rPr lang="he-IL" sz="1400" b="0" i="0" u="none" strike="noStrike" kern="1200" dirty="0">
                           <a:solidFill>
                             <a:schemeClr val="tx1"/>
                           </a:solidFill>
@@ -9874,15 +7578,6 @@
                         </a:rPr>
                         <a:t>סקיצה של פקיד הסדר</a:t>
                       </a:r>
-                      <a:endParaRPr lang="he-IL" sz="1400" b="0" i="0" u="none" strike="noStrike" kern="1200" dirty="0">
-                        <a:solidFill>
-                          <a:schemeClr val="tx1"/>
-                        </a:solidFill>
-                        <a:effectLst/>
-                        <a:latin typeface="Arial" panose="020B0604020202020204" pitchFamily="34" charset="0"/>
-                        <a:ea typeface="+mn-ea"/>
-                        <a:cs typeface="+mn-cs"/>
-                      </a:endParaRPr>
                     </a:p>
                   </a:txBody>
                   <a:tcPr marL="9525" marR="9525" marT="9525" marB="0" anchor="b">
@@ -9905,7 +7600,7 @@
                     <a:p>
                       <a:pPr marL="0" algn="ctr" defTabSz="914400" rtl="1" eaLnBrk="1" fontAlgn="b" latinLnBrk="0" hangingPunct="1"/>
                       <a:r>
-                        <a:rPr lang="he-IL" sz="1400" b="0" i="0" u="none" strike="noStrike" kern="1200" dirty="0" smtClean="0">
+                        <a:rPr lang="he-IL" sz="1400" b="0" i="0" u="none" strike="noStrike" kern="1200" dirty="0">
                           <a:solidFill>
                             <a:schemeClr val="tx1"/>
                           </a:solidFill>
@@ -9916,15 +7611,6 @@
                         </a:rPr>
                         <a:t>4</a:t>
                       </a:r>
-                      <a:endParaRPr lang="he-IL" sz="1400" b="0" i="0" u="none" strike="noStrike" kern="1200" dirty="0">
-                        <a:solidFill>
-                          <a:schemeClr val="tx1"/>
-                        </a:solidFill>
-                        <a:effectLst/>
-                        <a:latin typeface="Arial" panose="020B0604020202020204" pitchFamily="34" charset="0"/>
-                        <a:ea typeface="+mn-ea"/>
-                        <a:cs typeface="+mn-cs"/>
-                      </a:endParaRPr>
                     </a:p>
                   </a:txBody>
                   <a:tcPr marL="9525" marR="9525" marT="9525" marB="0" anchor="b">
@@ -9940,7 +7626,7 @@
                     <a:p>
                       <a:pPr marL="0" algn="ctr" defTabSz="914400" rtl="1" eaLnBrk="1" fontAlgn="b" latinLnBrk="0" hangingPunct="1"/>
                       <a:r>
-                        <a:rPr lang="en-US" sz="1400" b="0" i="0" u="none" strike="noStrike" kern="1200" dirty="0" smtClean="0">
+                        <a:rPr lang="en-US" sz="1400" b="0" i="0" u="none" strike="noStrike" kern="1200" dirty="0">
                           <a:solidFill>
                             <a:schemeClr val="tx1"/>
                           </a:solidFill>
@@ -9989,17 +7675,850 @@
     <a:masterClrMapping/>
   </p:clrMapOvr>
   <p:transition/>
-  <p:timing>
-    <p:tnLst>
-      <p:par>
-        <p:cTn id="1" dur="indefinite" restart="never" nodeType="tmRoot"/>
-      </p:par>
-    </p:tnLst>
-  </p:timing>
 </p:sld>
 </file>
 
 <file path=ppt/slides/slide4.xml><?xml version="1.0" encoding="utf-8"?>
+<p:sld xmlns:a="http://schemas.openxmlformats.org/drawingml/2006/main" xmlns:r="http://schemas.openxmlformats.org/officeDocument/2006/relationships" xmlns:p="http://schemas.openxmlformats.org/presentationml/2006/main">
+  <p:cSld>
+    <p:spTree>
+      <p:nvGrpSpPr>
+        <p:cNvPr id="1" name=""/>
+        <p:cNvGrpSpPr/>
+        <p:nvPr/>
+      </p:nvGrpSpPr>
+      <p:grpSpPr>
+        <a:xfrm>
+          <a:off x="0" y="0"/>
+          <a:ext cx="0" cy="0"/>
+          <a:chOff x="0" y="0"/>
+          <a:chExt cx="0" cy="0"/>
+        </a:xfrm>
+      </p:grpSpPr>
+      <p:graphicFrame>
+        <p:nvGraphicFramePr>
+          <p:cNvPr id="4" name="Table 4">
+            <a:extLst>
+              <a:ext uri="{FF2B5EF4-FFF2-40B4-BE49-F238E27FC236}">
+                <a16:creationId xmlns:a16="http://schemas.microsoft.com/office/drawing/2014/main" id="{46B0A39B-A609-40DD-80FF-A80EB52CC7A9}"/>
+              </a:ext>
+            </a:extLst>
+          </p:cNvPr>
+          <p:cNvGraphicFramePr>
+            <a:graphicFrameLocks noGrp="1"/>
+          </p:cNvGraphicFramePr>
+          <p:nvPr>
+            <p:ph idx="1"/>
+            <p:extLst>
+              <p:ext uri="{D42A27DB-BD31-4B8C-83A1-F6EECF244321}">
+                <p14:modId xmlns:p14="http://schemas.microsoft.com/office/powerpoint/2010/main" val="919229741"/>
+              </p:ext>
+            </p:extLst>
+          </p:nvPr>
+        </p:nvGraphicFramePr>
+        <p:xfrm>
+          <a:off x="1248220" y="1876072"/>
+          <a:ext cx="10184722" cy="2189277"/>
+        </p:xfrm>
+        <a:graphic>
+          <a:graphicData uri="http://schemas.openxmlformats.org/drawingml/2006/table">
+            <a:tbl>
+              <a:tblPr firstRow="1" bandRow="1">
+                <a:tableStyleId>{5C22544A-7EE6-4342-B048-85BDC9FD1C3A}</a:tableStyleId>
+              </a:tblPr>
+              <a:tblGrid>
+                <a:gridCol w="3796304">
+                  <a:extLst>
+                    <a:ext uri="{9D8B030D-6E8A-4147-A177-3AD203B41FA5}">
+                      <a16:colId xmlns:a16="http://schemas.microsoft.com/office/drawing/2014/main" val="3343601936"/>
+                    </a:ext>
+                  </a:extLst>
+                </a:gridCol>
+                <a:gridCol w="755662">
+                  <a:extLst>
+                    <a:ext uri="{9D8B030D-6E8A-4147-A177-3AD203B41FA5}">
+                      <a16:colId xmlns:a16="http://schemas.microsoft.com/office/drawing/2014/main" val="2392546507"/>
+                    </a:ext>
+                  </a:extLst>
+                </a:gridCol>
+                <a:gridCol w="2652227">
+                  <a:extLst>
+                    <a:ext uri="{9D8B030D-6E8A-4147-A177-3AD203B41FA5}">
+                      <a16:colId xmlns:a16="http://schemas.microsoft.com/office/drawing/2014/main" val="970526647"/>
+                    </a:ext>
+                  </a:extLst>
+                </a:gridCol>
+                <a:gridCol w="1870820">
+                  <a:extLst>
+                    <a:ext uri="{9D8B030D-6E8A-4147-A177-3AD203B41FA5}">
+                      <a16:colId xmlns:a16="http://schemas.microsoft.com/office/drawing/2014/main" val="1535150859"/>
+                    </a:ext>
+                  </a:extLst>
+                </a:gridCol>
+                <a:gridCol w="1109709">
+                  <a:extLst>
+                    <a:ext uri="{9D8B030D-6E8A-4147-A177-3AD203B41FA5}">
+                      <a16:colId xmlns:a16="http://schemas.microsoft.com/office/drawing/2014/main" val="1848490300"/>
+                    </a:ext>
+                  </a:extLst>
+                </a:gridCol>
+              </a:tblGrid>
+              <a:tr h="360102">
+                <a:tc>
+                  <a:txBody>
+                    <a:bodyPr/>
+                    <a:lstStyle/>
+                    <a:p>
+                      <a:pPr algn="ctr"/>
+                      <a:r>
+                        <a:rPr lang="he-IL" sz="1400" b="1" dirty="0">
+                          <a:latin typeface="Segoe UI" panose="020B0502040204020203" pitchFamily="34" charset="0"/>
+                          <a:cs typeface="Segoe UI" panose="020B0502040204020203" pitchFamily="34" charset="0"/>
+                        </a:rPr>
+                        <a:t>שימוש</a:t>
+                      </a:r>
+                      <a:endParaRPr lang="en-US" sz="1400" b="1" dirty="0">
+                        <a:latin typeface="Segoe UI" panose="020B0502040204020203" pitchFamily="34" charset="0"/>
+                        <a:cs typeface="Segoe UI" panose="020B0502040204020203" pitchFamily="34" charset="0"/>
+                      </a:endParaRPr>
+                    </a:p>
+                  </a:txBody>
+                  <a:tcPr/>
+                </a:tc>
+                <a:tc>
+                  <a:txBody>
+                    <a:bodyPr/>
+                    <a:lstStyle/>
+                    <a:p>
+                      <a:pPr algn="ctr"/>
+                      <a:r>
+                        <a:rPr lang="he-IL" sz="1400" b="1" dirty="0">
+                          <a:latin typeface="Segoe UI" panose="020B0502040204020203" pitchFamily="34" charset="0"/>
+                          <a:cs typeface="Segoe UI" panose="020B0502040204020203" pitchFamily="34" charset="0"/>
+                        </a:rPr>
+                        <a:t>כמות</a:t>
+                      </a:r>
+                      <a:endParaRPr lang="en-US" sz="1400" b="1" dirty="0">
+                        <a:latin typeface="Segoe UI" panose="020B0502040204020203" pitchFamily="34" charset="0"/>
+                        <a:cs typeface="Segoe UI" panose="020B0502040204020203" pitchFamily="34" charset="0"/>
+                      </a:endParaRPr>
+                    </a:p>
+                  </a:txBody>
+                  <a:tcPr/>
+                </a:tc>
+                <a:tc>
+                  <a:txBody>
+                    <a:bodyPr/>
+                    <a:lstStyle/>
+                    <a:p>
+                      <a:pPr algn="ctr"/>
+                      <a:r>
+                        <a:rPr lang="he-IL" sz="1400" b="1" dirty="0">
+                          <a:latin typeface="Segoe UI" panose="020B0502040204020203" pitchFamily="34" charset="0"/>
+                          <a:cs typeface="Segoe UI" panose="020B0502040204020203" pitchFamily="34" charset="0"/>
+                        </a:rPr>
+                        <a:t>תיאור</a:t>
+                      </a:r>
+                      <a:endParaRPr lang="en-US" sz="1400" b="1" dirty="0">
+                        <a:latin typeface="Segoe UI" panose="020B0502040204020203" pitchFamily="34" charset="0"/>
+                        <a:cs typeface="Segoe UI" panose="020B0502040204020203" pitchFamily="34" charset="0"/>
+                      </a:endParaRPr>
+                    </a:p>
+                  </a:txBody>
+                  <a:tcPr/>
+                </a:tc>
+                <a:tc>
+                  <a:txBody>
+                    <a:bodyPr/>
+                    <a:lstStyle/>
+                    <a:p>
+                      <a:pPr algn="ctr"/>
+                      <a:r>
+                        <a:rPr lang="he-IL" sz="1400" b="1" dirty="0">
+                          <a:latin typeface="Segoe UI" panose="020B0502040204020203" pitchFamily="34" charset="0"/>
+                          <a:cs typeface="Segoe UI" panose="020B0502040204020203" pitchFamily="34" charset="0"/>
+                        </a:rPr>
+                        <a:t>שם</a:t>
+                      </a:r>
+                      <a:endParaRPr lang="en-US" sz="1400" b="1" dirty="0">
+                        <a:latin typeface="Segoe UI" panose="020B0502040204020203" pitchFamily="34" charset="0"/>
+                        <a:cs typeface="Segoe UI" panose="020B0502040204020203" pitchFamily="34" charset="0"/>
+                      </a:endParaRPr>
+                    </a:p>
+                  </a:txBody>
+                  <a:tcPr/>
+                </a:tc>
+                <a:tc>
+                  <a:txBody>
+                    <a:bodyPr/>
+                    <a:lstStyle/>
+                    <a:p>
+                      <a:pPr algn="ctr"/>
+                      <a:r>
+                        <a:rPr lang="he-IL" sz="1400" b="1" dirty="0">
+                          <a:latin typeface="Segoe UI" panose="020B0502040204020203" pitchFamily="34" charset="0"/>
+                          <a:cs typeface="Segoe UI" panose="020B0502040204020203" pitchFamily="34" charset="0"/>
+                        </a:rPr>
+                        <a:t>סוג</a:t>
+                      </a:r>
+                      <a:endParaRPr lang="en-US" sz="1400" b="1" dirty="0">
+                        <a:latin typeface="Segoe UI" panose="020B0502040204020203" pitchFamily="34" charset="0"/>
+                        <a:cs typeface="Segoe UI" panose="020B0502040204020203" pitchFamily="34" charset="0"/>
+                      </a:endParaRPr>
+                    </a:p>
+                  </a:txBody>
+                  <a:tcPr/>
+                </a:tc>
+                <a:extLst>
+                  <a:ext uri="{0D108BD9-81ED-4DB2-BD59-A6C34878D82A}">
+                    <a16:rowId xmlns:a16="http://schemas.microsoft.com/office/drawing/2014/main" val="495850647"/>
+                  </a:ext>
+                </a:extLst>
+              </a:tr>
+              <a:tr h="300085">
+                <a:tc>
+                  <a:txBody>
+                    <a:bodyPr/>
+                    <a:lstStyle/>
+                    <a:p>
+                      <a:pPr marL="0" marR="0" lvl="0" indent="0" algn="r" defTabSz="914400" rtl="1" eaLnBrk="1" fontAlgn="auto" latinLnBrk="0" hangingPunct="1">
+                        <a:lnSpc>
+                          <a:spcPct val="100000"/>
+                        </a:lnSpc>
+                        <a:spcBef>
+                          <a:spcPct val="0"/>
+                        </a:spcBef>
+                        <a:spcAft>
+                          <a:spcPct val="0"/>
+                        </a:spcAft>
+                        <a:buClrTx/>
+                        <a:buSzTx/>
+                        <a:buFontTx/>
+                        <a:buNone/>
+                        <a:defRPr/>
+                      </a:pPr>
+                      <a:r>
+                        <a:rPr kumimoji="0" lang="he-IL" sz="1200" b="0" i="0" u="none" strike="noStrike" kern="1200" cap="none" spc="0" normalizeH="0" baseline="0" noProof="0" dirty="0">
+                          <a:ln>
+                            <a:noFill/>
+                          </a:ln>
+                          <a:solidFill>
+                            <a:schemeClr val="tx1"/>
+                          </a:solidFill>
+                          <a:effectLst/>
+                          <a:uLnTx/>
+                          <a:uFillTx/>
+                          <a:latin typeface="Segoe UI" panose="020B0502040204020203" pitchFamily="34" charset="0"/>
+                          <a:ea typeface="+mn-ea"/>
+                          <a:cs typeface="Segoe UI" panose="020B0502040204020203" pitchFamily="34" charset="0"/>
+                        </a:rPr>
+                        <a:t>מידע גיאומטרי וטבלאי</a:t>
+                      </a:r>
+                      <a:endParaRPr kumimoji="0" lang="en-US" sz="1200" b="0" i="0" u="none" strike="noStrike" kern="1200" cap="none" spc="0" normalizeH="0" baseline="0" noProof="0" dirty="0">
+                        <a:ln>
+                          <a:noFill/>
+                        </a:ln>
+                        <a:solidFill>
+                          <a:schemeClr val="tx1"/>
+                        </a:solidFill>
+                        <a:effectLst/>
+                        <a:uLnTx/>
+                        <a:uFillTx/>
+                        <a:latin typeface="Segoe UI" panose="020B0502040204020203" pitchFamily="34" charset="0"/>
+                        <a:ea typeface="+mn-ea"/>
+                        <a:cs typeface="Segoe UI" panose="020B0502040204020203" pitchFamily="34" charset="0"/>
+                      </a:endParaRPr>
+                    </a:p>
+                  </a:txBody>
+                  <a:tcPr anchor="ctr"/>
+                </a:tc>
+                <a:tc>
+                  <a:txBody>
+                    <a:bodyPr/>
+                    <a:lstStyle/>
+                    <a:p>
+                      <a:pPr marL="0" marR="0" lvl="0" indent="0" algn="ctr" defTabSz="914400" rtl="0" eaLnBrk="1" fontAlgn="auto" latinLnBrk="0" hangingPunct="1">
+                        <a:lnSpc>
+                          <a:spcPct val="100000"/>
+                        </a:lnSpc>
+                        <a:spcBef>
+                          <a:spcPct val="0"/>
+                        </a:spcBef>
+                        <a:spcAft>
+                          <a:spcPct val="0"/>
+                        </a:spcAft>
+                        <a:buClrTx/>
+                        <a:buSzTx/>
+                        <a:buFontTx/>
+                        <a:buNone/>
+                        <a:defRPr/>
+                      </a:pPr>
+                      <a:r>
+                        <a:rPr kumimoji="0" lang="he-IL" sz="1200" b="0" i="0" u="none" strike="noStrike" kern="1200" cap="none" spc="0" normalizeH="0" baseline="0" noProof="0" dirty="0">
+                          <a:ln>
+                            <a:noFill/>
+                          </a:ln>
+                          <a:solidFill>
+                            <a:schemeClr val="tx1"/>
+                          </a:solidFill>
+                          <a:effectLst/>
+                          <a:uLnTx/>
+                          <a:uFillTx/>
+                          <a:latin typeface="Segoe UI" panose="020B0502040204020203" pitchFamily="34" charset="0"/>
+                          <a:ea typeface="+mn-ea"/>
+                          <a:cs typeface="Segoe UI" panose="020B0502040204020203" pitchFamily="34" charset="0"/>
+                        </a:rPr>
+                        <a:t>864</a:t>
+                      </a:r>
+                      <a:endParaRPr kumimoji="0" lang="en-US" sz="1200" b="0" i="0" u="none" strike="noStrike" kern="1200" cap="none" spc="0" normalizeH="0" baseline="0" noProof="0" dirty="0">
+                        <a:ln>
+                          <a:noFill/>
+                        </a:ln>
+                        <a:solidFill>
+                          <a:schemeClr val="tx1"/>
+                        </a:solidFill>
+                        <a:effectLst/>
+                        <a:uLnTx/>
+                        <a:uFillTx/>
+                        <a:latin typeface="Segoe UI" panose="020B0502040204020203" pitchFamily="34" charset="0"/>
+                        <a:ea typeface="+mn-ea"/>
+                        <a:cs typeface="Segoe UI" panose="020B0502040204020203" pitchFamily="34" charset="0"/>
+                      </a:endParaRPr>
+                    </a:p>
+                  </a:txBody>
+                  <a:tcPr anchor="ctr"/>
+                </a:tc>
+                <a:tc>
+                  <a:txBody>
+                    <a:bodyPr/>
+                    <a:lstStyle/>
+                    <a:p>
+                      <a:pPr algn="r" rtl="1"/>
+                      <a:r>
+                        <a:rPr lang="he-IL" sz="1200" b="0" dirty="0">
+                          <a:solidFill>
+                            <a:schemeClr val="tx1"/>
+                          </a:solidFill>
+                          <a:latin typeface="Segoe UI" panose="020B0502040204020203" pitchFamily="34" charset="0"/>
+                          <a:cs typeface="Segoe UI" panose="020B0502040204020203" pitchFamily="34" charset="0"/>
+                        </a:rPr>
+                        <a:t>שכבת גבולות פסקי דין קיימת</a:t>
+                      </a:r>
+                      <a:endParaRPr lang="en-US" sz="1200" b="0" dirty="0">
+                        <a:solidFill>
+                          <a:schemeClr val="tx1"/>
+                        </a:solidFill>
+                        <a:latin typeface="Segoe UI" panose="020B0502040204020203" pitchFamily="34" charset="0"/>
+                        <a:cs typeface="Segoe UI" panose="020B0502040204020203" pitchFamily="34" charset="0"/>
+                      </a:endParaRPr>
+                    </a:p>
+                  </a:txBody>
+                  <a:tcPr anchor="ctr"/>
+                </a:tc>
+                <a:tc>
+                  <a:txBody>
+                    <a:bodyPr/>
+                    <a:lstStyle/>
+                    <a:p>
+                      <a:pPr algn="ctr" rtl="0"/>
+                      <a:r>
+                        <a:rPr lang="en-US" sz="1200" b="0" dirty="0">
+                          <a:solidFill>
+                            <a:schemeClr val="tx1"/>
+                          </a:solidFill>
+                          <a:latin typeface="Segoe UI" panose="020B0502040204020203" pitchFamily="34" charset="0"/>
+                          <a:cs typeface="Segoe UI" panose="020B0502040204020203" pitchFamily="34" charset="0"/>
+                        </a:rPr>
+                        <a:t>GVUL_PSAK_DIN_NEW1</a:t>
+                      </a:r>
+                    </a:p>
+                  </a:txBody>
+                  <a:tcPr anchor="ctr"/>
+                </a:tc>
+                <a:tc>
+                  <a:txBody>
+                    <a:bodyPr/>
+                    <a:lstStyle/>
+                    <a:p>
+                      <a:pPr algn="ctr"/>
+                      <a:r>
+                        <a:rPr lang="en-US" sz="1200" b="0" dirty="0" err="1">
+                          <a:solidFill>
+                            <a:schemeClr val="tx1"/>
+                          </a:solidFill>
+                          <a:latin typeface="Segoe UI" panose="020B0502040204020203" pitchFamily="34" charset="0"/>
+                          <a:cs typeface="Segoe UI" panose="020B0502040204020203" pitchFamily="34" charset="0"/>
+                        </a:rPr>
+                        <a:t>FeatureClass</a:t>
+                      </a:r>
+                      <a:endParaRPr lang="en-US" sz="1200" b="0" dirty="0">
+                        <a:solidFill>
+                          <a:schemeClr val="tx1"/>
+                        </a:solidFill>
+                        <a:latin typeface="Segoe UI" panose="020B0502040204020203" pitchFamily="34" charset="0"/>
+                        <a:cs typeface="Segoe UI" panose="020B0502040204020203" pitchFamily="34" charset="0"/>
+                      </a:endParaRPr>
+                    </a:p>
+                  </a:txBody>
+                  <a:tcPr anchor="ctr"/>
+                </a:tc>
+                <a:extLst>
+                  <a:ext uri="{0D108BD9-81ED-4DB2-BD59-A6C34878D82A}">
+                    <a16:rowId xmlns:a16="http://schemas.microsoft.com/office/drawing/2014/main" val="3968481201"/>
+                  </a:ext>
+                </a:extLst>
+              </a:tr>
+              <a:tr h="764545">
+                <a:tc>
+                  <a:txBody>
+                    <a:bodyPr/>
+                    <a:lstStyle/>
+                    <a:p>
+                      <a:pPr marL="0" marR="0" lvl="0" indent="0" algn="r" defTabSz="914400" rtl="1" eaLnBrk="1" fontAlgn="auto" latinLnBrk="0" hangingPunct="1">
+                        <a:lnSpc>
+                          <a:spcPct val="100000"/>
+                        </a:lnSpc>
+                        <a:spcBef>
+                          <a:spcPct val="0"/>
+                        </a:spcBef>
+                        <a:spcAft>
+                          <a:spcPct val="0"/>
+                        </a:spcAft>
+                        <a:buClrTx/>
+                        <a:buSzTx/>
+                        <a:buFontTx/>
+                        <a:buNone/>
+                        <a:tabLst/>
+                        <a:defRPr/>
+                      </a:pPr>
+                      <a:r>
+                        <a:rPr lang="he-IL" sz="1200" b="0" dirty="0">
+                          <a:solidFill>
+                            <a:schemeClr val="tx1"/>
+                          </a:solidFill>
+                          <a:latin typeface="Segoe UI" panose="020B0502040204020203" pitchFamily="34" charset="0"/>
+                          <a:cs typeface="Segoe UI" panose="020B0502040204020203" pitchFamily="34" charset="0"/>
+                        </a:rPr>
+                        <a:t>מידע טבלאי </a:t>
+                      </a:r>
+                      <a:r>
+                        <a:rPr lang="he-IL" sz="1200" b="0" dirty="0" err="1">
+                          <a:solidFill>
+                            <a:schemeClr val="tx1"/>
+                          </a:solidFill>
+                          <a:latin typeface="Segoe UI" panose="020B0502040204020203" pitchFamily="34" charset="0"/>
+                          <a:cs typeface="Segoe UI" panose="020B0502040204020203" pitchFamily="34" charset="0"/>
+                        </a:rPr>
+                        <a:t>שמכילך</a:t>
+                      </a:r>
+                      <a:r>
+                        <a:rPr lang="he-IL" sz="1200" b="0" dirty="0">
+                          <a:solidFill>
+                            <a:schemeClr val="tx1"/>
+                          </a:solidFill>
+                          <a:latin typeface="Segoe UI" panose="020B0502040204020203" pitchFamily="34" charset="0"/>
+                          <a:cs typeface="Segoe UI" panose="020B0502040204020203" pitchFamily="34" charset="0"/>
+                        </a:rPr>
+                        <a:t> נתונים שלא קיימים בגבולות</a:t>
+                      </a:r>
+                    </a:p>
+                  </a:txBody>
+                  <a:tcPr anchor="ctr"/>
+                </a:tc>
+                <a:tc>
+                  <a:txBody>
+                    <a:bodyPr/>
+                    <a:lstStyle/>
+                    <a:p>
+                      <a:pPr marL="0" marR="0" lvl="0" indent="0" algn="ctr" defTabSz="914400" rtl="0" eaLnBrk="1" fontAlgn="auto" latinLnBrk="0" hangingPunct="1">
+                        <a:lnSpc>
+                          <a:spcPct val="100000"/>
+                        </a:lnSpc>
+                        <a:spcBef>
+                          <a:spcPct val="0"/>
+                        </a:spcBef>
+                        <a:spcAft>
+                          <a:spcPct val="0"/>
+                        </a:spcAft>
+                        <a:buClrTx/>
+                        <a:buSzTx/>
+                        <a:buFontTx/>
+                        <a:buNone/>
+                        <a:defRPr/>
+                      </a:pPr>
+                      <a:r>
+                        <a:rPr kumimoji="0" lang="he-IL" sz="1200" b="0" i="0" u="none" strike="noStrike" kern="1200" cap="none" spc="0" normalizeH="0" baseline="0" noProof="0" dirty="0">
+                          <a:ln>
+                            <a:noFill/>
+                          </a:ln>
+                          <a:solidFill>
+                            <a:schemeClr val="tx1"/>
+                          </a:solidFill>
+                          <a:effectLst/>
+                          <a:uLnTx/>
+                          <a:uFillTx/>
+                          <a:latin typeface="Segoe UI" panose="020B0502040204020203" pitchFamily="34" charset="0"/>
+                          <a:ea typeface="+mn-ea"/>
+                          <a:cs typeface="Segoe UI" panose="020B0502040204020203" pitchFamily="34" charset="0"/>
+                        </a:rPr>
+                        <a:t>876</a:t>
+                      </a:r>
+                      <a:endParaRPr kumimoji="0" lang="en-US" sz="1200" b="0" i="0" u="none" strike="noStrike" kern="1200" cap="none" spc="0" normalizeH="0" baseline="0" noProof="0" dirty="0">
+                        <a:ln>
+                          <a:noFill/>
+                        </a:ln>
+                        <a:solidFill>
+                          <a:schemeClr val="tx1"/>
+                        </a:solidFill>
+                        <a:effectLst/>
+                        <a:uLnTx/>
+                        <a:uFillTx/>
+                        <a:latin typeface="Segoe UI" panose="020B0502040204020203" pitchFamily="34" charset="0"/>
+                        <a:ea typeface="+mn-ea"/>
+                        <a:cs typeface="Segoe UI" panose="020B0502040204020203" pitchFamily="34" charset="0"/>
+                      </a:endParaRPr>
+                    </a:p>
+                  </a:txBody>
+                  <a:tcPr anchor="ctr"/>
+                </a:tc>
+                <a:tc>
+                  <a:txBody>
+                    <a:bodyPr/>
+                    <a:lstStyle/>
+                    <a:p>
+                      <a:pPr algn="r" rtl="1"/>
+                      <a:r>
+                        <a:rPr lang="he-IL" sz="1200" b="0" dirty="0">
+                          <a:solidFill>
+                            <a:schemeClr val="tx1"/>
+                          </a:solidFill>
+                          <a:latin typeface="Segoe UI" panose="020B0502040204020203" pitchFamily="34" charset="0"/>
+                          <a:cs typeface="Segoe UI" panose="020B0502040204020203" pitchFamily="34" charset="0"/>
+                        </a:rPr>
+                        <a:t>טבלת מידע של פסקי דין</a:t>
+                      </a:r>
+                      <a:endParaRPr lang="en-US" sz="1200" b="0" dirty="0">
+                        <a:solidFill>
+                          <a:schemeClr val="tx1"/>
+                        </a:solidFill>
+                        <a:latin typeface="Segoe UI" panose="020B0502040204020203" pitchFamily="34" charset="0"/>
+                        <a:cs typeface="Segoe UI" panose="020B0502040204020203" pitchFamily="34" charset="0"/>
+                      </a:endParaRPr>
+                    </a:p>
+                  </a:txBody>
+                  <a:tcPr anchor="ctr"/>
+                </a:tc>
+                <a:tc>
+                  <a:txBody>
+                    <a:bodyPr/>
+                    <a:lstStyle/>
+                    <a:p>
+                      <a:pPr algn="ctr" rtl="0"/>
+                      <a:r>
+                        <a:rPr lang="en-US" sz="1200" b="0" dirty="0" err="1">
+                          <a:solidFill>
+                            <a:schemeClr val="tx1"/>
+                          </a:solidFill>
+                          <a:latin typeface="Segoe UI" panose="020B0502040204020203" pitchFamily="34" charset="0"/>
+                          <a:cs typeface="Segoe UI" panose="020B0502040204020203" pitchFamily="34" charset="0"/>
+                        </a:rPr>
+                        <a:t>psak_din</a:t>
+                      </a:r>
+                      <a:endParaRPr lang="en-US" sz="1200" b="0" dirty="0">
+                        <a:solidFill>
+                          <a:schemeClr val="tx1"/>
+                        </a:solidFill>
+                        <a:latin typeface="Segoe UI" panose="020B0502040204020203" pitchFamily="34" charset="0"/>
+                        <a:cs typeface="Segoe UI" panose="020B0502040204020203" pitchFamily="34" charset="0"/>
+                      </a:endParaRPr>
+                    </a:p>
+                  </a:txBody>
+                  <a:tcPr anchor="ctr"/>
+                </a:tc>
+                <a:tc>
+                  <a:txBody>
+                    <a:bodyPr/>
+                    <a:lstStyle/>
+                    <a:p>
+                      <a:pPr algn="ctr"/>
+                      <a:r>
+                        <a:rPr lang="en-US" sz="1200" b="0" dirty="0">
+                          <a:solidFill>
+                            <a:schemeClr val="tx1"/>
+                          </a:solidFill>
+                          <a:latin typeface="Segoe UI" panose="020B0502040204020203" pitchFamily="34" charset="0"/>
+                          <a:cs typeface="Segoe UI" panose="020B0502040204020203" pitchFamily="34" charset="0"/>
+                        </a:rPr>
+                        <a:t>csv</a:t>
+                      </a:r>
+                    </a:p>
+                  </a:txBody>
+                  <a:tcPr anchor="ctr"/>
+                </a:tc>
+                <a:extLst>
+                  <a:ext uri="{0D108BD9-81ED-4DB2-BD59-A6C34878D82A}">
+                    <a16:rowId xmlns:a16="http://schemas.microsoft.com/office/drawing/2014/main" val="389231681"/>
+                  </a:ext>
+                </a:extLst>
+              </a:tr>
+              <a:tr h="764545">
+                <a:tc>
+                  <a:txBody>
+                    <a:bodyPr/>
+                    <a:lstStyle/>
+                    <a:p>
+                      <a:pPr marL="0" marR="0" lvl="0" indent="0" algn="r" defTabSz="914400" rtl="1" eaLnBrk="1" fontAlgn="auto" latinLnBrk="0" hangingPunct="1">
+                        <a:lnSpc>
+                          <a:spcPct val="100000"/>
+                        </a:lnSpc>
+                        <a:spcBef>
+                          <a:spcPct val="0"/>
+                        </a:spcBef>
+                        <a:spcAft>
+                          <a:spcPct val="0"/>
+                        </a:spcAft>
+                        <a:buClrTx/>
+                        <a:buSzTx/>
+                        <a:buFontTx/>
+                        <a:buNone/>
+                        <a:tabLst/>
+                        <a:defRPr/>
+                      </a:pPr>
+                      <a:r>
+                        <a:rPr lang="he-IL" sz="1200" b="0" dirty="0">
+                          <a:solidFill>
+                            <a:schemeClr val="tx1"/>
+                          </a:solidFill>
+                          <a:latin typeface="Segoe UI" panose="020B0502040204020203" pitchFamily="34" charset="0"/>
+                          <a:cs typeface="Segoe UI" panose="020B0502040204020203" pitchFamily="34" charset="0"/>
+                        </a:rPr>
+                        <a:t>לצורך קבלת מספר מזהה של גוש בכל פס"ד</a:t>
+                      </a:r>
+                    </a:p>
+                  </a:txBody>
+                  <a:tcPr anchor="ctr"/>
+                </a:tc>
+                <a:tc>
+                  <a:txBody>
+                    <a:bodyPr/>
+                    <a:lstStyle/>
+                    <a:p>
+                      <a:pPr marL="0" marR="0" lvl="0" indent="0" algn="ctr" defTabSz="914400" rtl="0" eaLnBrk="1" fontAlgn="auto" latinLnBrk="0" hangingPunct="1">
+                        <a:lnSpc>
+                          <a:spcPct val="100000"/>
+                        </a:lnSpc>
+                        <a:spcBef>
+                          <a:spcPct val="0"/>
+                        </a:spcBef>
+                        <a:spcAft>
+                          <a:spcPct val="0"/>
+                        </a:spcAft>
+                        <a:buClrTx/>
+                        <a:buSzTx/>
+                        <a:buFontTx/>
+                        <a:buNone/>
+                        <a:defRPr/>
+                      </a:pPr>
+                      <a:r>
+                        <a:rPr kumimoji="0" lang="he-IL" sz="1200" b="0" i="0" u="none" strike="noStrike" kern="1200" cap="none" spc="0" normalizeH="0" baseline="0" noProof="0" dirty="0">
+                          <a:ln>
+                            <a:noFill/>
+                          </a:ln>
+                          <a:solidFill>
+                            <a:schemeClr val="tx1"/>
+                          </a:solidFill>
+                          <a:effectLst/>
+                          <a:uLnTx/>
+                          <a:uFillTx/>
+                          <a:latin typeface="Segoe UI" panose="020B0502040204020203" pitchFamily="34" charset="0"/>
+                          <a:ea typeface="+mn-ea"/>
+                          <a:cs typeface="Segoe UI" panose="020B0502040204020203" pitchFamily="34" charset="0"/>
+                        </a:rPr>
+                        <a:t>26,241</a:t>
+                      </a:r>
+                      <a:endParaRPr kumimoji="0" lang="en-US" sz="1200" b="0" i="0" u="none" strike="noStrike" kern="1200" cap="none" spc="0" normalizeH="0" baseline="0" noProof="0" dirty="0">
+                        <a:ln>
+                          <a:noFill/>
+                        </a:ln>
+                        <a:solidFill>
+                          <a:schemeClr val="tx1"/>
+                        </a:solidFill>
+                        <a:effectLst/>
+                        <a:uLnTx/>
+                        <a:uFillTx/>
+                        <a:latin typeface="Segoe UI" panose="020B0502040204020203" pitchFamily="34" charset="0"/>
+                        <a:ea typeface="+mn-ea"/>
+                        <a:cs typeface="Segoe UI" panose="020B0502040204020203" pitchFamily="34" charset="0"/>
+                      </a:endParaRPr>
+                    </a:p>
+                  </a:txBody>
+                  <a:tcPr anchor="ctr"/>
+                </a:tc>
+                <a:tc>
+                  <a:txBody>
+                    <a:bodyPr/>
+                    <a:lstStyle/>
+                    <a:p>
+                      <a:pPr algn="r" rtl="1"/>
+                      <a:r>
+                        <a:rPr lang="he-IL" sz="1200" b="0" dirty="0">
+                          <a:solidFill>
+                            <a:schemeClr val="tx1"/>
+                          </a:solidFill>
+                          <a:latin typeface="Segoe UI" panose="020B0502040204020203" pitchFamily="34" charset="0"/>
+                          <a:cs typeface="Segoe UI" panose="020B0502040204020203" pitchFamily="34" charset="0"/>
+                        </a:rPr>
+                        <a:t>שכבת גושים מודרנית</a:t>
+                      </a:r>
+                      <a:endParaRPr lang="en-US" sz="1200" b="0" dirty="0">
+                        <a:solidFill>
+                          <a:schemeClr val="tx1"/>
+                        </a:solidFill>
+                        <a:latin typeface="Segoe UI" panose="020B0502040204020203" pitchFamily="34" charset="0"/>
+                        <a:cs typeface="Segoe UI" panose="020B0502040204020203" pitchFamily="34" charset="0"/>
+                      </a:endParaRPr>
+                    </a:p>
+                  </a:txBody>
+                  <a:tcPr anchor="ctr"/>
+                </a:tc>
+                <a:tc>
+                  <a:txBody>
+                    <a:bodyPr/>
+                    <a:lstStyle/>
+                    <a:p>
+                      <a:pPr algn="ctr" rtl="0"/>
+                      <a:r>
+                        <a:rPr lang="en-US" sz="1200" b="0" dirty="0">
+                          <a:solidFill>
+                            <a:schemeClr val="tx1"/>
+                          </a:solidFill>
+                          <a:latin typeface="Segoe UI" panose="020B0502040204020203" pitchFamily="34" charset="0"/>
+                          <a:cs typeface="Segoe UI" panose="020B0502040204020203" pitchFamily="34" charset="0"/>
+                        </a:rPr>
+                        <a:t>Blocks</a:t>
+                      </a:r>
+                    </a:p>
+                  </a:txBody>
+                  <a:tcPr anchor="ctr"/>
+                </a:tc>
+                <a:tc>
+                  <a:txBody>
+                    <a:bodyPr/>
+                    <a:lstStyle/>
+                    <a:p>
+                      <a:pPr algn="ctr"/>
+                      <a:r>
+                        <a:rPr lang="en-US" sz="1200" b="0" dirty="0" err="1">
+                          <a:solidFill>
+                            <a:schemeClr val="tx1"/>
+                          </a:solidFill>
+                          <a:latin typeface="Segoe UI" panose="020B0502040204020203" pitchFamily="34" charset="0"/>
+                          <a:cs typeface="Segoe UI" panose="020B0502040204020203" pitchFamily="34" charset="0"/>
+                        </a:rPr>
+                        <a:t>FeatureClass</a:t>
+                      </a:r>
+                      <a:endParaRPr lang="en-US" sz="1200" b="0" dirty="0">
+                        <a:solidFill>
+                          <a:schemeClr val="tx1"/>
+                        </a:solidFill>
+                        <a:latin typeface="Segoe UI" panose="020B0502040204020203" pitchFamily="34" charset="0"/>
+                        <a:cs typeface="Segoe UI" panose="020B0502040204020203" pitchFamily="34" charset="0"/>
+                      </a:endParaRPr>
+                    </a:p>
+                  </a:txBody>
+                  <a:tcPr anchor="ctr"/>
+                </a:tc>
+                <a:extLst>
+                  <a:ext uri="{0D108BD9-81ED-4DB2-BD59-A6C34878D82A}">
+                    <a16:rowId xmlns:a16="http://schemas.microsoft.com/office/drawing/2014/main" val="376139380"/>
+                  </a:ext>
+                </a:extLst>
+              </a:tr>
+            </a:tbl>
+          </a:graphicData>
+        </a:graphic>
+      </p:graphicFrame>
+      <p:sp>
+        <p:nvSpPr>
+          <p:cNvPr id="6" name="כותרת 1">
+            <a:extLst>
+              <a:ext uri="{FF2B5EF4-FFF2-40B4-BE49-F238E27FC236}">
+                <a16:creationId xmlns:a16="http://schemas.microsoft.com/office/drawing/2014/main" id="{ECC8760F-EA9E-47A2-A93F-1EAD44E763EE}"/>
+              </a:ext>
+            </a:extLst>
+          </p:cNvPr>
+          <p:cNvSpPr txBox="1"/>
+          <p:nvPr/>
+        </p:nvSpPr>
+        <p:spPr>
+          <a:xfrm>
+            <a:off x="456091" y="629539"/>
+            <a:ext cx="11043138" cy="622570"/>
+          </a:xfrm>
+          <a:prstGeom prst="rect">
+            <a:avLst/>
+          </a:prstGeom>
+          <a:noFill/>
+          <a:ln>
+            <a:noFill/>
+          </a:ln>
+          <a:effectLst/>
+        </p:spPr>
+        <p:txBody>
+          <a:bodyPr vert="horz" lIns="91440" tIns="45720" rIns="91440" bIns="45720" rtlCol="0" anchor="ctr">
+            <a:noAutofit/>
+          </a:bodyPr>
+          <a:lstStyle>
+            <a:defPPr>
+              <a:defRPr lang="en-US"/>
+            </a:defPPr>
+            <a:lvl1pPr algn="ctr" defTabSz="914400" rtl="1">
+              <a:lnSpc>
+                <a:spcPct val="90000"/>
+              </a:lnSpc>
+              <a:spcBef>
+                <a:spcPct val="0"/>
+              </a:spcBef>
+              <a:buNone/>
+              <a:defRPr sz="4400" b="1">
+                <a:solidFill>
+                  <a:schemeClr val="bg1"/>
+                </a:solidFill>
+                <a:latin typeface="+mj-lt"/>
+                <a:ea typeface="+mj-ea"/>
+              </a:defRPr>
+            </a:lvl1pPr>
+          </a:lstStyle>
+          <a:p>
+            <a:pPr algn="r"/>
+            <a:r>
+              <a:rPr lang="he-IL" sz="3600" dirty="0">
+                <a:solidFill>
+                  <a:srgbClr val="002060"/>
+                </a:solidFill>
+                <a:latin typeface="Calibri" panose="020F0502020204030204" pitchFamily="34" charset="0"/>
+                <a:cs typeface="Calibri" panose="020F0502020204030204" pitchFamily="34" charset="0"/>
+              </a:rPr>
+              <a:t>שכבות וטבלאות רלוונטיות</a:t>
+            </a:r>
+          </a:p>
+        </p:txBody>
+      </p:sp>
+    </p:spTree>
+    <p:extLst>
+      <p:ext uri="{BB962C8B-B14F-4D97-AF65-F5344CB8AC3E}">
+        <p14:creationId xmlns:p14="http://schemas.microsoft.com/office/powerpoint/2010/main" val="1342484619"/>
+      </p:ext>
+    </p:extLst>
+  </p:cSld>
+  <p:clrMapOvr>
+    <a:masterClrMapping/>
+  </p:clrMapOvr>
+  <p:transition/>
+</p:sld>
+</file>
+
+<file path=ppt/slides/slide5.xml><?xml version="1.0" encoding="utf-8"?>
 <p:sld xmlns:a="http://schemas.openxmlformats.org/drawingml/2006/main" xmlns:r="http://schemas.openxmlformats.org/officeDocument/2006/relationships" xmlns:p="http://schemas.openxmlformats.org/presentationml/2006/main">
   <p:cSld>
     <p:spTree>
@@ -10044,20 +8563,12 @@
               </a:lnSpc>
             </a:pPr>
             <a:r>
-              <a:rPr lang="he-IL" sz="4000" b="1" dirty="0" smtClean="0">
-                <a:solidFill>
-                  <a:srgbClr val="002060"/>
-                </a:solidFill>
-              </a:rPr>
-              <a:t>הסבת </a:t>
-            </a:r>
-            <a:r>
               <a:rPr lang="he-IL" sz="4000" b="1" dirty="0">
                 <a:solidFill>
                   <a:srgbClr val="002060"/>
                 </a:solidFill>
               </a:rPr>
-              <a:t>נתוני </a:t>
+              <a:t>הסבת נתוני </a:t>
             </a:r>
             <a:r>
               <a:rPr lang="he-IL" sz="4000" b="1" dirty="0" err="1">
@@ -10073,15 +8584,7 @@
                   <a:srgbClr val="002060"/>
                 </a:solidFill>
               </a:rPr>
-              <a:t> אל מול סכמה </a:t>
-            </a:r>
-            <a:r>
-              <a:rPr lang="he-IL" sz="4000" b="1" dirty="0" smtClean="0">
-                <a:solidFill>
-                  <a:srgbClr val="002060"/>
-                </a:solidFill>
-              </a:rPr>
-              <a:t>עתידית</a:t>
+              <a:t> אל מול סכמה עתידית</a:t>
             </a:r>
           </a:p>
           <a:p>
@@ -10091,18 +8594,13 @@
               </a:lnSpc>
             </a:pPr>
             <a:r>
-              <a:rPr lang="he-IL" sz="4000" b="1" dirty="0" smtClean="0">
+              <a:rPr lang="he-IL" sz="4000" b="1" dirty="0">
                 <a:solidFill>
                   <a:srgbClr val="002060"/>
                 </a:solidFill>
               </a:rPr>
               <a:t>פסקי דין</a:t>
             </a:r>
-            <a:endParaRPr lang="he-IL" sz="4000" b="1" dirty="0">
-              <a:solidFill>
-                <a:srgbClr val="002060"/>
-              </a:solidFill>
-            </a:endParaRPr>
           </a:p>
         </p:txBody>
       </p:sp>
@@ -10147,1738 +8645,6 @@
     <a:masterClrMapping/>
   </p:clrMapOvr>
   <p:transition/>
-  <p:timing>
-    <p:tnLst>
-      <p:par>
-        <p:cTn id="1" dur="indefinite" restart="never" nodeType="tmRoot"/>
-      </p:par>
-    </p:tnLst>
-  </p:timing>
-</p:sld>
-</file>
-
-<file path=ppt/slides/slide5.xml><?xml version="1.0" encoding="utf-8"?>
-<p:sld xmlns:a="http://schemas.openxmlformats.org/drawingml/2006/main" xmlns:r="http://schemas.openxmlformats.org/officeDocument/2006/relationships" xmlns:p="http://schemas.openxmlformats.org/presentationml/2006/main">
-  <p:cSld>
-    <p:spTree>
-      <p:nvGrpSpPr>
-        <p:cNvPr id="1" name=""/>
-        <p:cNvGrpSpPr/>
-        <p:nvPr/>
-      </p:nvGrpSpPr>
-      <p:grpSpPr>
-        <a:xfrm>
-          <a:off x="0" y="0"/>
-          <a:ext cx="0" cy="0"/>
-          <a:chOff x="0" y="0"/>
-          <a:chExt cx="0" cy="0"/>
-        </a:xfrm>
-      </p:grpSpPr>
-      <p:graphicFrame>
-        <p:nvGraphicFramePr>
-          <p:cNvPr id="4" name="Table 4">
-            <a:extLst>
-              <a:ext uri="{FF2B5EF4-FFF2-40B4-BE49-F238E27FC236}">
-                <a16:creationId xmlns:a16="http://schemas.microsoft.com/office/drawing/2014/main" id="{46B0A39B-A609-40DD-80FF-A80EB52CC7A9}"/>
-              </a:ext>
-            </a:extLst>
-          </p:cNvPr>
-          <p:cNvGraphicFramePr>
-            <a:graphicFrameLocks noGrp="1"/>
-          </p:cNvGraphicFramePr>
-          <p:nvPr>
-            <p:ph idx="1"/>
-            <p:extLst>
-              <p:ext uri="{D42A27DB-BD31-4B8C-83A1-F6EECF244321}">
-                <p14:modId xmlns:p14="http://schemas.microsoft.com/office/powerpoint/2010/main" val="2174260506"/>
-              </p:ext>
-            </p:extLst>
-          </p:nvPr>
-        </p:nvGraphicFramePr>
-        <p:xfrm>
-          <a:off x="475862" y="819629"/>
-          <a:ext cx="11418696" cy="2346392"/>
-        </p:xfrm>
-        <a:graphic>
-          <a:graphicData uri="http://schemas.openxmlformats.org/drawingml/2006/table">
-            <a:tbl>
-              <a:tblPr firstRow="1" bandRow="1">
-                <a:tableStyleId>{5C22544A-7EE6-4342-B048-85BDC9FD1C3A}</a:tableStyleId>
-              </a:tblPr>
-              <a:tblGrid>
-                <a:gridCol w="3718767">
-                  <a:extLst>
-                    <a:ext uri="{9D8B030D-6E8A-4147-A177-3AD203B41FA5}">
-                      <a16:colId xmlns:a16="http://schemas.microsoft.com/office/drawing/2014/main" val="3343601936"/>
-                    </a:ext>
-                  </a:extLst>
-                </a:gridCol>
-                <a:gridCol w="740228">
-                  <a:extLst>
-                    <a:ext uri="{9D8B030D-6E8A-4147-A177-3AD203B41FA5}">
-                      <a16:colId xmlns:a16="http://schemas.microsoft.com/office/drawing/2014/main" val="2392546507"/>
-                    </a:ext>
-                  </a:extLst>
-                </a:gridCol>
-                <a:gridCol w="1045029">
-                  <a:extLst>
-                    <a:ext uri="{9D8B030D-6E8A-4147-A177-3AD203B41FA5}">
-                      <a16:colId xmlns:a16="http://schemas.microsoft.com/office/drawing/2014/main" val="3358598352"/>
-                    </a:ext>
-                  </a:extLst>
-                </a:gridCol>
-                <a:gridCol w="2598057">
-                  <a:extLst>
-                    <a:ext uri="{9D8B030D-6E8A-4147-A177-3AD203B41FA5}">
-                      <a16:colId xmlns:a16="http://schemas.microsoft.com/office/drawing/2014/main" val="970526647"/>
-                    </a:ext>
-                  </a:extLst>
-                </a:gridCol>
-                <a:gridCol w="2744747">
-                  <a:extLst>
-                    <a:ext uri="{9D8B030D-6E8A-4147-A177-3AD203B41FA5}">
-                      <a16:colId xmlns:a16="http://schemas.microsoft.com/office/drawing/2014/main" val="1535150859"/>
-                    </a:ext>
-                  </a:extLst>
-                </a:gridCol>
-                <a:gridCol w="571868">
-                  <a:extLst>
-                    <a:ext uri="{9D8B030D-6E8A-4147-A177-3AD203B41FA5}">
-                      <a16:colId xmlns:a16="http://schemas.microsoft.com/office/drawing/2014/main" val="1848490300"/>
-                    </a:ext>
-                  </a:extLst>
-                </a:gridCol>
-              </a:tblGrid>
-              <a:tr h="360102">
-                <a:tc>
-                  <a:txBody>
-                    <a:bodyPr/>
-                    <a:lstStyle/>
-                    <a:p>
-                      <a:pPr algn="ctr"/>
-                      <a:r>
-                        <a:rPr lang="he-IL" sz="1400" b="1" dirty="0" smtClean="0">
-                          <a:latin typeface="Segoe UI" panose="020B0502040204020203" pitchFamily="34" charset="0"/>
-                          <a:cs typeface="Segoe UI" panose="020B0502040204020203" pitchFamily="34" charset="0"/>
-                        </a:rPr>
-                        <a:t>שימוש</a:t>
-                      </a:r>
-                      <a:endParaRPr lang="en-US" sz="1400" b="1" dirty="0">
-                        <a:latin typeface="Segoe UI" panose="020B0502040204020203" pitchFamily="34" charset="0"/>
-                        <a:cs typeface="Segoe UI" panose="020B0502040204020203" pitchFamily="34" charset="0"/>
-                      </a:endParaRPr>
-                    </a:p>
-                  </a:txBody>
-                  <a:tcPr/>
-                </a:tc>
-                <a:tc>
-                  <a:txBody>
-                    <a:bodyPr/>
-                    <a:lstStyle/>
-                    <a:p>
-                      <a:pPr algn="ctr"/>
-                      <a:r>
-                        <a:rPr lang="he-IL" sz="1400" b="1" dirty="0" smtClean="0">
-                          <a:latin typeface="Segoe UI" panose="020B0502040204020203" pitchFamily="34" charset="0"/>
-                          <a:cs typeface="Segoe UI" panose="020B0502040204020203" pitchFamily="34" charset="0"/>
-                        </a:rPr>
-                        <a:t>כמות</a:t>
-                      </a:r>
-                      <a:endParaRPr lang="en-US" sz="1400" b="1" dirty="0">
-                        <a:latin typeface="Segoe UI" panose="020B0502040204020203" pitchFamily="34" charset="0"/>
-                        <a:cs typeface="Segoe UI" panose="020B0502040204020203" pitchFamily="34" charset="0"/>
-                      </a:endParaRPr>
-                    </a:p>
-                  </a:txBody>
-                  <a:tcPr/>
-                </a:tc>
-                <a:tc>
-                  <a:txBody>
-                    <a:bodyPr/>
-                    <a:lstStyle/>
-                    <a:p>
-                      <a:pPr algn="ctr"/>
-                      <a:r>
-                        <a:rPr lang="he-IL" sz="1400" b="1" dirty="0" smtClean="0">
-                          <a:latin typeface="Segoe UI" panose="020B0502040204020203" pitchFamily="34" charset="0"/>
-                          <a:cs typeface="Segoe UI" panose="020B0502040204020203" pitchFamily="34" charset="0"/>
-                        </a:rPr>
-                        <a:t>סכמה</a:t>
-                      </a:r>
-                      <a:endParaRPr lang="en-US" sz="1400" b="1" dirty="0">
-                        <a:latin typeface="Segoe UI" panose="020B0502040204020203" pitchFamily="34" charset="0"/>
-                        <a:cs typeface="Segoe UI" panose="020B0502040204020203" pitchFamily="34" charset="0"/>
-                      </a:endParaRPr>
-                    </a:p>
-                  </a:txBody>
-                  <a:tcPr/>
-                </a:tc>
-                <a:tc>
-                  <a:txBody>
-                    <a:bodyPr/>
-                    <a:lstStyle/>
-                    <a:p>
-                      <a:pPr algn="ctr"/>
-                      <a:r>
-                        <a:rPr lang="he-IL" sz="1400" b="1" dirty="0">
-                          <a:latin typeface="Segoe UI" panose="020B0502040204020203" pitchFamily="34" charset="0"/>
-                          <a:cs typeface="Segoe UI" panose="020B0502040204020203" pitchFamily="34" charset="0"/>
-                        </a:rPr>
-                        <a:t>תיאור</a:t>
-                      </a:r>
-                      <a:endParaRPr lang="en-US" sz="1400" b="1" dirty="0">
-                        <a:latin typeface="Segoe UI" panose="020B0502040204020203" pitchFamily="34" charset="0"/>
-                        <a:cs typeface="Segoe UI" panose="020B0502040204020203" pitchFamily="34" charset="0"/>
-                      </a:endParaRPr>
-                    </a:p>
-                  </a:txBody>
-                  <a:tcPr/>
-                </a:tc>
-                <a:tc>
-                  <a:txBody>
-                    <a:bodyPr/>
-                    <a:lstStyle/>
-                    <a:p>
-                      <a:pPr algn="ctr"/>
-                      <a:r>
-                        <a:rPr lang="he-IL" sz="1400" b="1" dirty="0" smtClean="0">
-                          <a:latin typeface="Segoe UI" panose="020B0502040204020203" pitchFamily="34" charset="0"/>
-                          <a:cs typeface="Segoe UI" panose="020B0502040204020203" pitchFamily="34" charset="0"/>
-                        </a:rPr>
-                        <a:t>שם</a:t>
-                      </a:r>
-                      <a:endParaRPr lang="en-US" sz="1400" b="1" dirty="0">
-                        <a:latin typeface="Segoe UI" panose="020B0502040204020203" pitchFamily="34" charset="0"/>
-                        <a:cs typeface="Segoe UI" panose="020B0502040204020203" pitchFamily="34" charset="0"/>
-                      </a:endParaRPr>
-                    </a:p>
-                  </a:txBody>
-                  <a:tcPr/>
-                </a:tc>
-                <a:tc>
-                  <a:txBody>
-                    <a:bodyPr/>
-                    <a:lstStyle/>
-                    <a:p>
-                      <a:pPr algn="ctr"/>
-                      <a:r>
-                        <a:rPr lang="he-IL" sz="1400" b="1" dirty="0" smtClean="0">
-                          <a:latin typeface="Segoe UI" panose="020B0502040204020203" pitchFamily="34" charset="0"/>
-                          <a:cs typeface="Segoe UI" panose="020B0502040204020203" pitchFamily="34" charset="0"/>
-                        </a:rPr>
-                        <a:t>סוג</a:t>
-                      </a:r>
-                      <a:endParaRPr lang="en-US" sz="1400" b="1" dirty="0">
-                        <a:latin typeface="Segoe UI" panose="020B0502040204020203" pitchFamily="34" charset="0"/>
-                        <a:cs typeface="Segoe UI" panose="020B0502040204020203" pitchFamily="34" charset="0"/>
-                      </a:endParaRPr>
-                    </a:p>
-                  </a:txBody>
-                  <a:tcPr/>
-                </a:tc>
-                <a:extLst>
-                  <a:ext uri="{0D108BD9-81ED-4DB2-BD59-A6C34878D82A}">
-                    <a16:rowId xmlns:a16="http://schemas.microsoft.com/office/drawing/2014/main" val="495850647"/>
-                  </a:ext>
-                </a:extLst>
-              </a:tr>
-              <a:tr h="300085">
-                <a:tc>
-                  <a:txBody>
-                    <a:bodyPr/>
-                    <a:lstStyle/>
-                    <a:p>
-                      <a:pPr marL="0" marR="0" lvl="0" indent="0" algn="r" defTabSz="914400" rtl="1" eaLnBrk="1" fontAlgn="auto" latinLnBrk="0" hangingPunct="1">
-                        <a:lnSpc>
-                          <a:spcPct val="100000"/>
-                        </a:lnSpc>
-                        <a:spcBef>
-                          <a:spcPct val="0"/>
-                        </a:spcBef>
-                        <a:spcAft>
-                          <a:spcPct val="0"/>
-                        </a:spcAft>
-                        <a:buClrTx/>
-                        <a:buSzTx/>
-                        <a:buFontTx/>
-                        <a:buNone/>
-                        <a:defRPr/>
-                      </a:pPr>
-                      <a:r>
-                        <a:rPr kumimoji="0" lang="he-IL" sz="1200" b="0" i="0" u="none" strike="noStrike" kern="1200" cap="none" spc="0" normalizeH="0" baseline="0" noProof="0" dirty="0" smtClean="0">
-                          <a:ln>
-                            <a:noFill/>
-                          </a:ln>
-                          <a:solidFill>
-                            <a:schemeClr val="tx1"/>
-                          </a:solidFill>
-                          <a:effectLst/>
-                          <a:uLnTx/>
-                          <a:uFillTx/>
-                          <a:latin typeface="Segoe UI" panose="020B0502040204020203" pitchFamily="34" charset="0"/>
-                          <a:ea typeface="+mn-ea"/>
-                          <a:cs typeface="Segoe UI" panose="020B0502040204020203" pitchFamily="34" charset="0"/>
-                        </a:rPr>
-                        <a:t>נעשה שימוש רק בכדי לייבא את שדה </a:t>
-                      </a:r>
-                      <a:r>
-                        <a:rPr kumimoji="0" lang="en-US" sz="1200" b="0" i="0" u="none" strike="noStrike" kern="1200" cap="none" spc="0" normalizeH="0" baseline="0" noProof="0" dirty="0" err="1" smtClean="0">
-                          <a:ln>
-                            <a:noFill/>
-                          </a:ln>
-                          <a:solidFill>
-                            <a:schemeClr val="tx1"/>
-                          </a:solidFill>
-                          <a:effectLst/>
-                          <a:uLnTx/>
-                          <a:uFillTx/>
-                          <a:latin typeface="Segoe UI" panose="020B0502040204020203" pitchFamily="34" charset="0"/>
-                          <a:ea typeface="+mn-ea"/>
-                          <a:cs typeface="Segoe UI" panose="020B0502040204020203" pitchFamily="34" charset="0"/>
-                        </a:rPr>
-                        <a:t>updateDate</a:t>
-                      </a:r>
-                      <a:endParaRPr kumimoji="0" lang="en-US" sz="1200" b="0" i="0" u="none" strike="noStrike" kern="1200" cap="none" spc="0" normalizeH="0" baseline="0" noProof="0" dirty="0">
-                        <a:ln>
-                          <a:noFill/>
-                        </a:ln>
-                        <a:solidFill>
-                          <a:schemeClr val="tx1"/>
-                        </a:solidFill>
-                        <a:effectLst/>
-                        <a:uLnTx/>
-                        <a:uFillTx/>
-                        <a:latin typeface="Segoe UI" panose="020B0502040204020203" pitchFamily="34" charset="0"/>
-                        <a:ea typeface="+mn-ea"/>
-                        <a:cs typeface="Segoe UI" panose="020B0502040204020203" pitchFamily="34" charset="0"/>
-                      </a:endParaRPr>
-                    </a:p>
-                  </a:txBody>
-                  <a:tcPr anchor="ctr"/>
-                </a:tc>
-                <a:tc>
-                  <a:txBody>
-                    <a:bodyPr/>
-                    <a:lstStyle/>
-                    <a:p>
-                      <a:pPr marL="0" marR="0" lvl="0" indent="0" algn="ctr" defTabSz="914400" rtl="0" eaLnBrk="1" fontAlgn="auto" latinLnBrk="0" hangingPunct="1">
-                        <a:lnSpc>
-                          <a:spcPct val="100000"/>
-                        </a:lnSpc>
-                        <a:spcBef>
-                          <a:spcPct val="0"/>
-                        </a:spcBef>
-                        <a:spcAft>
-                          <a:spcPct val="0"/>
-                        </a:spcAft>
-                        <a:buClrTx/>
-                        <a:buSzTx/>
-                        <a:buFontTx/>
-                        <a:buNone/>
-                        <a:defRPr/>
-                      </a:pPr>
-                      <a:r>
-                        <a:rPr kumimoji="0" lang="he-IL" sz="1200" b="0" i="0" u="none" strike="noStrike" kern="1200" cap="none" spc="0" normalizeH="0" baseline="0" noProof="0" dirty="0" smtClean="0">
-                          <a:ln>
-                            <a:noFill/>
-                          </a:ln>
-                          <a:solidFill>
-                            <a:schemeClr val="tx1"/>
-                          </a:solidFill>
-                          <a:effectLst/>
-                          <a:uLnTx/>
-                          <a:uFillTx/>
-                          <a:latin typeface="Segoe UI" panose="020B0502040204020203" pitchFamily="34" charset="0"/>
-                          <a:ea typeface="+mn-ea"/>
-                          <a:cs typeface="Segoe UI" panose="020B0502040204020203" pitchFamily="34" charset="0"/>
-                        </a:rPr>
-                        <a:t>864</a:t>
-                      </a:r>
-                      <a:endParaRPr kumimoji="0" lang="en-US" sz="1200" b="0" i="0" u="none" strike="noStrike" kern="1200" cap="none" spc="0" normalizeH="0" baseline="0" noProof="0" dirty="0">
-                        <a:ln>
-                          <a:noFill/>
-                        </a:ln>
-                        <a:solidFill>
-                          <a:schemeClr val="tx1"/>
-                        </a:solidFill>
-                        <a:effectLst/>
-                        <a:uLnTx/>
-                        <a:uFillTx/>
-                        <a:latin typeface="Segoe UI" panose="020B0502040204020203" pitchFamily="34" charset="0"/>
-                        <a:ea typeface="+mn-ea"/>
-                        <a:cs typeface="Segoe UI" panose="020B0502040204020203" pitchFamily="34" charset="0"/>
-                      </a:endParaRPr>
-                    </a:p>
-                  </a:txBody>
-                  <a:tcPr anchor="ctr"/>
-                </a:tc>
-                <a:tc>
-                  <a:txBody>
-                    <a:bodyPr/>
-                    <a:lstStyle/>
-                    <a:p>
-                      <a:pPr marL="0" marR="0" lvl="0" indent="0" algn="ctr" defTabSz="914400" rtl="0" eaLnBrk="1" fontAlgn="auto" latinLnBrk="0" hangingPunct="1">
-                        <a:lnSpc>
-                          <a:spcPct val="100000"/>
-                        </a:lnSpc>
-                        <a:spcBef>
-                          <a:spcPct val="0"/>
-                        </a:spcBef>
-                        <a:spcAft>
-                          <a:spcPct val="0"/>
-                        </a:spcAft>
-                        <a:buClrTx/>
-                        <a:buSzTx/>
-                        <a:buFontTx/>
-                        <a:buNone/>
-                        <a:defRPr/>
-                      </a:pPr>
-                      <a:r>
-                        <a:rPr lang="en-US" sz="1200" b="0" baseline="0" dirty="0" err="1" smtClean="0">
-                          <a:solidFill>
-                            <a:schemeClr val="tx1"/>
-                          </a:solidFill>
-                          <a:latin typeface="Segoe UI" panose="020B0502040204020203" pitchFamily="34" charset="0"/>
-                          <a:cs typeface="Segoe UI" panose="020B0502040204020203" pitchFamily="34" charset="0"/>
-                        </a:rPr>
-                        <a:t>LibDisplay</a:t>
-                      </a:r>
-                      <a:endParaRPr kumimoji="0" lang="en-US" sz="1200" b="0" i="0" u="none" strike="noStrike" kern="1200" cap="none" spc="0" normalizeH="0" baseline="0" noProof="0" dirty="0">
-                        <a:ln>
-                          <a:noFill/>
-                        </a:ln>
-                        <a:solidFill>
-                          <a:schemeClr val="tx1"/>
-                        </a:solidFill>
-                        <a:effectLst/>
-                        <a:uLnTx/>
-                        <a:uFillTx/>
-                        <a:latin typeface="Segoe UI" panose="020B0502040204020203" pitchFamily="34" charset="0"/>
-                        <a:ea typeface="+mn-ea"/>
-                        <a:cs typeface="Segoe UI" panose="020B0502040204020203" pitchFamily="34" charset="0"/>
-                      </a:endParaRPr>
-                    </a:p>
-                  </a:txBody>
-                  <a:tcPr anchor="ctr"/>
-                </a:tc>
-                <a:tc>
-                  <a:txBody>
-                    <a:bodyPr/>
-                    <a:lstStyle/>
-                    <a:p>
-                      <a:pPr algn="r" rtl="1"/>
-                      <a:r>
-                        <a:rPr lang="he-IL" sz="1200" b="0" dirty="0" smtClean="0">
-                          <a:solidFill>
-                            <a:schemeClr val="tx1"/>
-                          </a:solidFill>
-                          <a:latin typeface="Segoe UI" panose="020B0502040204020203" pitchFamily="34" charset="0"/>
-                          <a:cs typeface="Segoe UI" panose="020B0502040204020203" pitchFamily="34" charset="0"/>
-                        </a:rPr>
-                        <a:t>ייצוא</a:t>
-                      </a:r>
-                      <a:r>
-                        <a:rPr lang="he-IL" sz="1200" b="0" baseline="0" dirty="0" smtClean="0">
-                          <a:solidFill>
-                            <a:schemeClr val="tx1"/>
-                          </a:solidFill>
-                          <a:latin typeface="Segoe UI" panose="020B0502040204020203" pitchFamily="34" charset="0"/>
-                          <a:cs typeface="Segoe UI" panose="020B0502040204020203" pitchFamily="34" charset="0"/>
-                        </a:rPr>
-                        <a:t> נתוני </a:t>
-                      </a:r>
-                      <a:r>
-                        <a:rPr lang="en-US" sz="1200" b="0" baseline="0" dirty="0" err="1" smtClean="0">
-                          <a:solidFill>
-                            <a:schemeClr val="tx1"/>
-                          </a:solidFill>
-                          <a:latin typeface="Segoe UI" panose="020B0502040204020203" pitchFamily="34" charset="0"/>
-                          <a:cs typeface="Segoe UI" panose="020B0502040204020203" pitchFamily="34" charset="0"/>
-                        </a:rPr>
-                        <a:t>LibDisplay</a:t>
-                      </a:r>
-                      <a:r>
-                        <a:rPr lang="en-US" sz="1200" b="0" baseline="0" dirty="0" smtClean="0">
-                          <a:solidFill>
-                            <a:schemeClr val="tx1"/>
-                          </a:solidFill>
-                          <a:latin typeface="Segoe UI" panose="020B0502040204020203" pitchFamily="34" charset="0"/>
-                          <a:cs typeface="Segoe UI" panose="020B0502040204020203" pitchFamily="34" charset="0"/>
-                        </a:rPr>
-                        <a:t> </a:t>
-                      </a:r>
-                      <a:r>
-                        <a:rPr lang="he-IL" sz="1200" b="0" baseline="0" dirty="0" smtClean="0">
-                          <a:solidFill>
-                            <a:schemeClr val="tx1"/>
-                          </a:solidFill>
-                          <a:latin typeface="Segoe UI" panose="020B0502040204020203" pitchFamily="34" charset="0"/>
-                          <a:cs typeface="Segoe UI" panose="020B0502040204020203" pitchFamily="34" charset="0"/>
-                        </a:rPr>
-                        <a:t> </a:t>
-                      </a:r>
-                      <a:r>
-                        <a:rPr lang="en-US" sz="1200" b="0" baseline="0" dirty="0" smtClean="0">
-                          <a:solidFill>
-                            <a:schemeClr val="tx1"/>
-                          </a:solidFill>
-                          <a:latin typeface="Segoe UI" panose="020B0502040204020203" pitchFamily="34" charset="0"/>
-                          <a:cs typeface="Segoe UI" panose="020B0502040204020203" pitchFamily="34" charset="0"/>
-                        </a:rPr>
-                        <a:t> </a:t>
-                      </a:r>
-                      <a:r>
-                        <a:rPr lang="he-IL" sz="1200" b="0" baseline="0" dirty="0" smtClean="0">
-                          <a:solidFill>
-                            <a:schemeClr val="tx1"/>
-                          </a:solidFill>
-                          <a:latin typeface="Segoe UI" panose="020B0502040204020203" pitchFamily="34" charset="0"/>
-                          <a:cs typeface="Segoe UI" panose="020B0502040204020203" pitchFamily="34" charset="0"/>
-                        </a:rPr>
-                        <a:t>מתאריך 27/12/2021</a:t>
-                      </a:r>
-                      <a:endParaRPr lang="en-US" sz="1200" b="0" dirty="0">
-                        <a:solidFill>
-                          <a:schemeClr val="tx1"/>
-                        </a:solidFill>
-                        <a:latin typeface="Segoe UI" panose="020B0502040204020203" pitchFamily="34" charset="0"/>
-                        <a:cs typeface="Segoe UI" panose="020B0502040204020203" pitchFamily="34" charset="0"/>
-                      </a:endParaRPr>
-                    </a:p>
-                  </a:txBody>
-                  <a:tcPr anchor="ctr"/>
-                </a:tc>
-                <a:tc>
-                  <a:txBody>
-                    <a:bodyPr/>
-                    <a:lstStyle/>
-                    <a:p>
-                      <a:pPr algn="ctr" rtl="0"/>
-                      <a:r>
-                        <a:rPr lang="en-US" sz="1200" b="0" dirty="0" smtClean="0">
-                          <a:solidFill>
-                            <a:schemeClr val="tx1"/>
-                          </a:solidFill>
-                          <a:latin typeface="Segoe UI" panose="020B0502040204020203" pitchFamily="34" charset="0"/>
-                          <a:cs typeface="Segoe UI" panose="020B0502040204020203" pitchFamily="34" charset="0"/>
-                          <a:hlinkClick r:id="rId2" action="ppaction://hlinkfile"/>
-                        </a:rPr>
-                        <a:t>judgment_LibDisplay27-12-21</a:t>
-                      </a:r>
-                      <a:endParaRPr lang="en-US" sz="1200" b="0" dirty="0">
-                        <a:solidFill>
-                          <a:schemeClr val="tx1"/>
-                        </a:solidFill>
-                        <a:latin typeface="Segoe UI" panose="020B0502040204020203" pitchFamily="34" charset="0"/>
-                        <a:cs typeface="Segoe UI" panose="020B0502040204020203" pitchFamily="34" charset="0"/>
-                      </a:endParaRPr>
-                    </a:p>
-                  </a:txBody>
-                  <a:tcPr anchor="ctr"/>
-                </a:tc>
-                <a:tc>
-                  <a:txBody>
-                    <a:bodyPr/>
-                    <a:lstStyle/>
-                    <a:p>
-                      <a:pPr algn="r"/>
-                      <a:r>
-                        <a:rPr lang="en-US" sz="1200" b="0" dirty="0" smtClean="0">
-                          <a:solidFill>
-                            <a:schemeClr val="tx1"/>
-                          </a:solidFill>
-                          <a:latin typeface="Segoe UI" panose="020B0502040204020203" pitchFamily="34" charset="0"/>
-                          <a:cs typeface="Segoe UI" panose="020B0502040204020203" pitchFamily="34" charset="0"/>
-                        </a:rPr>
-                        <a:t>Table</a:t>
-                      </a:r>
-                      <a:endParaRPr lang="en-US" sz="1200" b="0" dirty="0">
-                        <a:solidFill>
-                          <a:schemeClr val="tx1"/>
-                        </a:solidFill>
-                        <a:latin typeface="Segoe UI" panose="020B0502040204020203" pitchFamily="34" charset="0"/>
-                        <a:cs typeface="Segoe UI" panose="020B0502040204020203" pitchFamily="34" charset="0"/>
-                      </a:endParaRPr>
-                    </a:p>
-                  </a:txBody>
-                  <a:tcPr anchor="ctr"/>
-                </a:tc>
-                <a:extLst>
-                  <a:ext uri="{0D108BD9-81ED-4DB2-BD59-A6C34878D82A}">
-                    <a16:rowId xmlns:a16="http://schemas.microsoft.com/office/drawing/2014/main" val="3968481201"/>
-                  </a:ext>
-                </a:extLst>
-              </a:tr>
-              <a:tr h="764545">
-                <a:tc rowSpan="2">
-                  <a:txBody>
-                    <a:bodyPr/>
-                    <a:lstStyle/>
-                    <a:p>
-                      <a:pPr marL="0" marR="0" lvl="0" indent="0" algn="ctr" defTabSz="914400" rtl="1" eaLnBrk="1" fontAlgn="auto" latinLnBrk="0" hangingPunct="1">
-                        <a:lnSpc>
-                          <a:spcPct val="100000"/>
-                        </a:lnSpc>
-                        <a:spcBef>
-                          <a:spcPct val="0"/>
-                        </a:spcBef>
-                        <a:spcAft>
-                          <a:spcPct val="0"/>
-                        </a:spcAft>
-                        <a:buClrTx/>
-                        <a:buSzTx/>
-                        <a:buFontTx/>
-                        <a:buNone/>
-                        <a:tabLst/>
-                        <a:defRPr/>
-                      </a:pPr>
-                      <a:r>
-                        <a:rPr lang="he-IL" sz="1200" b="0" dirty="0" smtClean="0">
-                          <a:solidFill>
-                            <a:schemeClr val="tx1"/>
-                          </a:solidFill>
-                          <a:latin typeface="Segoe UI" panose="020B0502040204020203" pitchFamily="34" charset="0"/>
-                          <a:cs typeface="Segoe UI" panose="020B0502040204020203" pitchFamily="34" charset="0"/>
-                        </a:rPr>
-                        <a:t>טבלאות זהות בתוכן אך שדות מעט שונים,</a:t>
-                      </a:r>
-                    </a:p>
-                    <a:p>
-                      <a:pPr marL="0" marR="0" lvl="0" indent="0" algn="ctr" defTabSz="914400" rtl="1" eaLnBrk="1" fontAlgn="auto" latinLnBrk="0" hangingPunct="1">
-                        <a:lnSpc>
-                          <a:spcPct val="100000"/>
-                        </a:lnSpc>
-                        <a:spcBef>
-                          <a:spcPct val="0"/>
-                        </a:spcBef>
-                        <a:spcAft>
-                          <a:spcPct val="0"/>
-                        </a:spcAft>
-                        <a:buClrTx/>
-                        <a:buSzTx/>
-                        <a:buFontTx/>
-                        <a:buNone/>
-                        <a:tabLst/>
-                        <a:defRPr/>
-                      </a:pPr>
-                      <a:r>
-                        <a:rPr lang="he-IL" sz="1200" b="0" dirty="0" smtClean="0">
-                          <a:solidFill>
-                            <a:schemeClr val="tx1"/>
-                          </a:solidFill>
-                          <a:latin typeface="Segoe UI" panose="020B0502040204020203" pitchFamily="34" charset="0"/>
-                          <a:cs typeface="Segoe UI" panose="020B0502040204020203" pitchFamily="34" charset="0"/>
-                        </a:rPr>
-                        <a:t>נעשה שימוש בשתיהן.</a:t>
-                      </a:r>
-                    </a:p>
-                  </a:txBody>
-                  <a:tcPr anchor="ctr"/>
-                </a:tc>
-                <a:tc>
-                  <a:txBody>
-                    <a:bodyPr/>
-                    <a:lstStyle/>
-                    <a:p>
-                      <a:pPr marL="0" marR="0" lvl="0" indent="0" algn="ctr" defTabSz="914400" rtl="0" eaLnBrk="1" fontAlgn="auto" latinLnBrk="0" hangingPunct="1">
-                        <a:lnSpc>
-                          <a:spcPct val="100000"/>
-                        </a:lnSpc>
-                        <a:spcBef>
-                          <a:spcPct val="0"/>
-                        </a:spcBef>
-                        <a:spcAft>
-                          <a:spcPct val="0"/>
-                        </a:spcAft>
-                        <a:buClrTx/>
-                        <a:buSzTx/>
-                        <a:buFontTx/>
-                        <a:buNone/>
-                        <a:defRPr/>
-                      </a:pPr>
-                      <a:r>
-                        <a:rPr kumimoji="0" lang="he-IL" sz="1200" b="0" i="0" u="none" strike="noStrike" kern="1200" cap="none" spc="0" normalizeH="0" baseline="0" noProof="0" dirty="0" smtClean="0">
-                          <a:ln>
-                            <a:noFill/>
-                          </a:ln>
-                          <a:solidFill>
-                            <a:schemeClr val="tx1"/>
-                          </a:solidFill>
-                          <a:effectLst/>
-                          <a:uLnTx/>
-                          <a:uFillTx/>
-                          <a:latin typeface="Segoe UI" panose="020B0502040204020203" pitchFamily="34" charset="0"/>
-                          <a:ea typeface="+mn-ea"/>
-                          <a:cs typeface="Segoe UI" panose="020B0502040204020203" pitchFamily="34" charset="0"/>
-                        </a:rPr>
-                        <a:t>871</a:t>
-                      </a:r>
-                      <a:endParaRPr kumimoji="0" lang="en-US" sz="1200" b="0" i="0" u="none" strike="noStrike" kern="1200" cap="none" spc="0" normalizeH="0" baseline="0" noProof="0" dirty="0">
-                        <a:ln>
-                          <a:noFill/>
-                        </a:ln>
-                        <a:solidFill>
-                          <a:schemeClr val="tx1"/>
-                        </a:solidFill>
-                        <a:effectLst/>
-                        <a:uLnTx/>
-                        <a:uFillTx/>
-                        <a:latin typeface="Segoe UI" panose="020B0502040204020203" pitchFamily="34" charset="0"/>
-                        <a:ea typeface="+mn-ea"/>
-                        <a:cs typeface="Segoe UI" panose="020B0502040204020203" pitchFamily="34" charset="0"/>
-                      </a:endParaRPr>
-                    </a:p>
-                  </a:txBody>
-                  <a:tcPr anchor="ctr"/>
-                </a:tc>
-                <a:tc>
-                  <a:txBody>
-                    <a:bodyPr/>
-                    <a:lstStyle/>
-                    <a:p>
-                      <a:pPr marL="0" marR="0" lvl="0" indent="0" algn="ctr" defTabSz="914400" rtl="0" eaLnBrk="1" fontAlgn="auto" latinLnBrk="0" hangingPunct="1">
-                        <a:lnSpc>
-                          <a:spcPct val="100000"/>
-                        </a:lnSpc>
-                        <a:spcBef>
-                          <a:spcPct val="0"/>
-                        </a:spcBef>
-                        <a:spcAft>
-                          <a:spcPct val="0"/>
-                        </a:spcAft>
-                        <a:buClrTx/>
-                        <a:buSzTx/>
-                        <a:buFontTx/>
-                        <a:buNone/>
-                        <a:defRPr/>
-                      </a:pPr>
-                      <a:r>
-                        <a:rPr lang="en-US" sz="1200" b="0" baseline="0" dirty="0" err="1" smtClean="0">
-                          <a:solidFill>
-                            <a:schemeClr val="tx1"/>
-                          </a:solidFill>
-                          <a:latin typeface="Segoe UI" panose="020B0502040204020203" pitchFamily="34" charset="0"/>
-                          <a:cs typeface="Segoe UI" panose="020B0502040204020203" pitchFamily="34" charset="0"/>
-                        </a:rPr>
-                        <a:t>WebDisplay</a:t>
-                      </a:r>
-                      <a:endParaRPr kumimoji="0" lang="en-US" sz="1200" b="0" i="0" u="none" strike="noStrike" kern="1200" cap="none" spc="0" normalizeH="0" baseline="0" noProof="0" dirty="0">
-                        <a:ln>
-                          <a:noFill/>
-                        </a:ln>
-                        <a:solidFill>
-                          <a:schemeClr val="tx1"/>
-                        </a:solidFill>
-                        <a:effectLst/>
-                        <a:uLnTx/>
-                        <a:uFillTx/>
-                        <a:latin typeface="Segoe UI" panose="020B0502040204020203" pitchFamily="34" charset="0"/>
-                        <a:ea typeface="+mn-ea"/>
-                        <a:cs typeface="Segoe UI" panose="020B0502040204020203" pitchFamily="34" charset="0"/>
-                      </a:endParaRPr>
-                    </a:p>
-                  </a:txBody>
-                  <a:tcPr anchor="ctr"/>
-                </a:tc>
-                <a:tc>
-                  <a:txBody>
-                    <a:bodyPr/>
-                    <a:lstStyle/>
-                    <a:p>
-                      <a:pPr marL="0" marR="0" lvl="0" indent="0" algn="r" defTabSz="914400" rtl="1" eaLnBrk="1" fontAlgn="auto" latinLnBrk="0" hangingPunct="1">
-                        <a:lnSpc>
-                          <a:spcPct val="100000"/>
-                        </a:lnSpc>
-                        <a:spcBef>
-                          <a:spcPts val="0"/>
-                        </a:spcBef>
-                        <a:spcAft>
-                          <a:spcPts val="0"/>
-                        </a:spcAft>
-                        <a:buClrTx/>
-                        <a:buSzTx/>
-                        <a:buFontTx/>
-                        <a:buNone/>
-                        <a:tabLst/>
-                        <a:defRPr/>
-                      </a:pPr>
-                      <a:r>
-                        <a:rPr lang="he-IL" sz="1200" b="0" dirty="0" smtClean="0">
-                          <a:solidFill>
-                            <a:schemeClr val="tx1"/>
-                          </a:solidFill>
-                          <a:latin typeface="Segoe UI" panose="020B0502040204020203" pitchFamily="34" charset="0"/>
-                          <a:cs typeface="Segoe UI" panose="020B0502040204020203" pitchFamily="34" charset="0"/>
-                        </a:rPr>
-                        <a:t>ייצוא</a:t>
-                      </a:r>
-                      <a:r>
-                        <a:rPr lang="he-IL" sz="1200" b="0" baseline="0" dirty="0" smtClean="0">
-                          <a:solidFill>
-                            <a:schemeClr val="tx1"/>
-                          </a:solidFill>
-                          <a:latin typeface="Segoe UI" panose="020B0502040204020203" pitchFamily="34" charset="0"/>
-                          <a:cs typeface="Segoe UI" panose="020B0502040204020203" pitchFamily="34" charset="0"/>
-                        </a:rPr>
-                        <a:t> נתוני </a:t>
-                      </a:r>
-                      <a:r>
-                        <a:rPr lang="en-US" sz="1200" b="0" baseline="0" dirty="0" err="1" smtClean="0">
-                          <a:solidFill>
-                            <a:schemeClr val="tx1"/>
-                          </a:solidFill>
-                          <a:latin typeface="Segoe UI" panose="020B0502040204020203" pitchFamily="34" charset="0"/>
-                          <a:cs typeface="Segoe UI" panose="020B0502040204020203" pitchFamily="34" charset="0"/>
-                        </a:rPr>
-                        <a:t>WebDisplay</a:t>
-                      </a:r>
-                      <a:r>
-                        <a:rPr lang="en-US" sz="1200" b="0" baseline="0" dirty="0" smtClean="0">
-                          <a:solidFill>
-                            <a:schemeClr val="tx1"/>
-                          </a:solidFill>
-                          <a:latin typeface="Segoe UI" panose="020B0502040204020203" pitchFamily="34" charset="0"/>
-                          <a:cs typeface="Segoe UI" panose="020B0502040204020203" pitchFamily="34" charset="0"/>
-                        </a:rPr>
-                        <a:t> </a:t>
-                      </a:r>
-                      <a:r>
-                        <a:rPr lang="he-IL" sz="1200" b="0" baseline="0" dirty="0" smtClean="0">
-                          <a:solidFill>
-                            <a:schemeClr val="tx1"/>
-                          </a:solidFill>
-                          <a:latin typeface="Segoe UI" panose="020B0502040204020203" pitchFamily="34" charset="0"/>
-                          <a:cs typeface="Segoe UI" panose="020B0502040204020203" pitchFamily="34" charset="0"/>
-                        </a:rPr>
-                        <a:t> </a:t>
-                      </a:r>
-                      <a:r>
-                        <a:rPr lang="en-US" sz="1200" b="0" baseline="0" dirty="0" smtClean="0">
-                          <a:solidFill>
-                            <a:schemeClr val="tx1"/>
-                          </a:solidFill>
-                          <a:latin typeface="Segoe UI" panose="020B0502040204020203" pitchFamily="34" charset="0"/>
-                          <a:cs typeface="Segoe UI" panose="020B0502040204020203" pitchFamily="34" charset="0"/>
-                        </a:rPr>
-                        <a:t> </a:t>
-                      </a:r>
-                      <a:r>
-                        <a:rPr lang="he-IL" sz="1200" b="0" baseline="0" dirty="0" smtClean="0">
-                          <a:solidFill>
-                            <a:schemeClr val="tx1"/>
-                          </a:solidFill>
-                          <a:latin typeface="Segoe UI" panose="020B0502040204020203" pitchFamily="34" charset="0"/>
-                          <a:cs typeface="Segoe UI" panose="020B0502040204020203" pitchFamily="34" charset="0"/>
-                        </a:rPr>
-                        <a:t>מתאריך 27/12/2021</a:t>
-                      </a:r>
-                      <a:endParaRPr lang="en-US" sz="1200" b="0" dirty="0" smtClean="0">
-                        <a:solidFill>
-                          <a:schemeClr val="tx1"/>
-                        </a:solidFill>
-                        <a:latin typeface="Segoe UI" panose="020B0502040204020203" pitchFamily="34" charset="0"/>
-                        <a:cs typeface="Segoe UI" panose="020B0502040204020203" pitchFamily="34" charset="0"/>
-                      </a:endParaRPr>
-                    </a:p>
-                    <a:p>
-                      <a:pPr algn="r" rtl="1"/>
-                      <a:endParaRPr lang="en-US" sz="1200" b="0" dirty="0">
-                        <a:solidFill>
-                          <a:schemeClr val="tx1"/>
-                        </a:solidFill>
-                        <a:latin typeface="Segoe UI" panose="020B0502040204020203" pitchFamily="34" charset="0"/>
-                        <a:cs typeface="Segoe UI" panose="020B0502040204020203" pitchFamily="34" charset="0"/>
-                      </a:endParaRPr>
-                    </a:p>
-                  </a:txBody>
-                  <a:tcPr anchor="ctr"/>
-                </a:tc>
-                <a:tc>
-                  <a:txBody>
-                    <a:bodyPr/>
-                    <a:lstStyle/>
-                    <a:p>
-                      <a:pPr algn="ctr" rtl="0"/>
-                      <a:r>
-                        <a:rPr lang="en-US" sz="1200" b="0" dirty="0" smtClean="0">
-                          <a:solidFill>
-                            <a:schemeClr val="tx1"/>
-                          </a:solidFill>
-                          <a:latin typeface="Segoe UI" panose="020B0502040204020203" pitchFamily="34" charset="0"/>
-                          <a:cs typeface="Segoe UI" panose="020B0502040204020203" pitchFamily="34" charset="0"/>
-                          <a:hlinkClick r:id="rId3" action="ppaction://hlinkfile"/>
-                        </a:rPr>
-                        <a:t>judgment_WebDisplay27-12-21</a:t>
-                      </a:r>
-                      <a:endParaRPr lang="en-US" sz="1200" b="0" dirty="0">
-                        <a:solidFill>
-                          <a:schemeClr val="tx1"/>
-                        </a:solidFill>
-                        <a:latin typeface="Segoe UI" panose="020B0502040204020203" pitchFamily="34" charset="0"/>
-                        <a:cs typeface="Segoe UI" panose="020B0502040204020203" pitchFamily="34" charset="0"/>
-                      </a:endParaRPr>
-                    </a:p>
-                  </a:txBody>
-                  <a:tcPr anchor="ctr"/>
-                </a:tc>
-                <a:tc>
-                  <a:txBody>
-                    <a:bodyPr/>
-                    <a:lstStyle/>
-                    <a:p>
-                      <a:pPr algn="r"/>
-                      <a:r>
-                        <a:rPr lang="en-US" sz="1200" b="0" dirty="0" smtClean="0">
-                          <a:solidFill>
-                            <a:schemeClr val="tx1"/>
-                          </a:solidFill>
-                          <a:latin typeface="Segoe UI" panose="020B0502040204020203" pitchFamily="34" charset="0"/>
-                          <a:cs typeface="Segoe UI" panose="020B0502040204020203" pitchFamily="34" charset="0"/>
-                        </a:rPr>
-                        <a:t>Table</a:t>
-                      </a:r>
-                      <a:endParaRPr lang="en-US" sz="1200" b="0" dirty="0">
-                        <a:solidFill>
-                          <a:schemeClr val="tx1"/>
-                        </a:solidFill>
-                        <a:latin typeface="Segoe UI" panose="020B0502040204020203" pitchFamily="34" charset="0"/>
-                        <a:cs typeface="Segoe UI" panose="020B0502040204020203" pitchFamily="34" charset="0"/>
-                      </a:endParaRPr>
-                    </a:p>
-                  </a:txBody>
-                  <a:tcPr anchor="ctr"/>
-                </a:tc>
-                <a:extLst>
-                  <a:ext uri="{0D108BD9-81ED-4DB2-BD59-A6C34878D82A}">
-                    <a16:rowId xmlns:a16="http://schemas.microsoft.com/office/drawing/2014/main" val="389231681"/>
-                  </a:ext>
-                </a:extLst>
-              </a:tr>
-              <a:tr h="764545">
-                <a:tc vMerge="1">
-                  <a:txBody>
-                    <a:bodyPr/>
-                    <a:lstStyle/>
-                    <a:p>
-                      <a:pPr marL="0" marR="0" lvl="0" indent="0" algn="r" defTabSz="914400" rtl="1" eaLnBrk="1" fontAlgn="auto" latinLnBrk="0" hangingPunct="1">
-                        <a:lnSpc>
-                          <a:spcPct val="100000"/>
-                        </a:lnSpc>
-                        <a:spcBef>
-                          <a:spcPct val="0"/>
-                        </a:spcBef>
-                        <a:spcAft>
-                          <a:spcPct val="0"/>
-                        </a:spcAft>
-                        <a:buClrTx/>
-                        <a:buSzTx/>
-                        <a:buFontTx/>
-                        <a:buNone/>
-                        <a:tabLst/>
-                        <a:defRPr/>
-                      </a:pPr>
-                      <a:endParaRPr lang="he-IL" sz="1400" b="0" dirty="0" smtClean="0">
-                        <a:solidFill>
-                          <a:schemeClr val="tx1"/>
-                        </a:solidFill>
-                        <a:latin typeface="Calibri" panose="020F0502020204030204" pitchFamily="34" charset="0"/>
-                        <a:cs typeface="Calibri" panose="020F0502020204030204" pitchFamily="34" charset="0"/>
-                      </a:endParaRPr>
-                    </a:p>
-                  </a:txBody>
-                  <a:tcPr anchor="ctr"/>
-                </a:tc>
-                <a:tc>
-                  <a:txBody>
-                    <a:bodyPr/>
-                    <a:lstStyle/>
-                    <a:p>
-                      <a:pPr marL="0" marR="0" lvl="0" indent="0" algn="ctr" defTabSz="914400" rtl="0" eaLnBrk="1" fontAlgn="auto" latinLnBrk="0" hangingPunct="1">
-                        <a:lnSpc>
-                          <a:spcPct val="100000"/>
-                        </a:lnSpc>
-                        <a:spcBef>
-                          <a:spcPct val="0"/>
-                        </a:spcBef>
-                        <a:spcAft>
-                          <a:spcPct val="0"/>
-                        </a:spcAft>
-                        <a:buClrTx/>
-                        <a:buSzTx/>
-                        <a:buFontTx/>
-                        <a:buNone/>
-                        <a:defRPr/>
-                      </a:pPr>
-                      <a:r>
-                        <a:rPr kumimoji="0" lang="en-US" sz="1200" b="0" i="0" u="none" strike="noStrike" kern="1200" cap="none" spc="0" normalizeH="0" baseline="0" noProof="0" dirty="0" smtClean="0">
-                          <a:ln>
-                            <a:noFill/>
-                          </a:ln>
-                          <a:solidFill>
-                            <a:schemeClr val="tx1"/>
-                          </a:solidFill>
-                          <a:effectLst/>
-                          <a:uLnTx/>
-                          <a:uFillTx/>
-                          <a:latin typeface="Segoe UI" panose="020B0502040204020203" pitchFamily="34" charset="0"/>
-                          <a:ea typeface="+mn-ea"/>
-                          <a:cs typeface="Segoe UI" panose="020B0502040204020203" pitchFamily="34" charset="0"/>
-                        </a:rPr>
-                        <a:t>871</a:t>
-                      </a:r>
-                      <a:endParaRPr kumimoji="0" lang="en-US" sz="1200" b="0" i="0" u="none" strike="noStrike" kern="1200" cap="none" spc="0" normalizeH="0" baseline="0" noProof="0" dirty="0">
-                        <a:ln>
-                          <a:noFill/>
-                        </a:ln>
-                        <a:solidFill>
-                          <a:schemeClr val="tx1"/>
-                        </a:solidFill>
-                        <a:effectLst/>
-                        <a:uLnTx/>
-                        <a:uFillTx/>
-                        <a:latin typeface="Segoe UI" panose="020B0502040204020203" pitchFamily="34" charset="0"/>
-                        <a:ea typeface="+mn-ea"/>
-                        <a:cs typeface="Segoe UI" panose="020B0502040204020203" pitchFamily="34" charset="0"/>
-                      </a:endParaRPr>
-                    </a:p>
-                  </a:txBody>
-                  <a:tcPr anchor="ctr"/>
-                </a:tc>
-                <a:tc>
-                  <a:txBody>
-                    <a:bodyPr/>
-                    <a:lstStyle/>
-                    <a:p>
-                      <a:pPr marL="0" marR="0" lvl="0" indent="0" algn="ctr" defTabSz="914400" rtl="0" eaLnBrk="1" fontAlgn="auto" latinLnBrk="0" hangingPunct="1">
-                        <a:lnSpc>
-                          <a:spcPct val="100000"/>
-                        </a:lnSpc>
-                        <a:spcBef>
-                          <a:spcPct val="0"/>
-                        </a:spcBef>
-                        <a:spcAft>
-                          <a:spcPct val="0"/>
-                        </a:spcAft>
-                        <a:buClrTx/>
-                        <a:buSzTx/>
-                        <a:buFontTx/>
-                        <a:buNone/>
-                        <a:defRPr/>
-                      </a:pPr>
-                      <a:r>
-                        <a:rPr lang="en-US" sz="1200" b="0" baseline="0" dirty="0" smtClean="0">
-                          <a:solidFill>
-                            <a:schemeClr val="tx1"/>
-                          </a:solidFill>
-                          <a:latin typeface="Segoe UI" panose="020B0502040204020203" pitchFamily="34" charset="0"/>
-                          <a:cs typeface="Segoe UI" panose="020B0502040204020203" pitchFamily="34" charset="0"/>
-                        </a:rPr>
-                        <a:t>Oracle</a:t>
-                      </a:r>
-                      <a:endParaRPr kumimoji="0" lang="en-US" sz="1200" b="0" i="0" u="none" strike="noStrike" kern="1200" cap="none" spc="0" normalizeH="0" baseline="0" noProof="0" dirty="0">
-                        <a:ln>
-                          <a:noFill/>
-                        </a:ln>
-                        <a:solidFill>
-                          <a:schemeClr val="tx1"/>
-                        </a:solidFill>
-                        <a:effectLst/>
-                        <a:uLnTx/>
-                        <a:uFillTx/>
-                        <a:latin typeface="Segoe UI" panose="020B0502040204020203" pitchFamily="34" charset="0"/>
-                        <a:ea typeface="+mn-ea"/>
-                        <a:cs typeface="Segoe UI" panose="020B0502040204020203" pitchFamily="34" charset="0"/>
-                      </a:endParaRPr>
-                    </a:p>
-                  </a:txBody>
-                  <a:tcPr anchor="ctr"/>
-                </a:tc>
-                <a:tc>
-                  <a:txBody>
-                    <a:bodyPr/>
-                    <a:lstStyle/>
-                    <a:p>
-                      <a:pPr marL="0" marR="0" lvl="0" indent="0" algn="r" defTabSz="914400" rtl="1" eaLnBrk="1" fontAlgn="auto" latinLnBrk="0" hangingPunct="1">
-                        <a:lnSpc>
-                          <a:spcPct val="100000"/>
-                        </a:lnSpc>
-                        <a:spcBef>
-                          <a:spcPts val="0"/>
-                        </a:spcBef>
-                        <a:spcAft>
-                          <a:spcPts val="0"/>
-                        </a:spcAft>
-                        <a:buClrTx/>
-                        <a:buSzTx/>
-                        <a:buFontTx/>
-                        <a:buNone/>
-                        <a:tabLst/>
-                        <a:defRPr/>
-                      </a:pPr>
-                      <a:r>
-                        <a:rPr lang="he-IL" sz="1200" b="0" dirty="0" smtClean="0">
-                          <a:solidFill>
-                            <a:schemeClr val="tx1"/>
-                          </a:solidFill>
-                          <a:latin typeface="Segoe UI" panose="020B0502040204020203" pitchFamily="34" charset="0"/>
-                          <a:cs typeface="Segoe UI" panose="020B0502040204020203" pitchFamily="34" charset="0"/>
-                        </a:rPr>
-                        <a:t>ייצוא</a:t>
-                      </a:r>
-                      <a:r>
-                        <a:rPr lang="he-IL" sz="1200" b="0" baseline="0" dirty="0" smtClean="0">
-                          <a:solidFill>
-                            <a:schemeClr val="tx1"/>
-                          </a:solidFill>
-                          <a:latin typeface="Segoe UI" panose="020B0502040204020203" pitchFamily="34" charset="0"/>
-                          <a:cs typeface="Segoe UI" panose="020B0502040204020203" pitchFamily="34" charset="0"/>
-                        </a:rPr>
-                        <a:t> נתוני </a:t>
-                      </a:r>
-                      <a:r>
-                        <a:rPr lang="en-US" sz="1200" b="0" baseline="0" dirty="0" smtClean="0">
-                          <a:solidFill>
-                            <a:schemeClr val="tx1"/>
-                          </a:solidFill>
-                          <a:latin typeface="Segoe UI" panose="020B0502040204020203" pitchFamily="34" charset="0"/>
-                          <a:cs typeface="Segoe UI" panose="020B0502040204020203" pitchFamily="34" charset="0"/>
-                        </a:rPr>
-                        <a:t> Oracle</a:t>
-                      </a:r>
-                      <a:r>
-                        <a:rPr lang="he-IL" sz="1200" b="0" baseline="0" dirty="0" smtClean="0">
-                          <a:solidFill>
-                            <a:schemeClr val="tx1"/>
-                          </a:solidFill>
-                          <a:latin typeface="Segoe UI" panose="020B0502040204020203" pitchFamily="34" charset="0"/>
-                          <a:cs typeface="Segoe UI" panose="020B0502040204020203" pitchFamily="34" charset="0"/>
-                        </a:rPr>
-                        <a:t>מתאריך 27/12/2021</a:t>
-                      </a:r>
-                      <a:endParaRPr lang="en-US" sz="1200" b="0" dirty="0" smtClean="0">
-                        <a:solidFill>
-                          <a:schemeClr val="tx1"/>
-                        </a:solidFill>
-                        <a:latin typeface="Segoe UI" panose="020B0502040204020203" pitchFamily="34" charset="0"/>
-                        <a:cs typeface="Segoe UI" panose="020B0502040204020203" pitchFamily="34" charset="0"/>
-                      </a:endParaRPr>
-                    </a:p>
-                    <a:p>
-                      <a:pPr algn="r" rtl="1"/>
-                      <a:endParaRPr lang="en-US" sz="1200" b="0" dirty="0">
-                        <a:solidFill>
-                          <a:schemeClr val="tx1"/>
-                        </a:solidFill>
-                        <a:latin typeface="Segoe UI" panose="020B0502040204020203" pitchFamily="34" charset="0"/>
-                        <a:cs typeface="Segoe UI" panose="020B0502040204020203" pitchFamily="34" charset="0"/>
-                      </a:endParaRPr>
-                    </a:p>
-                  </a:txBody>
-                  <a:tcPr anchor="ctr"/>
-                </a:tc>
-                <a:tc>
-                  <a:txBody>
-                    <a:bodyPr/>
-                    <a:lstStyle/>
-                    <a:p>
-                      <a:pPr algn="ctr" rtl="0"/>
-                      <a:r>
-                        <a:rPr lang="en-US" sz="1200" b="0" dirty="0" smtClean="0">
-                          <a:solidFill>
-                            <a:schemeClr val="tx1"/>
-                          </a:solidFill>
-                          <a:latin typeface="Segoe UI" panose="020B0502040204020203" pitchFamily="34" charset="0"/>
-                          <a:cs typeface="Segoe UI" panose="020B0502040204020203" pitchFamily="34" charset="0"/>
-                          <a:hlinkClick r:id="rId4" action="ppaction://hlinkfile"/>
-                        </a:rPr>
-                        <a:t>psak_din_export_27122021</a:t>
-                      </a:r>
-                      <a:endParaRPr lang="en-US" sz="1200" b="0" dirty="0">
-                        <a:solidFill>
-                          <a:schemeClr val="tx1"/>
-                        </a:solidFill>
-                        <a:latin typeface="Segoe UI" panose="020B0502040204020203" pitchFamily="34" charset="0"/>
-                        <a:cs typeface="Segoe UI" panose="020B0502040204020203" pitchFamily="34" charset="0"/>
-                      </a:endParaRPr>
-                    </a:p>
-                  </a:txBody>
-                  <a:tcPr anchor="ctr"/>
-                </a:tc>
-                <a:tc>
-                  <a:txBody>
-                    <a:bodyPr/>
-                    <a:lstStyle/>
-                    <a:p>
-                      <a:pPr algn="r"/>
-                      <a:r>
-                        <a:rPr lang="en-US" sz="1200" b="0" dirty="0" smtClean="0">
-                          <a:solidFill>
-                            <a:schemeClr val="tx1"/>
-                          </a:solidFill>
-                          <a:latin typeface="Segoe UI" panose="020B0502040204020203" pitchFamily="34" charset="0"/>
-                          <a:cs typeface="Segoe UI" panose="020B0502040204020203" pitchFamily="34" charset="0"/>
-                        </a:rPr>
-                        <a:t>Table</a:t>
-                      </a:r>
-                      <a:endParaRPr lang="en-US" sz="1200" b="0" dirty="0">
-                        <a:solidFill>
-                          <a:schemeClr val="tx1"/>
-                        </a:solidFill>
-                        <a:latin typeface="Segoe UI" panose="020B0502040204020203" pitchFamily="34" charset="0"/>
-                        <a:cs typeface="Segoe UI" panose="020B0502040204020203" pitchFamily="34" charset="0"/>
-                      </a:endParaRPr>
-                    </a:p>
-                  </a:txBody>
-                  <a:tcPr anchor="ctr"/>
-                </a:tc>
-                <a:extLst>
-                  <a:ext uri="{0D108BD9-81ED-4DB2-BD59-A6C34878D82A}">
-                    <a16:rowId xmlns:a16="http://schemas.microsoft.com/office/drawing/2014/main" val="376139380"/>
-                  </a:ext>
-                </a:extLst>
-              </a:tr>
-            </a:tbl>
-          </a:graphicData>
-        </a:graphic>
-      </p:graphicFrame>
-      <p:sp>
-        <p:nvSpPr>
-          <p:cNvPr id="6" name="כותרת 1">
-            <a:extLst>
-              <a:ext uri="{FF2B5EF4-FFF2-40B4-BE49-F238E27FC236}">
-                <a16:creationId xmlns:a16="http://schemas.microsoft.com/office/drawing/2014/main" id="{ECC8760F-EA9E-47A2-A93F-1EAD44E763EE}"/>
-              </a:ext>
-            </a:extLst>
-          </p:cNvPr>
-          <p:cNvSpPr txBox="1"/>
-          <p:nvPr/>
-        </p:nvSpPr>
-        <p:spPr>
-          <a:xfrm>
-            <a:off x="571500" y="247799"/>
-            <a:ext cx="11043138" cy="622570"/>
-          </a:xfrm>
-          <a:prstGeom prst="rect">
-            <a:avLst/>
-          </a:prstGeom>
-          <a:noFill/>
-          <a:ln>
-            <a:noFill/>
-          </a:ln>
-          <a:effectLst/>
-        </p:spPr>
-        <p:txBody>
-          <a:bodyPr vert="horz" lIns="91440" tIns="45720" rIns="91440" bIns="45720" rtlCol="0" anchor="ctr">
-            <a:noAutofit/>
-          </a:bodyPr>
-          <a:lstStyle>
-            <a:defPPr>
-              <a:defRPr lang="en-US"/>
-            </a:defPPr>
-            <a:lvl1pPr algn="ctr" defTabSz="914400" rtl="1">
-              <a:lnSpc>
-                <a:spcPct val="90000"/>
-              </a:lnSpc>
-              <a:spcBef>
-                <a:spcPct val="0"/>
-              </a:spcBef>
-              <a:buNone/>
-              <a:defRPr sz="4400" b="1">
-                <a:solidFill>
-                  <a:schemeClr val="bg1"/>
-                </a:solidFill>
-                <a:latin typeface="+mj-lt"/>
-                <a:ea typeface="+mj-ea"/>
-              </a:defRPr>
-            </a:lvl1pPr>
-          </a:lstStyle>
-          <a:p>
-            <a:pPr algn="r"/>
-            <a:r>
-              <a:rPr lang="he-IL" sz="3600" dirty="0">
-                <a:solidFill>
-                  <a:srgbClr val="002060"/>
-                </a:solidFill>
-                <a:latin typeface="Calibri" panose="020F0502020204030204" pitchFamily="34" charset="0"/>
-                <a:cs typeface="Calibri" panose="020F0502020204030204" pitchFamily="34" charset="0"/>
-              </a:rPr>
-              <a:t>שכבות וטבלאות רלוונטיות</a:t>
-            </a:r>
-          </a:p>
-        </p:txBody>
-      </p:sp>
-      <p:sp>
-        <p:nvSpPr>
-          <p:cNvPr id="13" name="כותרת 1">
-            <a:extLst>
-              <a:ext uri="{FF2B5EF4-FFF2-40B4-BE49-F238E27FC236}">
-                <a16:creationId xmlns:a16="http://schemas.microsoft.com/office/drawing/2014/main" id="{ECC8760F-EA9E-47A2-A93F-1EAD44E763EE}"/>
-              </a:ext>
-            </a:extLst>
-          </p:cNvPr>
-          <p:cNvSpPr txBox="1"/>
-          <p:nvPr/>
-        </p:nvSpPr>
-        <p:spPr>
-          <a:xfrm>
-            <a:off x="6746035" y="3737851"/>
-            <a:ext cx="5148523" cy="622570"/>
-          </a:xfrm>
-          <a:prstGeom prst="rect">
-            <a:avLst/>
-          </a:prstGeom>
-          <a:noFill/>
-          <a:ln>
-            <a:noFill/>
-          </a:ln>
-          <a:effectLst/>
-        </p:spPr>
-        <p:txBody>
-          <a:bodyPr vert="horz" lIns="91440" tIns="45720" rIns="91440" bIns="45720" rtlCol="0" anchor="ctr">
-            <a:noAutofit/>
-          </a:bodyPr>
-          <a:lstStyle>
-            <a:defPPr>
-              <a:defRPr lang="en-US"/>
-            </a:defPPr>
-            <a:lvl1pPr algn="ctr" defTabSz="914400" rtl="1">
-              <a:lnSpc>
-                <a:spcPct val="90000"/>
-              </a:lnSpc>
-              <a:spcBef>
-                <a:spcPct val="0"/>
-              </a:spcBef>
-              <a:buNone/>
-              <a:defRPr sz="4400" b="1">
-                <a:solidFill>
-                  <a:schemeClr val="bg1"/>
-                </a:solidFill>
-                <a:latin typeface="+mj-lt"/>
-                <a:ea typeface="+mj-ea"/>
-              </a:defRPr>
-            </a:lvl1pPr>
-          </a:lstStyle>
-          <a:p>
-            <a:pPr algn="r"/>
-            <a:r>
-              <a:rPr lang="he-IL" sz="3600" dirty="0" smtClean="0">
-                <a:solidFill>
-                  <a:srgbClr val="002060"/>
-                </a:solidFill>
-                <a:latin typeface="Calibri" panose="020F0502020204030204" pitchFamily="34" charset="0"/>
-                <a:cs typeface="Calibri" panose="020F0502020204030204" pitchFamily="34" charset="0"/>
-              </a:rPr>
-              <a:t>ממצאים והערות לפני עיבוד</a:t>
-            </a:r>
-            <a:endParaRPr lang="he-IL" sz="3600" dirty="0">
-              <a:solidFill>
-                <a:srgbClr val="002060"/>
-              </a:solidFill>
-              <a:latin typeface="Calibri" panose="020F0502020204030204" pitchFamily="34" charset="0"/>
-              <a:cs typeface="Calibri" panose="020F0502020204030204" pitchFamily="34" charset="0"/>
-            </a:endParaRPr>
-          </a:p>
-        </p:txBody>
-      </p:sp>
-      <p:graphicFrame>
-        <p:nvGraphicFramePr>
-          <p:cNvPr id="14" name="Table 4">
-            <a:extLst>
-              <a:ext uri="{FF2B5EF4-FFF2-40B4-BE49-F238E27FC236}">
-                <a16:creationId xmlns:a16="http://schemas.microsoft.com/office/drawing/2014/main" id="{46B0A39B-A609-40DD-80FF-A80EB52CC7A9}"/>
-              </a:ext>
-            </a:extLst>
-          </p:cNvPr>
-          <p:cNvGraphicFramePr>
-            <a:graphicFrameLocks/>
-          </p:cNvGraphicFramePr>
-          <p:nvPr>
-            <p:extLst>
-              <p:ext uri="{D42A27DB-BD31-4B8C-83A1-F6EECF244321}">
-                <p14:modId xmlns:p14="http://schemas.microsoft.com/office/powerpoint/2010/main" val="3741119913"/>
-              </p:ext>
-            </p:extLst>
-          </p:nvPr>
-        </p:nvGraphicFramePr>
-        <p:xfrm>
-          <a:off x="4525365" y="4256611"/>
-          <a:ext cx="7285412" cy="1046480"/>
-        </p:xfrm>
-        <a:graphic>
-          <a:graphicData uri="http://schemas.openxmlformats.org/drawingml/2006/table">
-            <a:tbl>
-              <a:tblPr firstRow="1" bandRow="1">
-                <a:tableStyleId>{F5AB1C69-6EDB-4FF4-983F-18BD219EF322}</a:tableStyleId>
-              </a:tblPr>
-              <a:tblGrid>
-                <a:gridCol w="1296954">
-                  <a:extLst>
-                    <a:ext uri="{9D8B030D-6E8A-4147-A177-3AD203B41FA5}">
-                      <a16:colId xmlns:a16="http://schemas.microsoft.com/office/drawing/2014/main" val="2392546507"/>
-                    </a:ext>
-                  </a:extLst>
-                </a:gridCol>
-                <a:gridCol w="5217156">
-                  <a:extLst>
-                    <a:ext uri="{9D8B030D-6E8A-4147-A177-3AD203B41FA5}">
-                      <a16:colId xmlns:a16="http://schemas.microsoft.com/office/drawing/2014/main" val="1535150859"/>
-                    </a:ext>
-                  </a:extLst>
-                </a:gridCol>
-                <a:gridCol w="771302">
-                  <a:extLst>
-                    <a:ext uri="{9D8B030D-6E8A-4147-A177-3AD203B41FA5}">
-                      <a16:colId xmlns:a16="http://schemas.microsoft.com/office/drawing/2014/main" val="1848490300"/>
-                    </a:ext>
-                  </a:extLst>
-                </a:gridCol>
-              </a:tblGrid>
-              <a:tr h="300044">
-                <a:tc>
-                  <a:txBody>
-                    <a:bodyPr/>
-                    <a:lstStyle/>
-                    <a:p>
-                      <a:pPr algn="r"/>
-                      <a:r>
-                        <a:rPr lang="he-IL" sz="1400" dirty="0" smtClean="0">
-                          <a:latin typeface="Segoe UI" panose="020B0502040204020203" pitchFamily="34" charset="0"/>
-                          <a:cs typeface="Segoe UI" panose="020B0502040204020203" pitchFamily="34" charset="0"/>
-                        </a:rPr>
-                        <a:t>נתיב</a:t>
-                      </a:r>
-                      <a:endParaRPr lang="en-US" sz="1400" dirty="0">
-                        <a:latin typeface="Segoe UI" panose="020B0502040204020203" pitchFamily="34" charset="0"/>
-                        <a:cs typeface="Segoe UI" panose="020B0502040204020203" pitchFamily="34" charset="0"/>
-                      </a:endParaRPr>
-                    </a:p>
-                  </a:txBody>
-                  <a:tcPr/>
-                </a:tc>
-                <a:tc>
-                  <a:txBody>
-                    <a:bodyPr/>
-                    <a:lstStyle/>
-                    <a:p>
-                      <a:pPr algn="r"/>
-                      <a:r>
-                        <a:rPr lang="he-IL" sz="1400" dirty="0" smtClean="0">
-                          <a:latin typeface="Segoe UI" panose="020B0502040204020203" pitchFamily="34" charset="0"/>
-                          <a:cs typeface="Segoe UI" panose="020B0502040204020203" pitchFamily="34" charset="0"/>
-                        </a:rPr>
-                        <a:t>שם</a:t>
-                      </a:r>
-                      <a:endParaRPr lang="en-US" sz="1400" dirty="0">
-                        <a:latin typeface="Segoe UI" panose="020B0502040204020203" pitchFamily="34" charset="0"/>
-                        <a:cs typeface="Segoe UI" panose="020B0502040204020203" pitchFamily="34" charset="0"/>
-                      </a:endParaRPr>
-                    </a:p>
-                  </a:txBody>
-                  <a:tcPr/>
-                </a:tc>
-                <a:tc>
-                  <a:txBody>
-                    <a:bodyPr/>
-                    <a:lstStyle/>
-                    <a:p>
-                      <a:pPr algn="r"/>
-                      <a:r>
-                        <a:rPr lang="he-IL" sz="1400" dirty="0" smtClean="0">
-                          <a:latin typeface="Segoe UI" panose="020B0502040204020203" pitchFamily="34" charset="0"/>
-                          <a:cs typeface="Segoe UI" panose="020B0502040204020203" pitchFamily="34" charset="0"/>
-                        </a:rPr>
-                        <a:t>סוג</a:t>
-                      </a:r>
-                      <a:endParaRPr lang="en-US" sz="1400" dirty="0">
-                        <a:latin typeface="Segoe UI" panose="020B0502040204020203" pitchFamily="34" charset="0"/>
-                        <a:cs typeface="Segoe UI" panose="020B0502040204020203" pitchFamily="34" charset="0"/>
-                      </a:endParaRPr>
-                    </a:p>
-                  </a:txBody>
-                  <a:tcPr/>
-                </a:tc>
-                <a:extLst>
-                  <a:ext uri="{0D108BD9-81ED-4DB2-BD59-A6C34878D82A}">
-                    <a16:rowId xmlns:a16="http://schemas.microsoft.com/office/drawing/2014/main" val="495850647"/>
-                  </a:ext>
-                </a:extLst>
-              </a:tr>
-              <a:tr h="370840">
-                <a:tc>
-                  <a:txBody>
-                    <a:bodyPr/>
-                    <a:lstStyle/>
-                    <a:p>
-                      <a:pPr marL="0" marR="0" lvl="0" indent="0" algn="r" defTabSz="914400" rtl="1" eaLnBrk="1" fontAlgn="auto" latinLnBrk="0" hangingPunct="1">
-                        <a:lnSpc>
-                          <a:spcPct val="100000"/>
-                        </a:lnSpc>
-                        <a:spcBef>
-                          <a:spcPct val="0"/>
-                        </a:spcBef>
-                        <a:spcAft>
-                          <a:spcPct val="0"/>
-                        </a:spcAft>
-                        <a:buClrTx/>
-                        <a:buSzTx/>
-                        <a:buFontTx/>
-                        <a:buNone/>
-                        <a:defRPr/>
-                      </a:pPr>
-                      <a:r>
-                        <a:rPr kumimoji="0" lang="he-IL" sz="1200" b="0" i="0" u="none" strike="noStrike" kern="1200" cap="none" spc="0" normalizeH="0" baseline="0" noProof="0" dirty="0" smtClean="0">
-                          <a:ln>
-                            <a:noFill/>
-                          </a:ln>
-                          <a:solidFill>
-                            <a:prstClr val="black"/>
-                          </a:solidFill>
-                          <a:effectLst/>
-                          <a:uLnTx/>
-                          <a:uFillTx/>
-                          <a:latin typeface="Segoe UI" panose="020B0502040204020203" pitchFamily="34" charset="0"/>
-                          <a:ea typeface="+mn-ea"/>
-                          <a:cs typeface="Segoe UI" panose="020B0502040204020203" pitchFamily="34" charset="0"/>
-                          <a:hlinkClick r:id="rId5" action="ppaction://hlinkfile"/>
-                        </a:rPr>
-                        <a:t>קישור</a:t>
-                      </a:r>
-                      <a:endParaRPr kumimoji="0" lang="en-US" sz="1200" b="0" i="0" u="none" strike="noStrike" kern="1200" cap="none" spc="0" normalizeH="0" baseline="0" noProof="0" dirty="0">
-                        <a:ln>
-                          <a:noFill/>
-                        </a:ln>
-                        <a:solidFill>
-                          <a:prstClr val="black"/>
-                        </a:solidFill>
-                        <a:effectLst/>
-                        <a:uLnTx/>
-                        <a:uFillTx/>
-                        <a:latin typeface="Segoe UI" panose="020B0502040204020203" pitchFamily="34" charset="0"/>
-                        <a:ea typeface="+mn-ea"/>
-                        <a:cs typeface="Segoe UI" panose="020B0502040204020203" pitchFamily="34" charset="0"/>
-                      </a:endParaRPr>
-                    </a:p>
-                  </a:txBody>
-                  <a:tcPr/>
-                </a:tc>
-                <a:tc>
-                  <a:txBody>
-                    <a:bodyPr/>
-                    <a:lstStyle/>
-                    <a:p>
-                      <a:pPr algn="r" rtl="1"/>
-                      <a:r>
-                        <a:rPr lang="he-IL" sz="1200" b="0" dirty="0" smtClean="0">
-                          <a:latin typeface="Segoe UI" panose="020B0502040204020203" pitchFamily="34" charset="0"/>
-                          <a:cs typeface="Segoe UI" panose="020B0502040204020203" pitchFamily="34" charset="0"/>
-                        </a:rPr>
-                        <a:t>רשומות שקיימות ב-</a:t>
-                      </a:r>
-                      <a:r>
-                        <a:rPr lang="en-US" sz="1200" b="0" dirty="0" smtClean="0">
-                          <a:latin typeface="Segoe UI" panose="020B0502040204020203" pitchFamily="34" charset="0"/>
-                          <a:cs typeface="Segoe UI" panose="020B0502040204020203" pitchFamily="34" charset="0"/>
-                        </a:rPr>
-                        <a:t>Web </a:t>
-                      </a:r>
-                      <a:r>
-                        <a:rPr lang="he-IL" sz="1200" b="0" dirty="0" smtClean="0">
-                          <a:latin typeface="Segoe UI" panose="020B0502040204020203" pitchFamily="34" charset="0"/>
-                          <a:cs typeface="Segoe UI" panose="020B0502040204020203" pitchFamily="34" charset="0"/>
-                        </a:rPr>
-                        <a:t> ולא ב-</a:t>
-                      </a:r>
-                      <a:r>
-                        <a:rPr lang="en-US" sz="1200" b="0" dirty="0" smtClean="0">
-                          <a:latin typeface="Segoe UI" panose="020B0502040204020203" pitchFamily="34" charset="0"/>
-                          <a:cs typeface="Segoe UI" panose="020B0502040204020203" pitchFamily="34" charset="0"/>
-                        </a:rPr>
-                        <a:t>Lib</a:t>
-                      </a:r>
-                      <a:r>
-                        <a:rPr lang="he-IL" sz="1200" b="0" dirty="0" smtClean="0">
-                          <a:latin typeface="Segoe UI" panose="020B0502040204020203" pitchFamily="34" charset="0"/>
-                          <a:cs typeface="Segoe UI" panose="020B0502040204020203" pitchFamily="34" charset="0"/>
-                        </a:rPr>
-                        <a:t> </a:t>
-                      </a:r>
-                      <a:endParaRPr lang="en-US" sz="1200" b="0" dirty="0">
-                        <a:latin typeface="Segoe UI" panose="020B0502040204020203" pitchFamily="34" charset="0"/>
-                        <a:cs typeface="Segoe UI" panose="020B0502040204020203" pitchFamily="34" charset="0"/>
-                      </a:endParaRPr>
-                    </a:p>
-                  </a:txBody>
-                  <a:tcPr/>
-                </a:tc>
-                <a:tc>
-                  <a:txBody>
-                    <a:bodyPr/>
-                    <a:lstStyle/>
-                    <a:p>
-                      <a:pPr algn="r"/>
-                      <a:r>
-                        <a:rPr lang="en-US" sz="1200" dirty="0" smtClean="0">
-                          <a:latin typeface="Segoe UI" panose="020B0502040204020203" pitchFamily="34" charset="0"/>
-                          <a:cs typeface="Segoe UI" panose="020B0502040204020203" pitchFamily="34" charset="0"/>
-                        </a:rPr>
-                        <a:t>Table</a:t>
-                      </a:r>
-                      <a:endParaRPr lang="en-US" sz="1200" dirty="0">
-                        <a:latin typeface="Segoe UI" panose="020B0502040204020203" pitchFamily="34" charset="0"/>
-                        <a:cs typeface="Segoe UI" panose="020B0502040204020203" pitchFamily="34" charset="0"/>
-                      </a:endParaRPr>
-                    </a:p>
-                  </a:txBody>
-                  <a:tcPr/>
-                </a:tc>
-                <a:extLst>
-                  <a:ext uri="{0D108BD9-81ED-4DB2-BD59-A6C34878D82A}">
-                    <a16:rowId xmlns:a16="http://schemas.microsoft.com/office/drawing/2014/main" val="3968481201"/>
-                  </a:ext>
-                </a:extLst>
-              </a:tr>
-              <a:tr h="370840">
-                <a:tc>
-                  <a:txBody>
-                    <a:bodyPr/>
-                    <a:lstStyle/>
-                    <a:p>
-                      <a:pPr marL="0" marR="0" lvl="0" indent="0" algn="r" defTabSz="914400" rtl="1" eaLnBrk="1" fontAlgn="auto" latinLnBrk="0" hangingPunct="1">
-                        <a:lnSpc>
-                          <a:spcPct val="100000"/>
-                        </a:lnSpc>
-                        <a:spcBef>
-                          <a:spcPct val="0"/>
-                        </a:spcBef>
-                        <a:spcAft>
-                          <a:spcPct val="0"/>
-                        </a:spcAft>
-                        <a:buClrTx/>
-                        <a:buSzTx/>
-                        <a:buFontTx/>
-                        <a:buNone/>
-                        <a:defRPr/>
-                      </a:pPr>
-                      <a:r>
-                        <a:rPr kumimoji="0" lang="he-IL" sz="1200" b="0" i="0" u="none" strike="noStrike" kern="1200" cap="none" spc="0" normalizeH="0" baseline="0" noProof="0" dirty="0" smtClean="0">
-                          <a:ln>
-                            <a:noFill/>
-                          </a:ln>
-                          <a:solidFill>
-                            <a:prstClr val="black"/>
-                          </a:solidFill>
-                          <a:effectLst/>
-                          <a:uLnTx/>
-                          <a:uFillTx/>
-                          <a:latin typeface="Segoe UI" panose="020B0502040204020203" pitchFamily="34" charset="0"/>
-                          <a:ea typeface="+mn-ea"/>
-                          <a:cs typeface="Segoe UI" panose="020B0502040204020203" pitchFamily="34" charset="0"/>
-                          <a:hlinkClick r:id="rId6" action="ppaction://hlinkfile"/>
-                        </a:rPr>
-                        <a:t>קישור</a:t>
-                      </a:r>
-                      <a:endParaRPr kumimoji="0" lang="en-US" sz="1200" b="0" i="0" u="none" strike="noStrike" kern="1200" cap="none" spc="0" normalizeH="0" baseline="0" noProof="0" dirty="0">
-                        <a:ln>
-                          <a:noFill/>
-                        </a:ln>
-                        <a:solidFill>
-                          <a:prstClr val="black"/>
-                        </a:solidFill>
-                        <a:effectLst/>
-                        <a:uLnTx/>
-                        <a:uFillTx/>
-                        <a:latin typeface="Segoe UI" panose="020B0502040204020203" pitchFamily="34" charset="0"/>
-                        <a:ea typeface="+mn-ea"/>
-                        <a:cs typeface="Segoe UI" panose="020B0502040204020203" pitchFamily="34" charset="0"/>
-                      </a:endParaRPr>
-                    </a:p>
-                  </a:txBody>
-                  <a:tcPr/>
-                </a:tc>
-                <a:tc>
-                  <a:txBody>
-                    <a:bodyPr/>
-                    <a:lstStyle/>
-                    <a:p>
-                      <a:pPr algn="r" rtl="1"/>
-                      <a:r>
-                        <a:rPr lang="he-IL" sz="1200" b="0" dirty="0" smtClean="0">
-                          <a:latin typeface="Segoe UI" panose="020B0502040204020203" pitchFamily="34" charset="0"/>
-                          <a:cs typeface="Segoe UI" panose="020B0502040204020203" pitchFamily="34" charset="0"/>
-                        </a:rPr>
-                        <a:t>רשומות</a:t>
-                      </a:r>
-                      <a:r>
-                        <a:rPr lang="he-IL" sz="1200" b="0" baseline="0" dirty="0" smtClean="0">
-                          <a:latin typeface="Segoe UI" panose="020B0502040204020203" pitchFamily="34" charset="0"/>
-                          <a:cs typeface="Segoe UI" panose="020B0502040204020203" pitchFamily="34" charset="0"/>
-                        </a:rPr>
-                        <a:t> בעלות סטאטוס = ביצוע גרפי (קוד 1) לבירור מול אגף </a:t>
-                      </a:r>
-                      <a:r>
-                        <a:rPr lang="he-IL" sz="1200" b="0" baseline="0" dirty="0" err="1" smtClean="0">
-                          <a:latin typeface="Segoe UI" panose="020B0502040204020203" pitchFamily="34" charset="0"/>
-                          <a:cs typeface="Segoe UI" panose="020B0502040204020203" pitchFamily="34" charset="0"/>
-                        </a:rPr>
-                        <a:t>ה"ק</a:t>
-                      </a:r>
-                      <a:endParaRPr lang="en-US" sz="1200" b="0" dirty="0">
-                        <a:latin typeface="Segoe UI" panose="020B0502040204020203" pitchFamily="34" charset="0"/>
-                        <a:cs typeface="Segoe UI" panose="020B0502040204020203" pitchFamily="34" charset="0"/>
-                      </a:endParaRPr>
-                    </a:p>
-                  </a:txBody>
-                  <a:tcPr/>
-                </a:tc>
-                <a:tc>
-                  <a:txBody>
-                    <a:bodyPr/>
-                    <a:lstStyle/>
-                    <a:p>
-                      <a:pPr algn="r"/>
-                      <a:r>
-                        <a:rPr lang="en-US" sz="1200" dirty="0" smtClean="0">
-                          <a:latin typeface="Segoe UI" panose="020B0502040204020203" pitchFamily="34" charset="0"/>
-                          <a:cs typeface="Segoe UI" panose="020B0502040204020203" pitchFamily="34" charset="0"/>
-                        </a:rPr>
-                        <a:t>Table</a:t>
-                      </a:r>
-                      <a:endParaRPr lang="en-US" sz="1200" dirty="0">
-                        <a:latin typeface="Segoe UI" panose="020B0502040204020203" pitchFamily="34" charset="0"/>
-                        <a:cs typeface="Segoe UI" panose="020B0502040204020203" pitchFamily="34" charset="0"/>
-                      </a:endParaRPr>
-                    </a:p>
-                  </a:txBody>
-                  <a:tcPr/>
-                </a:tc>
-                <a:extLst>
-                  <a:ext uri="{0D108BD9-81ED-4DB2-BD59-A6C34878D82A}">
-                    <a16:rowId xmlns:a16="http://schemas.microsoft.com/office/drawing/2014/main" val="718321922"/>
-                  </a:ext>
-                </a:extLst>
-              </a:tr>
-            </a:tbl>
-          </a:graphicData>
-        </a:graphic>
-      </p:graphicFrame>
-    </p:spTree>
-    <p:extLst>
-      <p:ext uri="{BB962C8B-B14F-4D97-AF65-F5344CB8AC3E}">
-        <p14:creationId xmlns:p14="http://schemas.microsoft.com/office/powerpoint/2010/main" val="1342484619"/>
-      </p:ext>
-    </p:extLst>
-  </p:cSld>
-  <p:clrMapOvr>
-    <a:masterClrMapping/>
-  </p:clrMapOvr>
-  <p:transition/>
-  <p:timing>
-    <p:tnLst>
-      <p:par>
-        <p:cTn id="1" dur="indefinite" restart="never" nodeType="tmRoot"/>
-      </p:par>
-    </p:tnLst>
-  </p:timing>
 </p:sld>
 </file>
 
@@ -11899,599 +8665,942 @@
           <a:chExt cx="0" cy="0"/>
         </a:xfrm>
       </p:grpSpPr>
-      <p:sp>
-        <p:nvSpPr>
-          <p:cNvPr id="4" name="כותרת 1">
+      <p:graphicFrame>
+        <p:nvGraphicFramePr>
+          <p:cNvPr id="4" name="Table 3">
             <a:extLst>
               <a:ext uri="{FF2B5EF4-FFF2-40B4-BE49-F238E27FC236}">
-                <a16:creationId xmlns:a16="http://schemas.microsoft.com/office/drawing/2014/main" id="{ECC8760F-EA9E-47A2-A93F-1EAD44E763EE}"/>
+                <a16:creationId xmlns:a16="http://schemas.microsoft.com/office/drawing/2014/main" id="{916D6651-C51F-48C3-AB78-675E98FB0098}"/>
               </a:ext>
             </a:extLst>
           </p:cNvPr>
-          <p:cNvSpPr txBox="1"/>
-          <p:nvPr/>
-        </p:nvSpPr>
-        <p:spPr>
-          <a:xfrm>
-            <a:off x="571500" y="247799"/>
-            <a:ext cx="11043138" cy="622570"/>
-          </a:xfrm>
-          <a:prstGeom prst="rect">
-            <a:avLst/>
-          </a:prstGeom>
-          <a:noFill/>
-          <a:ln>
-            <a:noFill/>
-          </a:ln>
-          <a:effectLst/>
-        </p:spPr>
-        <p:txBody>
-          <a:bodyPr vert="horz" lIns="91440" tIns="45720" rIns="91440" bIns="45720" rtlCol="0" anchor="ctr">
-            <a:noAutofit/>
-          </a:bodyPr>
-          <a:lstStyle>
-            <a:defPPr>
-              <a:defRPr lang="en-US"/>
-            </a:defPPr>
-            <a:lvl1pPr algn="ctr" defTabSz="914400" rtl="1">
-              <a:lnSpc>
-                <a:spcPct val="90000"/>
-              </a:lnSpc>
-              <a:spcBef>
-                <a:spcPct val="0"/>
-              </a:spcBef>
-              <a:buNone/>
-              <a:defRPr sz="4400" b="1">
-                <a:solidFill>
-                  <a:schemeClr val="bg1"/>
-                </a:solidFill>
-                <a:latin typeface="+mj-lt"/>
-                <a:ea typeface="+mj-ea"/>
-              </a:defRPr>
-            </a:lvl1pPr>
-          </a:lstStyle>
-          <a:p>
-            <a:pPr algn="r"/>
-            <a:r>
-              <a:rPr lang="he-IL" sz="3600" dirty="0" smtClean="0">
-                <a:solidFill>
-                  <a:srgbClr val="002060"/>
-                </a:solidFill>
-                <a:latin typeface="Calibri" panose="020F0502020204030204" pitchFamily="34" charset="0"/>
-                <a:cs typeface="Calibri" panose="020F0502020204030204" pitchFamily="34" charset="0"/>
-              </a:rPr>
-              <a:t>עיבוד מידע טבלאי לסכמה חדשה</a:t>
-            </a:r>
-            <a:endParaRPr lang="he-IL" sz="3600" dirty="0">
-              <a:solidFill>
-                <a:srgbClr val="002060"/>
-              </a:solidFill>
-              <a:latin typeface="Calibri" panose="020F0502020204030204" pitchFamily="34" charset="0"/>
-              <a:cs typeface="Calibri" panose="020F0502020204030204" pitchFamily="34" charset="0"/>
-            </a:endParaRPr>
-          </a:p>
-        </p:txBody>
-      </p:sp>
-      <p:pic>
-        <p:nvPicPr>
-          <p:cNvPr id="3" name="Picture 2"/>
-          <p:cNvPicPr>
-            <a:picLocks noChangeAspect="1"/>
-          </p:cNvPicPr>
-          <p:nvPr/>
-        </p:nvPicPr>
-        <p:blipFill>
-          <a:blip r:embed="rId2"/>
-          <a:stretch>
-            <a:fillRect/>
-          </a:stretch>
-        </p:blipFill>
-        <p:spPr>
-          <a:xfrm>
-            <a:off x="571500" y="492125"/>
-            <a:ext cx="2819400" cy="1583737"/>
-          </a:xfrm>
-          <a:prstGeom prst="rect">
-            <a:avLst/>
-          </a:prstGeom>
-        </p:spPr>
-      </p:pic>
-      <p:pic>
-        <p:nvPicPr>
-          <p:cNvPr id="5" name="Picture 4"/>
-          <p:cNvPicPr>
-            <a:picLocks noChangeAspect="1"/>
-          </p:cNvPicPr>
-          <p:nvPr/>
-        </p:nvPicPr>
-        <p:blipFill>
-          <a:blip r:embed="rId3"/>
-          <a:stretch>
-            <a:fillRect/>
-          </a:stretch>
-        </p:blipFill>
-        <p:spPr>
-          <a:xfrm>
-            <a:off x="330200" y="2368401"/>
-            <a:ext cx="11582400" cy="3432954"/>
-          </a:xfrm>
-          <a:prstGeom prst="rect">
-            <a:avLst/>
-          </a:prstGeom>
-        </p:spPr>
-      </p:pic>
-      <p:sp>
-        <p:nvSpPr>
-          <p:cNvPr id="6" name="TextBox 5"/>
-          <p:cNvSpPr txBox="1"/>
-          <p:nvPr/>
-        </p:nvSpPr>
-        <p:spPr>
-          <a:xfrm>
-            <a:off x="10353748" y="793576"/>
-            <a:ext cx="1152451" cy="369332"/>
-          </a:xfrm>
-          <a:prstGeom prst="rect">
-            <a:avLst/>
-          </a:prstGeom>
-          <a:noFill/>
-        </p:spPr>
-        <p:txBody>
-          <a:bodyPr wrap="square" rtlCol="1">
-            <a:spAutoFit/>
-          </a:bodyPr>
-          <a:lstStyle/>
-          <a:p>
-            <a:pPr algn="r" rtl="1"/>
-            <a:r>
-              <a:rPr lang="en-US" dirty="0" smtClean="0">
-                <a:hlinkClick r:id="rId4" action="ppaction://hlinkfile"/>
-              </a:rPr>
-              <a:t>PDF </a:t>
-            </a:r>
-            <a:r>
-              <a:rPr lang="he-IL" dirty="0" smtClean="0">
-                <a:hlinkClick r:id="rId4" action="ppaction://hlinkfile"/>
-              </a:rPr>
-              <a:t> שלם</a:t>
-            </a:r>
-            <a:endParaRPr lang="he-IL" dirty="0"/>
-          </a:p>
-        </p:txBody>
-      </p:sp>
+          <p:cNvGraphicFramePr>
+            <a:graphicFrameLocks noGrp="1"/>
+          </p:cNvGraphicFramePr>
+          <p:nvPr>
+            <p:extLst>
+              <p:ext uri="{D42A27DB-BD31-4B8C-83A1-F6EECF244321}">
+                <p14:modId xmlns:p14="http://schemas.microsoft.com/office/powerpoint/2010/main" val="531670266"/>
+              </p:ext>
+            </p:extLst>
+          </p:nvPr>
+        </p:nvGraphicFramePr>
+        <p:xfrm>
+          <a:off x="870013" y="884592"/>
+          <a:ext cx="10608076" cy="3995605"/>
+        </p:xfrm>
+        <a:graphic>
+          <a:graphicData uri="http://schemas.openxmlformats.org/drawingml/2006/table">
+            <a:tbl>
+              <a:tblPr rtl="1">
+                <a:tableStyleId>{BDBED569-4797-4DF1-A0F4-6AAB3CD982D8}</a:tableStyleId>
+              </a:tblPr>
+              <a:tblGrid>
+                <a:gridCol w="2760217">
+                  <a:extLst>
+                    <a:ext uri="{9D8B030D-6E8A-4147-A177-3AD203B41FA5}">
+                      <a16:colId xmlns:a16="http://schemas.microsoft.com/office/drawing/2014/main" val="31517251"/>
+                    </a:ext>
+                  </a:extLst>
+                </a:gridCol>
+                <a:gridCol w="7847859">
+                  <a:extLst>
+                    <a:ext uri="{9D8B030D-6E8A-4147-A177-3AD203B41FA5}">
+                      <a16:colId xmlns:a16="http://schemas.microsoft.com/office/drawing/2014/main" val="1497850612"/>
+                    </a:ext>
+                  </a:extLst>
+                </a:gridCol>
+              </a:tblGrid>
+              <a:tr h="380945">
+                <a:tc>
+                  <a:txBody>
+                    <a:bodyPr/>
+                    <a:lstStyle/>
+                    <a:p>
+                      <a:pPr algn="ctr" rtl="1" fontAlgn="b"/>
+                      <a:r>
+                        <a:rPr lang="he-IL" sz="2400" b="1" u="none" strike="noStrike" dirty="0">
+                          <a:effectLst/>
+                        </a:rPr>
+                        <a:t>שם השדה</a:t>
+                      </a:r>
+                      <a:endParaRPr lang="he-IL" sz="2400" b="1" i="0" u="none" strike="noStrike" dirty="0">
+                        <a:solidFill>
+                          <a:srgbClr val="000000"/>
+                        </a:solidFill>
+                        <a:effectLst/>
+                        <a:latin typeface="Calibri" panose="020F0502020204030204" pitchFamily="34" charset="0"/>
+                      </a:endParaRPr>
+                    </a:p>
+                  </a:txBody>
+                  <a:tcPr marL="7620" marR="7620" marT="7620" marB="0" anchor="b">
+                    <a:solidFill>
+                      <a:schemeClr val="accent1">
+                        <a:lumMod val="20000"/>
+                        <a:lumOff val="80000"/>
+                      </a:schemeClr>
+                    </a:solidFill>
+                  </a:tcPr>
+                </a:tc>
+                <a:tc>
+                  <a:txBody>
+                    <a:bodyPr/>
+                    <a:lstStyle/>
+                    <a:p>
+                      <a:pPr algn="ctr" rtl="1" fontAlgn="b"/>
+                      <a:r>
+                        <a:rPr lang="he-IL" sz="2400" b="1" u="none" strike="noStrike" dirty="0">
+                          <a:effectLst/>
+                        </a:rPr>
+                        <a:t>תיאור</a:t>
+                      </a:r>
+                      <a:endParaRPr lang="he-IL" sz="2400" b="1" i="0" u="none" strike="noStrike" dirty="0">
+                        <a:solidFill>
+                          <a:srgbClr val="000000"/>
+                        </a:solidFill>
+                        <a:effectLst/>
+                        <a:latin typeface="Calibri" panose="020F0502020204030204" pitchFamily="34" charset="0"/>
+                      </a:endParaRPr>
+                    </a:p>
+                  </a:txBody>
+                  <a:tcPr marL="7620" marR="7620" marT="7620" marB="0" anchor="b">
+                    <a:solidFill>
+                      <a:schemeClr val="accent1">
+                        <a:lumMod val="20000"/>
+                        <a:lumOff val="80000"/>
+                      </a:schemeClr>
+                    </a:solidFill>
+                  </a:tcPr>
+                </a:tc>
+                <a:extLst>
+                  <a:ext uri="{0D108BD9-81ED-4DB2-BD59-A6C34878D82A}">
+                    <a16:rowId xmlns:a16="http://schemas.microsoft.com/office/drawing/2014/main" val="2622108021"/>
+                  </a:ext>
+                </a:extLst>
+              </a:tr>
+              <a:tr h="361466">
+                <a:tc>
+                  <a:txBody>
+                    <a:bodyPr/>
+                    <a:lstStyle/>
+                    <a:p>
+                      <a:pPr algn="ctr" rtl="0" fontAlgn="b"/>
+                      <a:r>
+                        <a:rPr lang="en-US" sz="1600" b="0" i="0" u="none" strike="noStrike" dirty="0" err="1">
+                          <a:solidFill>
+                            <a:srgbClr val="000000"/>
+                          </a:solidFill>
+                          <a:effectLst/>
+                          <a:latin typeface="Arial" panose="020B0604020202020204" pitchFamily="34" charset="0"/>
+                        </a:rPr>
+                        <a:t>CPBUniqueID</a:t>
+                      </a:r>
+                      <a:endParaRPr lang="en-US" sz="1600" b="0" i="0" u="none" strike="noStrike" dirty="0">
+                        <a:solidFill>
+                          <a:srgbClr val="000000"/>
+                        </a:solidFill>
+                        <a:effectLst/>
+                        <a:latin typeface="Arial" panose="020B0604020202020204" pitchFamily="34" charset="0"/>
+                      </a:endParaRPr>
+                    </a:p>
+                  </a:txBody>
+                  <a:tcPr marL="9525" marR="9525" marT="9525" marB="0" anchor="b">
+                    <a:solidFill>
+                      <a:schemeClr val="bg1"/>
+                    </a:solidFill>
+                  </a:tcPr>
+                </a:tc>
+                <a:tc>
+                  <a:txBody>
+                    <a:bodyPr/>
+                    <a:lstStyle/>
+                    <a:p>
+                      <a:pPr algn="r" rtl="1" fontAlgn="b"/>
+                      <a:r>
+                        <a:rPr lang="en-US" sz="1600" b="0" i="0" u="none" strike="noStrike" dirty="0">
+                          <a:solidFill>
+                            <a:srgbClr val="000000"/>
+                          </a:solidFill>
+                          <a:effectLst/>
+                          <a:latin typeface="Arial" panose="020B0604020202020204" pitchFamily="34" charset="0"/>
+                        </a:rPr>
+                        <a:t>PSAK_DIN_ID + 4,000,000</a:t>
+                      </a:r>
+                    </a:p>
+                  </a:txBody>
+                  <a:tcPr marL="9525" marR="9525" marT="9525" marB="0" anchor="b">
+                    <a:solidFill>
+                      <a:schemeClr val="bg1"/>
+                    </a:solidFill>
+                  </a:tcPr>
+                </a:tc>
+                <a:extLst>
+                  <a:ext uri="{0D108BD9-81ED-4DB2-BD59-A6C34878D82A}">
+                    <a16:rowId xmlns:a16="http://schemas.microsoft.com/office/drawing/2014/main" val="1560952457"/>
+                  </a:ext>
+                </a:extLst>
+              </a:tr>
+              <a:tr h="361466">
+                <a:tc>
+                  <a:txBody>
+                    <a:bodyPr/>
+                    <a:lstStyle/>
+                    <a:p>
+                      <a:pPr algn="ctr" rtl="0" fontAlgn="b"/>
+                      <a:r>
+                        <a:rPr lang="en-US" sz="1600" b="0" i="0" u="none" strike="noStrike" dirty="0" err="1">
+                          <a:solidFill>
+                            <a:srgbClr val="000000"/>
+                          </a:solidFill>
+                          <a:effectLst/>
+                          <a:latin typeface="Arial" panose="020B0604020202020204" pitchFamily="34" charset="0"/>
+                        </a:rPr>
+                        <a:t>BlockUniqueID</a:t>
+                      </a:r>
+                      <a:endParaRPr lang="en-US" sz="1600" b="0" i="0" u="none" strike="noStrike" dirty="0">
+                        <a:solidFill>
+                          <a:srgbClr val="000000"/>
+                        </a:solidFill>
+                        <a:effectLst/>
+                        <a:latin typeface="Arial" panose="020B0604020202020204" pitchFamily="34" charset="0"/>
+                      </a:endParaRPr>
+                    </a:p>
+                  </a:txBody>
+                  <a:tcPr marL="9525" marR="9525" marT="9525" marB="0" anchor="b">
+                    <a:solidFill>
+                      <a:schemeClr val="bg1"/>
+                    </a:solidFill>
+                  </a:tcPr>
+                </a:tc>
+                <a:tc>
+                  <a:txBody>
+                    <a:bodyPr/>
+                    <a:lstStyle/>
+                    <a:p>
+                      <a:pPr algn="r" rtl="1" fontAlgn="b"/>
+                      <a:r>
+                        <a:rPr lang="he-IL" sz="1600" b="0" i="0" u="none" strike="noStrike" dirty="0">
+                          <a:solidFill>
+                            <a:srgbClr val="000000"/>
+                          </a:solidFill>
+                          <a:effectLst/>
+                          <a:latin typeface="Arial" panose="020B0604020202020204" pitchFamily="34" charset="0"/>
+                        </a:rPr>
+                        <a:t>לפי מיזוג עם שכבת גושי </a:t>
+                      </a:r>
+                      <a:r>
+                        <a:rPr lang="he-IL" sz="1600" b="0" i="0" u="none" strike="noStrike" dirty="0" err="1">
+                          <a:solidFill>
+                            <a:srgbClr val="000000"/>
+                          </a:solidFill>
+                          <a:effectLst/>
+                          <a:latin typeface="Arial" panose="020B0604020202020204" pitchFamily="34" charset="0"/>
+                        </a:rPr>
+                        <a:t>קדסטר</a:t>
+                      </a:r>
+                      <a:r>
+                        <a:rPr lang="he-IL" sz="1600" b="0" i="0" u="none" strike="noStrike" dirty="0">
+                          <a:solidFill>
+                            <a:srgbClr val="000000"/>
+                          </a:solidFill>
+                          <a:effectLst/>
+                          <a:latin typeface="Arial" panose="020B0604020202020204" pitchFamily="34" charset="0"/>
+                        </a:rPr>
+                        <a:t> שהוסבו</a:t>
+                      </a:r>
+                      <a:endParaRPr lang="en-US" sz="1600" b="0" i="0" u="none" strike="noStrike" dirty="0">
+                        <a:solidFill>
+                          <a:srgbClr val="000000"/>
+                        </a:solidFill>
+                        <a:effectLst/>
+                        <a:latin typeface="Arial" panose="020B0604020202020204" pitchFamily="34" charset="0"/>
+                      </a:endParaRPr>
+                    </a:p>
+                  </a:txBody>
+                  <a:tcPr marL="9525" marR="9525" marT="9525" marB="0" anchor="b">
+                    <a:solidFill>
+                      <a:schemeClr val="bg1"/>
+                    </a:solidFill>
+                  </a:tcPr>
+                </a:tc>
+                <a:extLst>
+                  <a:ext uri="{0D108BD9-81ED-4DB2-BD59-A6C34878D82A}">
+                    <a16:rowId xmlns:a16="http://schemas.microsoft.com/office/drawing/2014/main" val="3421991668"/>
+                  </a:ext>
+                </a:extLst>
+              </a:tr>
+              <a:tr h="361466">
+                <a:tc>
+                  <a:txBody>
+                    <a:bodyPr/>
+                    <a:lstStyle/>
+                    <a:p>
+                      <a:pPr algn="ctr" rtl="0" fontAlgn="b"/>
+                      <a:r>
+                        <a:rPr lang="en-US" sz="1600" b="0" i="0" u="none" strike="noStrike" dirty="0" err="1">
+                          <a:solidFill>
+                            <a:srgbClr val="000000"/>
+                          </a:solidFill>
+                          <a:effectLst/>
+                          <a:latin typeface="Arial" panose="020B0604020202020204" pitchFamily="34" charset="0"/>
+                        </a:rPr>
+                        <a:t>ProcessType</a:t>
+                      </a:r>
+                      <a:endParaRPr lang="en-US" sz="1600" b="0" i="0" u="none" strike="noStrike" dirty="0">
+                        <a:solidFill>
+                          <a:srgbClr val="000000"/>
+                        </a:solidFill>
+                        <a:effectLst/>
+                        <a:latin typeface="Arial" panose="020B0604020202020204" pitchFamily="34" charset="0"/>
+                      </a:endParaRPr>
+                    </a:p>
+                  </a:txBody>
+                  <a:tcPr marL="9525" marR="9525" marT="9525" marB="0" anchor="b">
+                    <a:solidFill>
+                      <a:schemeClr val="bg1"/>
+                    </a:solidFill>
+                  </a:tcPr>
+                </a:tc>
+                <a:tc>
+                  <a:txBody>
+                    <a:bodyPr/>
+                    <a:lstStyle/>
+                    <a:p>
+                      <a:pPr algn="r" rtl="1" fontAlgn="b"/>
+                      <a:r>
+                        <a:rPr lang="he-IL" sz="1600" b="0" i="0" u="none" strike="noStrike" dirty="0">
+                          <a:solidFill>
+                            <a:srgbClr val="000000"/>
+                          </a:solidFill>
+                          <a:effectLst/>
+                          <a:latin typeface="Arial" panose="020B0604020202020204" pitchFamily="34" charset="0"/>
+                        </a:rPr>
+                        <a:t>פסק דין = 3</a:t>
+                      </a:r>
+                      <a:endParaRPr lang="en-US" sz="1600" b="0" i="0" u="none" strike="noStrike" dirty="0">
+                        <a:solidFill>
+                          <a:srgbClr val="000000"/>
+                        </a:solidFill>
+                        <a:effectLst/>
+                        <a:latin typeface="Arial" panose="020B0604020202020204" pitchFamily="34" charset="0"/>
+                      </a:endParaRPr>
+                    </a:p>
+                  </a:txBody>
+                  <a:tcPr marL="9525" marR="9525" marT="9525" marB="0" anchor="b">
+                    <a:solidFill>
+                      <a:schemeClr val="bg1"/>
+                    </a:solidFill>
+                  </a:tcPr>
+                </a:tc>
+                <a:extLst>
+                  <a:ext uri="{0D108BD9-81ED-4DB2-BD59-A6C34878D82A}">
+                    <a16:rowId xmlns:a16="http://schemas.microsoft.com/office/drawing/2014/main" val="1259260631"/>
+                  </a:ext>
+                </a:extLst>
+              </a:tr>
+              <a:tr h="361466">
+                <a:tc>
+                  <a:txBody>
+                    <a:bodyPr/>
+                    <a:lstStyle/>
+                    <a:p>
+                      <a:pPr algn="ctr" rtl="0" fontAlgn="b"/>
+                      <a:r>
+                        <a:rPr lang="en-US" sz="1600" b="0" i="0" u="none" strike="noStrike" dirty="0" err="1">
+                          <a:solidFill>
+                            <a:srgbClr val="000000"/>
+                          </a:solidFill>
+                          <a:effectLst/>
+                          <a:latin typeface="Arial" panose="020B0604020202020204" pitchFamily="34" charset="0"/>
+                        </a:rPr>
+                        <a:t>MapYear</a:t>
+                      </a:r>
+                      <a:endParaRPr lang="en-US" sz="1600" b="0" i="0" u="none" strike="noStrike" dirty="0">
+                        <a:solidFill>
+                          <a:srgbClr val="000000"/>
+                        </a:solidFill>
+                        <a:effectLst/>
+                        <a:latin typeface="Arial" panose="020B0604020202020204" pitchFamily="34" charset="0"/>
+                      </a:endParaRPr>
+                    </a:p>
+                  </a:txBody>
+                  <a:tcPr marL="9525" marR="9525" marT="9525" marB="0" anchor="b">
+                    <a:solidFill>
+                      <a:schemeClr val="bg1"/>
+                    </a:solidFill>
+                  </a:tcPr>
+                </a:tc>
+                <a:tc>
+                  <a:txBody>
+                    <a:bodyPr/>
+                    <a:lstStyle/>
+                    <a:p>
+                      <a:pPr algn="r" rtl="1" fontAlgn="b"/>
+                      <a:r>
+                        <a:rPr lang="he-IL" sz="1600" b="0" i="0" u="none" strike="noStrike" dirty="0">
+                          <a:solidFill>
+                            <a:srgbClr val="000000"/>
+                          </a:solidFill>
+                          <a:effectLst/>
+                          <a:latin typeface="Arial" panose="020B0604020202020204" pitchFamily="34" charset="0"/>
+                        </a:rPr>
+                        <a:t>לפי השנה משדה </a:t>
+                      </a:r>
+                      <a:r>
+                        <a:rPr lang="en-US" sz="1600" b="0" i="0" u="none" strike="noStrike" dirty="0">
+                          <a:solidFill>
+                            <a:srgbClr val="000000"/>
+                          </a:solidFill>
+                          <a:effectLst/>
+                          <a:latin typeface="Arial" panose="020B0604020202020204" pitchFamily="34" charset="0"/>
+                        </a:rPr>
+                        <a:t>START_DATE</a:t>
+                      </a:r>
+                      <a:r>
+                        <a:rPr lang="he-IL" sz="1600" b="0" i="0" u="none" strike="noStrike" dirty="0">
+                          <a:solidFill>
+                            <a:srgbClr val="000000"/>
+                          </a:solidFill>
+                          <a:effectLst/>
+                          <a:latin typeface="Arial" panose="020B0604020202020204" pitchFamily="34" charset="0"/>
+                        </a:rPr>
+                        <a:t> בטבלת </a:t>
+                      </a:r>
+                      <a:r>
+                        <a:rPr lang="en-US" sz="1600" b="0" i="0" u="none" strike="noStrike" dirty="0" err="1">
+                          <a:solidFill>
+                            <a:srgbClr val="000000"/>
+                          </a:solidFill>
+                          <a:effectLst/>
+                          <a:latin typeface="Arial" panose="020B0604020202020204" pitchFamily="34" charset="0"/>
+                        </a:rPr>
+                        <a:t>psak_din</a:t>
+                      </a:r>
+                      <a:r>
+                        <a:rPr lang="he-IL" sz="1600" b="0" i="0" u="none" strike="noStrike" dirty="0">
+                          <a:solidFill>
+                            <a:srgbClr val="000000"/>
+                          </a:solidFill>
+                          <a:effectLst/>
+                          <a:latin typeface="Arial" panose="020B0604020202020204" pitchFamily="34" charset="0"/>
+                        </a:rPr>
+                        <a:t> של </a:t>
+                      </a:r>
+                      <a:r>
+                        <a:rPr lang="en-US" sz="1600" b="0" i="0" u="none" strike="noStrike" dirty="0">
+                          <a:solidFill>
+                            <a:srgbClr val="000000"/>
+                          </a:solidFill>
+                          <a:effectLst/>
+                          <a:latin typeface="Arial" panose="020B0604020202020204" pitchFamily="34" charset="0"/>
+                        </a:rPr>
+                        <a:t>ORCALE</a:t>
+                      </a:r>
+                    </a:p>
+                  </a:txBody>
+                  <a:tcPr marL="9525" marR="9525" marT="9525" marB="0" anchor="b">
+                    <a:solidFill>
+                      <a:schemeClr val="bg1"/>
+                    </a:solidFill>
+                  </a:tcPr>
+                </a:tc>
+                <a:extLst>
+                  <a:ext uri="{0D108BD9-81ED-4DB2-BD59-A6C34878D82A}">
+                    <a16:rowId xmlns:a16="http://schemas.microsoft.com/office/drawing/2014/main" val="194968397"/>
+                  </a:ext>
+                </a:extLst>
+              </a:tr>
+              <a:tr h="361466">
+                <a:tc>
+                  <a:txBody>
+                    <a:bodyPr/>
+                    <a:lstStyle/>
+                    <a:p>
+                      <a:pPr algn="ctr" rtl="0" fontAlgn="b"/>
+                      <a:r>
+                        <a:rPr lang="en-US" sz="1600" b="0" i="0" u="none" strike="noStrike" dirty="0" err="1">
+                          <a:solidFill>
+                            <a:srgbClr val="000000"/>
+                          </a:solidFill>
+                          <a:effectLst/>
+                          <a:latin typeface="Arial" panose="020B0604020202020204" pitchFamily="34" charset="0"/>
+                        </a:rPr>
+                        <a:t>ProcessName</a:t>
+                      </a:r>
+                      <a:endParaRPr lang="en-US" sz="1600" b="0" i="0" u="none" strike="noStrike" dirty="0">
+                        <a:solidFill>
+                          <a:srgbClr val="000000"/>
+                        </a:solidFill>
+                        <a:effectLst/>
+                        <a:latin typeface="Arial" panose="020B0604020202020204" pitchFamily="34" charset="0"/>
+                      </a:endParaRPr>
+                    </a:p>
+                  </a:txBody>
+                  <a:tcPr marL="9525" marR="9525" marT="9525" marB="0" anchor="b">
+                    <a:solidFill>
+                      <a:schemeClr val="bg1"/>
+                    </a:solidFill>
+                  </a:tcPr>
+                </a:tc>
+                <a:tc>
+                  <a:txBody>
+                    <a:bodyPr/>
+                    <a:lstStyle/>
+                    <a:p>
+                      <a:pPr algn="r" rtl="1" fontAlgn="b"/>
+                      <a:r>
+                        <a:rPr lang="en-US" sz="1600" b="0" i="0" u="none" strike="noStrike" dirty="0">
+                          <a:solidFill>
+                            <a:srgbClr val="000000"/>
+                          </a:solidFill>
+                          <a:effectLst/>
+                          <a:latin typeface="Arial" panose="020B0604020202020204" pitchFamily="34" charset="0"/>
+                        </a:rPr>
+                        <a:t>PSAK_DIN_NUM + 40,000 / PSAK_DIN_YEAR</a:t>
+                      </a:r>
+                    </a:p>
+                  </a:txBody>
+                  <a:tcPr marL="9525" marR="9525" marT="9525" marB="0" anchor="b">
+                    <a:solidFill>
+                      <a:schemeClr val="bg1"/>
+                    </a:solidFill>
+                  </a:tcPr>
+                </a:tc>
+                <a:extLst>
+                  <a:ext uri="{0D108BD9-81ED-4DB2-BD59-A6C34878D82A}">
+                    <a16:rowId xmlns:a16="http://schemas.microsoft.com/office/drawing/2014/main" val="2799192782"/>
+                  </a:ext>
+                </a:extLst>
+              </a:tr>
+              <a:tr h="361466">
+                <a:tc>
+                  <a:txBody>
+                    <a:bodyPr/>
+                    <a:lstStyle/>
+                    <a:p>
+                      <a:pPr algn="ctr" rtl="0" fontAlgn="b"/>
+                      <a:r>
+                        <a:rPr lang="en-US" sz="1600" b="0" i="0" u="none" strike="noStrike" dirty="0" err="1">
+                          <a:solidFill>
+                            <a:srgbClr val="000000"/>
+                          </a:solidFill>
+                          <a:effectLst/>
+                          <a:latin typeface="Arial" panose="020B0604020202020204" pitchFamily="34" charset="0"/>
+                        </a:rPr>
+                        <a:t>GeodeticNetwork</a:t>
+                      </a:r>
+                      <a:endParaRPr lang="en-US" sz="1600" b="0" i="0" u="none" strike="noStrike" dirty="0">
+                        <a:solidFill>
+                          <a:srgbClr val="000000"/>
+                        </a:solidFill>
+                        <a:effectLst/>
+                        <a:latin typeface="Arial" panose="020B0604020202020204" pitchFamily="34" charset="0"/>
+                      </a:endParaRPr>
+                    </a:p>
+                  </a:txBody>
+                  <a:tcPr marL="9525" marR="9525" marT="9525" marB="0" anchor="b">
+                    <a:solidFill>
+                      <a:schemeClr val="bg1"/>
+                    </a:solidFill>
+                  </a:tcPr>
+                </a:tc>
+                <a:tc>
+                  <a:txBody>
+                    <a:bodyPr/>
+                    <a:lstStyle/>
+                    <a:p>
+                      <a:pPr algn="r" rtl="1" fontAlgn="b"/>
+                      <a:r>
+                        <a:rPr lang="en-US" sz="1600" b="0" i="0" u="none" strike="noStrike" dirty="0">
+                          <a:solidFill>
+                            <a:srgbClr val="000000"/>
+                          </a:solidFill>
+                          <a:effectLst/>
+                          <a:latin typeface="Arial" panose="020B0604020202020204" pitchFamily="34" charset="0"/>
+                        </a:rPr>
+                        <a:t>None</a:t>
+                      </a:r>
+                      <a:r>
+                        <a:rPr lang="he-IL" sz="1600" b="0" i="0" u="none" strike="noStrike" dirty="0">
+                          <a:solidFill>
+                            <a:srgbClr val="000000"/>
+                          </a:solidFill>
+                          <a:effectLst/>
+                          <a:latin typeface="Arial" panose="020B0604020202020204" pitchFamily="34" charset="0"/>
+                        </a:rPr>
+                        <a:t> (אין מידע לשימוש)</a:t>
+                      </a:r>
+                      <a:endParaRPr lang="en-US" sz="1600" b="0" i="0" u="none" strike="noStrike" dirty="0">
+                        <a:solidFill>
+                          <a:srgbClr val="000000"/>
+                        </a:solidFill>
+                        <a:effectLst/>
+                        <a:latin typeface="Arial" panose="020B0604020202020204" pitchFamily="34" charset="0"/>
+                      </a:endParaRPr>
+                    </a:p>
+                  </a:txBody>
+                  <a:tcPr marL="9525" marR="9525" marT="9525" marB="0" anchor="b">
+                    <a:solidFill>
+                      <a:schemeClr val="bg1"/>
+                    </a:solidFill>
+                  </a:tcPr>
+                </a:tc>
+                <a:extLst>
+                  <a:ext uri="{0D108BD9-81ED-4DB2-BD59-A6C34878D82A}">
+                    <a16:rowId xmlns:a16="http://schemas.microsoft.com/office/drawing/2014/main" val="950332573"/>
+                  </a:ext>
+                </a:extLst>
+              </a:tr>
+              <a:tr h="361466">
+                <a:tc>
+                  <a:txBody>
+                    <a:bodyPr/>
+                    <a:lstStyle/>
+                    <a:p>
+                      <a:pPr algn="ctr" rtl="0" fontAlgn="b"/>
+                      <a:r>
+                        <a:rPr lang="en-US" sz="1600" b="0" i="0" u="none" strike="noStrike" dirty="0">
+                          <a:solidFill>
+                            <a:srgbClr val="000000"/>
+                          </a:solidFill>
+                          <a:effectLst/>
+                          <a:latin typeface="Arial" panose="020B0604020202020204" pitchFamily="34" charset="0"/>
+                        </a:rPr>
+                        <a:t>Status</a:t>
+                      </a:r>
+                    </a:p>
+                  </a:txBody>
+                  <a:tcPr marL="9525" marR="9525" marT="9525" marB="0" anchor="b">
+                    <a:solidFill>
+                      <a:schemeClr val="bg1"/>
+                    </a:solidFill>
+                  </a:tcPr>
+                </a:tc>
+                <a:tc>
+                  <a:txBody>
+                    <a:bodyPr/>
+                    <a:lstStyle/>
+                    <a:p>
+                      <a:pPr algn="r" rtl="1" fontAlgn="b"/>
+                      <a:r>
+                        <a:rPr lang="he-IL" sz="1600" b="0" i="0" u="none" strike="noStrike" dirty="0">
+                          <a:solidFill>
+                            <a:srgbClr val="000000"/>
+                          </a:solidFill>
+                          <a:effectLst/>
+                          <a:latin typeface="Arial" panose="020B0604020202020204" pitchFamily="34" charset="0"/>
+                        </a:rPr>
+                        <a:t>לפי שדה </a:t>
+                      </a:r>
+                      <a:r>
+                        <a:rPr lang="en-US" sz="1600" b="0" i="0" u="none" strike="noStrike" dirty="0">
+                          <a:solidFill>
+                            <a:srgbClr val="000000"/>
+                          </a:solidFill>
+                          <a:effectLst/>
+                          <a:latin typeface="Arial" panose="020B0604020202020204" pitchFamily="34" charset="0"/>
+                        </a:rPr>
+                        <a:t>STATUS</a:t>
+                      </a:r>
+                      <a:r>
+                        <a:rPr lang="he-IL" sz="1600" b="0" i="0" u="none" strike="noStrike" dirty="0">
+                          <a:solidFill>
+                            <a:srgbClr val="000000"/>
+                          </a:solidFill>
+                          <a:effectLst/>
+                          <a:latin typeface="Arial" panose="020B0604020202020204" pitchFamily="34" charset="0"/>
+                        </a:rPr>
+                        <a:t> עם מיפוי ערכים</a:t>
+                      </a:r>
+                      <a:endParaRPr lang="en-US" sz="1600" b="0" i="0" u="none" strike="noStrike" dirty="0">
+                        <a:solidFill>
+                          <a:srgbClr val="000000"/>
+                        </a:solidFill>
+                        <a:effectLst/>
+                        <a:latin typeface="Arial" panose="020B0604020202020204" pitchFamily="34" charset="0"/>
+                      </a:endParaRPr>
+                    </a:p>
+                  </a:txBody>
+                  <a:tcPr marL="9525" marR="9525" marT="9525" marB="0" anchor="b">
+                    <a:solidFill>
+                      <a:schemeClr val="bg1"/>
+                    </a:solidFill>
+                  </a:tcPr>
+                </a:tc>
+                <a:extLst>
+                  <a:ext uri="{0D108BD9-81ED-4DB2-BD59-A6C34878D82A}">
+                    <a16:rowId xmlns:a16="http://schemas.microsoft.com/office/drawing/2014/main" val="2004129300"/>
+                  </a:ext>
+                </a:extLst>
+              </a:tr>
+              <a:tr h="361466">
+                <a:tc>
+                  <a:txBody>
+                    <a:bodyPr/>
+                    <a:lstStyle/>
+                    <a:p>
+                      <a:pPr algn="ctr" rtl="0" fontAlgn="b"/>
+                      <a:r>
+                        <a:rPr lang="en-US" sz="1600" b="0" i="0" u="none" strike="noStrike" dirty="0" err="1">
+                          <a:solidFill>
+                            <a:srgbClr val="000000"/>
+                          </a:solidFill>
+                          <a:effectLst/>
+                          <a:latin typeface="Arial" panose="020B0604020202020204" pitchFamily="34" charset="0"/>
+                        </a:rPr>
+                        <a:t>PlanName</a:t>
+                      </a:r>
+                      <a:endParaRPr lang="en-US" sz="1600" b="0" i="0" u="none" strike="noStrike" dirty="0">
+                        <a:solidFill>
+                          <a:srgbClr val="000000"/>
+                        </a:solidFill>
+                        <a:effectLst/>
+                        <a:latin typeface="Arial" panose="020B0604020202020204" pitchFamily="34" charset="0"/>
+                      </a:endParaRPr>
+                    </a:p>
+                  </a:txBody>
+                  <a:tcPr marL="9525" marR="9525" marT="9525" marB="0" anchor="b">
+                    <a:solidFill>
+                      <a:schemeClr val="bg1"/>
+                    </a:solidFill>
+                  </a:tcPr>
+                </a:tc>
+                <a:tc>
+                  <a:txBody>
+                    <a:bodyPr/>
+                    <a:lstStyle/>
+                    <a:p>
+                      <a:pPr algn="r" rtl="1" fontAlgn="b"/>
+                      <a:r>
+                        <a:rPr lang="he-IL" sz="1600" b="0" i="0" u="none" strike="noStrike" dirty="0">
+                          <a:solidFill>
+                            <a:srgbClr val="000000"/>
+                          </a:solidFill>
+                          <a:effectLst/>
+                          <a:latin typeface="Arial" panose="020B0604020202020204" pitchFamily="34" charset="0"/>
+                        </a:rPr>
+                        <a:t>לפי שדה </a:t>
+                      </a:r>
+                      <a:r>
+                        <a:rPr lang="en-US" sz="1600" b="0" i="0" u="none" strike="noStrike" dirty="0">
+                          <a:solidFill>
+                            <a:srgbClr val="000000"/>
+                          </a:solidFill>
+                          <a:effectLst/>
+                          <a:latin typeface="Arial" panose="020B0604020202020204" pitchFamily="34" charset="0"/>
+                        </a:rPr>
+                        <a:t>NAME</a:t>
+                      </a:r>
+                      <a:r>
+                        <a:rPr lang="he-IL" sz="1600" b="0" i="0" u="none" strike="noStrike" dirty="0">
+                          <a:solidFill>
+                            <a:srgbClr val="000000"/>
+                          </a:solidFill>
+                          <a:effectLst/>
+                          <a:latin typeface="Arial" panose="020B0604020202020204" pitchFamily="34" charset="0"/>
+                        </a:rPr>
+                        <a:t> של </a:t>
+                      </a:r>
+                      <a:r>
+                        <a:rPr lang="en-US" sz="1600" b="0" i="0" u="none" strike="noStrike" dirty="0">
+                          <a:solidFill>
+                            <a:srgbClr val="000000"/>
+                          </a:solidFill>
+                          <a:effectLst/>
+                          <a:latin typeface="Arial" panose="020B0604020202020204" pitchFamily="34" charset="0"/>
+                        </a:rPr>
+                        <a:t>ORCALE</a:t>
+                      </a:r>
+                    </a:p>
+                  </a:txBody>
+                  <a:tcPr marL="9525" marR="9525" marT="9525" marB="0" anchor="b">
+                    <a:solidFill>
+                      <a:schemeClr val="bg1"/>
+                    </a:solidFill>
+                  </a:tcPr>
+                </a:tc>
+                <a:extLst>
+                  <a:ext uri="{0D108BD9-81ED-4DB2-BD59-A6C34878D82A}">
+                    <a16:rowId xmlns:a16="http://schemas.microsoft.com/office/drawing/2014/main" val="3460576631"/>
+                  </a:ext>
+                </a:extLst>
+              </a:tr>
+              <a:tr h="361466">
+                <a:tc>
+                  <a:txBody>
+                    <a:bodyPr/>
+                    <a:lstStyle/>
+                    <a:p>
+                      <a:pPr algn="ctr" rtl="0" fontAlgn="b"/>
+                      <a:r>
+                        <a:rPr lang="en-US" sz="1600" b="0" i="0" u="none" strike="noStrike" dirty="0" err="1">
+                          <a:solidFill>
+                            <a:srgbClr val="000000"/>
+                          </a:solidFill>
+                          <a:effectLst/>
+                          <a:latin typeface="Arial" panose="020B0604020202020204" pitchFamily="34" charset="0"/>
+                        </a:rPr>
+                        <a:t>SurveyorLicsenseId</a:t>
+                      </a:r>
+                      <a:endParaRPr lang="en-US" sz="1600" b="0" i="0" u="none" strike="noStrike" dirty="0">
+                        <a:solidFill>
+                          <a:srgbClr val="000000"/>
+                        </a:solidFill>
+                        <a:effectLst/>
+                        <a:latin typeface="Arial" panose="020B0604020202020204" pitchFamily="34" charset="0"/>
+                      </a:endParaRPr>
+                    </a:p>
+                  </a:txBody>
+                  <a:tcPr marL="9525" marR="9525" marT="9525" marB="0" anchor="b">
+                    <a:solidFill>
+                      <a:schemeClr val="bg1"/>
+                    </a:solidFill>
+                  </a:tcPr>
+                </a:tc>
+                <a:tc>
+                  <a:txBody>
+                    <a:bodyPr/>
+                    <a:lstStyle/>
+                    <a:p>
+                      <a:pPr algn="r" rtl="1" fontAlgn="b"/>
+                      <a:r>
+                        <a:rPr lang="en-US" sz="1600" b="0" i="0" u="none" strike="noStrike" dirty="0">
+                          <a:solidFill>
+                            <a:srgbClr val="000000"/>
+                          </a:solidFill>
+                          <a:effectLst/>
+                          <a:latin typeface="Arial" panose="020B0604020202020204" pitchFamily="34" charset="0"/>
+                        </a:rPr>
+                        <a:t>None</a:t>
+                      </a:r>
+                      <a:r>
+                        <a:rPr lang="he-IL" sz="1600" b="0" i="0" u="none" strike="noStrike" dirty="0">
+                          <a:solidFill>
+                            <a:srgbClr val="000000"/>
+                          </a:solidFill>
+                          <a:effectLst/>
+                          <a:latin typeface="Arial" panose="020B0604020202020204" pitchFamily="34" charset="0"/>
+                        </a:rPr>
+                        <a:t> (</a:t>
+                      </a:r>
+                      <a:r>
+                        <a:rPr lang="he-IL" sz="1600" b="0" i="0" u="none" strike="noStrike" dirty="0" err="1">
+                          <a:solidFill>
+                            <a:srgbClr val="000000"/>
+                          </a:solidFill>
+                          <a:effectLst/>
+                          <a:latin typeface="Arial" panose="020B0604020202020204" pitchFamily="34" charset="0"/>
+                        </a:rPr>
+                        <a:t>בפסדקי</a:t>
+                      </a:r>
+                      <a:r>
+                        <a:rPr lang="he-IL" sz="1600" b="0" i="0" u="none" strike="noStrike" dirty="0">
+                          <a:solidFill>
+                            <a:srgbClr val="000000"/>
+                          </a:solidFill>
+                          <a:effectLst/>
+                          <a:latin typeface="Arial" panose="020B0604020202020204" pitchFamily="34" charset="0"/>
+                        </a:rPr>
+                        <a:t> דין אין מודד מבצע)</a:t>
+                      </a:r>
+                      <a:endParaRPr lang="en-US" sz="1600" b="0" i="0" u="none" strike="noStrike" dirty="0">
+                        <a:solidFill>
+                          <a:srgbClr val="000000"/>
+                        </a:solidFill>
+                        <a:effectLst/>
+                        <a:latin typeface="Arial" panose="020B0604020202020204" pitchFamily="34" charset="0"/>
+                      </a:endParaRPr>
+                    </a:p>
+                  </a:txBody>
+                  <a:tcPr marL="9525" marR="9525" marT="9525" marB="0" anchor="b">
+                    <a:solidFill>
+                      <a:schemeClr val="bg1"/>
+                    </a:solidFill>
+                  </a:tcPr>
+                </a:tc>
+                <a:extLst>
+                  <a:ext uri="{0D108BD9-81ED-4DB2-BD59-A6C34878D82A}">
+                    <a16:rowId xmlns:a16="http://schemas.microsoft.com/office/drawing/2014/main" val="2477219002"/>
+                  </a:ext>
+                </a:extLst>
+              </a:tr>
+              <a:tr h="361466">
+                <a:tc>
+                  <a:txBody>
+                    <a:bodyPr/>
+                    <a:lstStyle/>
+                    <a:p>
+                      <a:pPr algn="ctr" rtl="0" fontAlgn="b"/>
+                      <a:r>
+                        <a:rPr lang="en-US" sz="1600" b="0" i="0" u="none" strike="noStrike" dirty="0" err="1">
+                          <a:solidFill>
+                            <a:srgbClr val="000000"/>
+                          </a:solidFill>
+                          <a:effectLst/>
+                          <a:latin typeface="Arial" panose="020B0604020202020204" pitchFamily="34" charset="0"/>
+                        </a:rPr>
+                        <a:t>DataSource</a:t>
+                      </a:r>
+                      <a:endParaRPr lang="en-US" sz="1600" b="0" i="0" u="none" strike="noStrike" dirty="0">
+                        <a:solidFill>
+                          <a:srgbClr val="000000"/>
+                        </a:solidFill>
+                        <a:effectLst/>
+                        <a:latin typeface="Arial" panose="020B0604020202020204" pitchFamily="34" charset="0"/>
+                      </a:endParaRPr>
+                    </a:p>
+                  </a:txBody>
+                  <a:tcPr marL="9525" marR="9525" marT="9525" marB="0" anchor="b">
+                    <a:solidFill>
+                      <a:schemeClr val="bg1"/>
+                    </a:solidFill>
+                  </a:tcPr>
+                </a:tc>
+                <a:tc>
+                  <a:txBody>
+                    <a:bodyPr/>
+                    <a:lstStyle/>
+                    <a:p>
+                      <a:pPr algn="r" rtl="1" fontAlgn="b"/>
+                      <a:r>
+                        <a:rPr lang="he-IL" sz="1600" b="0" i="0" u="none" strike="noStrike" dirty="0">
+                          <a:solidFill>
+                            <a:srgbClr val="000000"/>
+                          </a:solidFill>
+                          <a:effectLst/>
+                          <a:latin typeface="Arial" panose="020B0604020202020204" pitchFamily="34" charset="0"/>
+                        </a:rPr>
+                        <a:t>3 (סקיצה של פקיד הסדר)</a:t>
+                      </a:r>
+                      <a:endParaRPr lang="en-US" sz="1600" b="0" i="0" u="none" strike="noStrike" dirty="0">
+                        <a:solidFill>
+                          <a:srgbClr val="000000"/>
+                        </a:solidFill>
+                        <a:effectLst/>
+                        <a:latin typeface="Arial" panose="020B0604020202020204" pitchFamily="34" charset="0"/>
+                      </a:endParaRPr>
+                    </a:p>
+                  </a:txBody>
+                  <a:tcPr marL="9525" marR="9525" marT="9525" marB="0" anchor="b">
+                    <a:solidFill>
+                      <a:schemeClr val="bg1"/>
+                    </a:solidFill>
+                  </a:tcPr>
+                </a:tc>
+                <a:extLst>
+                  <a:ext uri="{0D108BD9-81ED-4DB2-BD59-A6C34878D82A}">
+                    <a16:rowId xmlns:a16="http://schemas.microsoft.com/office/drawing/2014/main" val="1395535567"/>
+                  </a:ext>
+                </a:extLst>
+              </a:tr>
+            </a:tbl>
+          </a:graphicData>
+        </a:graphic>
+      </p:graphicFrame>
     </p:spTree>
     <p:extLst>
       <p:ext uri="{BB962C8B-B14F-4D97-AF65-F5344CB8AC3E}">
-        <p14:creationId xmlns:p14="http://schemas.microsoft.com/office/powerpoint/2010/main" val="3276741729"/>
-      </p:ext>
-    </p:extLst>
-  </p:cSld>
-  <p:clrMapOvr>
-    <a:masterClrMapping/>
-  </p:clrMapOvr>
-  <p:transition/>
-  <p:timing>
-    <p:tnLst>
-      <p:par>
-        <p:cTn id="1" dur="indefinite" restart="never" nodeType="tmRoot"/>
-      </p:par>
-    </p:tnLst>
-  </p:timing>
-</p:sld>
-</file>
-
-<file path=ppt/slides/slide7.xml><?xml version="1.0" encoding="utf-8"?>
-<p:sld xmlns:a="http://schemas.openxmlformats.org/drawingml/2006/main" xmlns:r="http://schemas.openxmlformats.org/officeDocument/2006/relationships" xmlns:p="http://schemas.openxmlformats.org/presentationml/2006/main">
-  <p:cSld>
-    <p:spTree>
-      <p:nvGrpSpPr>
-        <p:cNvPr id="1" name=""/>
-        <p:cNvGrpSpPr/>
-        <p:nvPr/>
-      </p:nvGrpSpPr>
-      <p:grpSpPr>
-        <a:xfrm>
-          <a:off x="0" y="0"/>
-          <a:ext cx="0" cy="0"/>
-          <a:chOff x="0" y="0"/>
-          <a:chExt cx="0" cy="0"/>
-        </a:xfrm>
-      </p:grpSpPr>
-      <p:sp>
-        <p:nvSpPr>
-          <p:cNvPr id="6" name="כותרת 1">
-            <a:extLst>
-              <a:ext uri="{FF2B5EF4-FFF2-40B4-BE49-F238E27FC236}">
-                <a16:creationId xmlns:a16="http://schemas.microsoft.com/office/drawing/2014/main" id="{ECC8760F-EA9E-47A2-A93F-1EAD44E763EE}"/>
-              </a:ext>
-            </a:extLst>
-          </p:cNvPr>
-          <p:cNvSpPr txBox="1"/>
-          <p:nvPr/>
-        </p:nvSpPr>
-        <p:spPr>
-          <a:xfrm>
-            <a:off x="571500" y="247799"/>
-            <a:ext cx="11043138" cy="622570"/>
-          </a:xfrm>
-          <a:prstGeom prst="rect">
-            <a:avLst/>
-          </a:prstGeom>
-          <a:noFill/>
-          <a:ln>
-            <a:noFill/>
-          </a:ln>
-          <a:effectLst/>
-        </p:spPr>
-        <p:txBody>
-          <a:bodyPr vert="horz" lIns="91440" tIns="45720" rIns="91440" bIns="45720" rtlCol="0" anchor="ctr">
-            <a:noAutofit/>
-          </a:bodyPr>
-          <a:lstStyle>
-            <a:defPPr>
-              <a:defRPr lang="en-US"/>
-            </a:defPPr>
-            <a:lvl1pPr algn="ctr" defTabSz="914400" rtl="1">
-              <a:lnSpc>
-                <a:spcPct val="90000"/>
-              </a:lnSpc>
-              <a:spcBef>
-                <a:spcPct val="0"/>
-              </a:spcBef>
-              <a:buNone/>
-              <a:defRPr sz="4400" b="1">
-                <a:solidFill>
-                  <a:schemeClr val="bg1"/>
-                </a:solidFill>
-                <a:latin typeface="+mj-lt"/>
-                <a:ea typeface="+mj-ea"/>
-              </a:defRPr>
-            </a:lvl1pPr>
-          </a:lstStyle>
-          <a:p>
-            <a:pPr algn="r"/>
-            <a:r>
-              <a:rPr lang="he-IL" sz="3600" dirty="0" smtClean="0">
-                <a:solidFill>
-                  <a:srgbClr val="002060"/>
-                </a:solidFill>
-                <a:latin typeface="Calibri" panose="020F0502020204030204" pitchFamily="34" charset="0"/>
-                <a:cs typeface="Calibri" panose="020F0502020204030204" pitchFamily="34" charset="0"/>
-              </a:rPr>
-              <a:t>עיבוד מידע טבלאי לסכמה חדשה-המשך</a:t>
-            </a:r>
-            <a:endParaRPr lang="he-IL" sz="3600" dirty="0">
-              <a:solidFill>
-                <a:srgbClr val="002060"/>
-              </a:solidFill>
-              <a:latin typeface="Calibri" panose="020F0502020204030204" pitchFamily="34" charset="0"/>
-              <a:cs typeface="Calibri" panose="020F0502020204030204" pitchFamily="34" charset="0"/>
-            </a:endParaRPr>
-          </a:p>
-        </p:txBody>
-      </p:sp>
-      <p:pic>
-        <p:nvPicPr>
-          <p:cNvPr id="2" name="Picture 1"/>
-          <p:cNvPicPr>
-            <a:picLocks noChangeAspect="1"/>
-          </p:cNvPicPr>
-          <p:nvPr/>
-        </p:nvPicPr>
-        <p:blipFill>
-          <a:blip r:embed="rId2"/>
-          <a:stretch>
-            <a:fillRect/>
-          </a:stretch>
-        </p:blipFill>
-        <p:spPr>
-          <a:xfrm>
-            <a:off x="2181225" y="942975"/>
-            <a:ext cx="8510790" cy="5404662"/>
-          </a:xfrm>
-          <a:prstGeom prst="rect">
-            <a:avLst/>
-          </a:prstGeom>
-        </p:spPr>
-      </p:pic>
-    </p:spTree>
-    <p:extLst>
-      <p:ext uri="{BB962C8B-B14F-4D97-AF65-F5344CB8AC3E}">
-        <p14:creationId xmlns:p14="http://schemas.microsoft.com/office/powerpoint/2010/main" val="767070806"/>
-      </p:ext>
-    </p:extLst>
-  </p:cSld>
-  <p:clrMapOvr>
-    <a:masterClrMapping/>
-  </p:clrMapOvr>
-  <p:transition/>
-  <p:timing>
-    <p:tnLst>
-      <p:par>
-        <p:cTn id="1" dur="indefinite" restart="never" nodeType="tmRoot"/>
-      </p:par>
-    </p:tnLst>
-  </p:timing>
-</p:sld>
-</file>
-
-<file path=ppt/slides/slide8.xml><?xml version="1.0" encoding="utf-8"?>
-<p:sld xmlns:a="http://schemas.openxmlformats.org/drawingml/2006/main" xmlns:r="http://schemas.openxmlformats.org/officeDocument/2006/relationships" xmlns:p="http://schemas.openxmlformats.org/presentationml/2006/main">
-  <p:cSld>
-    <p:spTree>
-      <p:nvGrpSpPr>
-        <p:cNvPr id="1" name=""/>
-        <p:cNvGrpSpPr/>
-        <p:nvPr/>
-      </p:nvGrpSpPr>
-      <p:grpSpPr>
-        <a:xfrm>
-          <a:off x="0" y="0"/>
-          <a:ext cx="0" cy="0"/>
-          <a:chOff x="0" y="0"/>
-          <a:chExt cx="0" cy="0"/>
-        </a:xfrm>
-      </p:grpSpPr>
-      <p:sp>
-        <p:nvSpPr>
-          <p:cNvPr id="5" name="כותרת 1">
-            <a:extLst>
-              <a:ext uri="{FF2B5EF4-FFF2-40B4-BE49-F238E27FC236}">
-                <a16:creationId xmlns:a16="http://schemas.microsoft.com/office/drawing/2014/main" id="{ECC8760F-EA9E-47A2-A93F-1EAD44E763EE}"/>
-              </a:ext>
-            </a:extLst>
-          </p:cNvPr>
-          <p:cNvSpPr txBox="1"/>
-          <p:nvPr/>
-        </p:nvSpPr>
-        <p:spPr>
-          <a:xfrm>
-            <a:off x="571500" y="204257"/>
-            <a:ext cx="11043138" cy="622570"/>
-          </a:xfrm>
-          <a:prstGeom prst="rect">
-            <a:avLst/>
-          </a:prstGeom>
-          <a:noFill/>
-          <a:ln>
-            <a:noFill/>
-          </a:ln>
-          <a:effectLst/>
-        </p:spPr>
-        <p:txBody>
-          <a:bodyPr vert="horz" lIns="91440" tIns="45720" rIns="91440" bIns="45720" rtlCol="0" anchor="ctr">
-            <a:noAutofit/>
-          </a:bodyPr>
-          <a:lstStyle>
-            <a:defPPr>
-              <a:defRPr lang="en-US"/>
-            </a:defPPr>
-            <a:lvl1pPr algn="ctr" defTabSz="914400" rtl="1">
-              <a:lnSpc>
-                <a:spcPct val="90000"/>
-              </a:lnSpc>
-              <a:spcBef>
-                <a:spcPct val="0"/>
-              </a:spcBef>
-              <a:buNone/>
-              <a:defRPr sz="4400" b="1">
-                <a:solidFill>
-                  <a:schemeClr val="bg1"/>
-                </a:solidFill>
-                <a:latin typeface="+mj-lt"/>
-                <a:ea typeface="+mj-ea"/>
-              </a:defRPr>
-            </a:lvl1pPr>
-          </a:lstStyle>
-          <a:p>
-            <a:pPr algn="r"/>
-            <a:r>
-              <a:rPr lang="he-IL" sz="3600" dirty="0" smtClean="0">
-                <a:solidFill>
-                  <a:srgbClr val="002060"/>
-                </a:solidFill>
-                <a:latin typeface="Calibri" panose="020F0502020204030204" pitchFamily="34" charset="0"/>
-                <a:cs typeface="Calibri" panose="020F0502020204030204" pitchFamily="34" charset="0"/>
-              </a:rPr>
-              <a:t>עיבוד מידע טבלאי לסכמה חדשה-המשך</a:t>
-            </a:r>
-            <a:endParaRPr lang="he-IL" sz="3600" dirty="0">
-              <a:solidFill>
-                <a:srgbClr val="002060"/>
-              </a:solidFill>
-              <a:latin typeface="Calibri" panose="020F0502020204030204" pitchFamily="34" charset="0"/>
-              <a:cs typeface="Calibri" panose="020F0502020204030204" pitchFamily="34" charset="0"/>
-            </a:endParaRPr>
-          </a:p>
-        </p:txBody>
-      </p:sp>
-      <p:pic>
-        <p:nvPicPr>
-          <p:cNvPr id="2" name="Picture 1"/>
-          <p:cNvPicPr>
-            <a:picLocks noChangeAspect="1"/>
-          </p:cNvPicPr>
-          <p:nvPr/>
-        </p:nvPicPr>
-        <p:blipFill>
-          <a:blip r:embed="rId2"/>
-          <a:stretch>
-            <a:fillRect/>
-          </a:stretch>
-        </p:blipFill>
-        <p:spPr>
-          <a:xfrm>
-            <a:off x="262637" y="1071562"/>
-            <a:ext cx="11682160" cy="4786978"/>
-          </a:xfrm>
-          <a:prstGeom prst="rect">
-            <a:avLst/>
-          </a:prstGeom>
-        </p:spPr>
-      </p:pic>
-    </p:spTree>
-    <p:extLst>
-      <p:ext uri="{BB962C8B-B14F-4D97-AF65-F5344CB8AC3E}">
-        <p14:creationId xmlns:p14="http://schemas.microsoft.com/office/powerpoint/2010/main" val="2267939085"/>
-      </p:ext>
-    </p:extLst>
-  </p:cSld>
-  <p:clrMapOvr>
-    <a:masterClrMapping/>
-  </p:clrMapOvr>
-  <p:transition/>
-  <p:timing>
-    <p:tnLst>
-      <p:par>
-        <p:cTn id="1" dur="indefinite" restart="never" nodeType="tmRoot"/>
-      </p:par>
-    </p:tnLst>
-  </p:timing>
-</p:sld>
-</file>
-
-<file path=ppt/slides/slide9.xml><?xml version="1.0" encoding="utf-8"?>
-<p:sld xmlns:a="http://schemas.openxmlformats.org/drawingml/2006/main" xmlns:r="http://schemas.openxmlformats.org/officeDocument/2006/relationships" xmlns:p="http://schemas.openxmlformats.org/presentationml/2006/main">
-  <p:cSld>
-    <p:spTree>
-      <p:nvGrpSpPr>
-        <p:cNvPr id="1" name=""/>
-        <p:cNvGrpSpPr/>
-        <p:nvPr/>
-      </p:nvGrpSpPr>
-      <p:grpSpPr>
-        <a:xfrm>
-          <a:off x="0" y="0"/>
-          <a:ext cx="0" cy="0"/>
-          <a:chOff x="0" y="0"/>
-          <a:chExt cx="0" cy="0"/>
-        </a:xfrm>
-      </p:grpSpPr>
-      <p:pic>
-        <p:nvPicPr>
-          <p:cNvPr id="4" name="Picture 3"/>
-          <p:cNvPicPr>
-            <a:picLocks noChangeAspect="1"/>
-          </p:cNvPicPr>
-          <p:nvPr/>
-        </p:nvPicPr>
-        <p:blipFill>
-          <a:blip r:embed="rId2"/>
-          <a:stretch>
-            <a:fillRect/>
-          </a:stretch>
-        </p:blipFill>
-        <p:spPr>
-          <a:xfrm>
-            <a:off x="253521" y="996956"/>
-            <a:ext cx="11697473" cy="2672223"/>
-          </a:xfrm>
-          <a:prstGeom prst="rect">
-            <a:avLst/>
-          </a:prstGeom>
-        </p:spPr>
-      </p:pic>
-      <p:sp>
-        <p:nvSpPr>
-          <p:cNvPr id="5" name="כותרת 1">
-            <a:extLst>
-              <a:ext uri="{FF2B5EF4-FFF2-40B4-BE49-F238E27FC236}">
-                <a16:creationId xmlns:a16="http://schemas.microsoft.com/office/drawing/2014/main" id="{ECC8760F-EA9E-47A2-A93F-1EAD44E763EE}"/>
-              </a:ext>
-            </a:extLst>
-          </p:cNvPr>
-          <p:cNvSpPr txBox="1"/>
-          <p:nvPr/>
-        </p:nvSpPr>
-        <p:spPr>
-          <a:xfrm>
-            <a:off x="474470" y="193625"/>
-            <a:ext cx="11043138" cy="622570"/>
-          </a:xfrm>
-          <a:prstGeom prst="rect">
-            <a:avLst/>
-          </a:prstGeom>
-          <a:noFill/>
-          <a:ln>
-            <a:noFill/>
-          </a:ln>
-          <a:effectLst/>
-        </p:spPr>
-        <p:txBody>
-          <a:bodyPr vert="horz" lIns="91440" tIns="45720" rIns="91440" bIns="45720" rtlCol="0" anchor="ctr">
-            <a:noAutofit/>
-          </a:bodyPr>
-          <a:lstStyle>
-            <a:defPPr>
-              <a:defRPr lang="en-US"/>
-            </a:defPPr>
-            <a:lvl1pPr algn="ctr" defTabSz="914400" rtl="1">
-              <a:lnSpc>
-                <a:spcPct val="90000"/>
-              </a:lnSpc>
-              <a:spcBef>
-                <a:spcPct val="0"/>
-              </a:spcBef>
-              <a:buNone/>
-              <a:defRPr sz="4400" b="1">
-                <a:solidFill>
-                  <a:schemeClr val="bg1"/>
-                </a:solidFill>
-                <a:latin typeface="+mj-lt"/>
-                <a:ea typeface="+mj-ea"/>
-              </a:defRPr>
-            </a:lvl1pPr>
-          </a:lstStyle>
-          <a:p>
-            <a:pPr algn="r"/>
-            <a:r>
-              <a:rPr lang="he-IL" sz="3600" dirty="0" smtClean="0">
-                <a:solidFill>
-                  <a:srgbClr val="002060"/>
-                </a:solidFill>
-                <a:latin typeface="Calibri" panose="020F0502020204030204" pitchFamily="34" charset="0"/>
-                <a:cs typeface="Calibri" panose="020F0502020204030204" pitchFamily="34" charset="0"/>
-              </a:rPr>
-              <a:t>עיבוד מידע טבלאי לסכמה חדשה-המשך</a:t>
-            </a:r>
-            <a:endParaRPr lang="he-IL" sz="3600" dirty="0">
-              <a:solidFill>
-                <a:srgbClr val="002060"/>
-              </a:solidFill>
-              <a:latin typeface="Calibri" panose="020F0502020204030204" pitchFamily="34" charset="0"/>
-              <a:cs typeface="Calibri" panose="020F0502020204030204" pitchFamily="34" charset="0"/>
-            </a:endParaRPr>
-          </a:p>
-        </p:txBody>
-      </p:sp>
-      <p:pic>
-        <p:nvPicPr>
-          <p:cNvPr id="6" name="Picture 5"/>
-          <p:cNvPicPr>
-            <a:picLocks noChangeAspect="1"/>
-          </p:cNvPicPr>
-          <p:nvPr/>
-        </p:nvPicPr>
-        <p:blipFill>
-          <a:blip r:embed="rId3"/>
-          <a:stretch>
-            <a:fillRect/>
-          </a:stretch>
-        </p:blipFill>
-        <p:spPr>
-          <a:xfrm>
-            <a:off x="1040218" y="4561368"/>
-            <a:ext cx="9846967" cy="957484"/>
-          </a:xfrm>
-          <a:prstGeom prst="rect">
-            <a:avLst/>
-          </a:prstGeom>
-        </p:spPr>
-      </p:pic>
-    </p:spTree>
-    <p:extLst>
-      <p:ext uri="{BB962C8B-B14F-4D97-AF65-F5344CB8AC3E}">
-        <p14:creationId xmlns:p14="http://schemas.microsoft.com/office/powerpoint/2010/main" val="991856613"/>
+        <p14:creationId xmlns:p14="http://schemas.microsoft.com/office/powerpoint/2010/main" val="1955345975"/>
       </p:ext>
     </p:extLst>
   </p:cSld>
